--- a/开题报告.pptx
+++ b/开题报告.pptx
@@ -22,7 +22,7 @@
     <p:sldId id="275" r:id="rId13"/>
     <p:sldId id="276" r:id="rId14"/>
     <p:sldId id="283" r:id="rId15"/>
-    <p:sldId id="280" r:id="rId16"/>
+    <p:sldId id="290" r:id="rId16"/>
     <p:sldId id="281" r:id="rId17"/>
     <p:sldId id="288" r:id="rId18"/>
     <p:sldId id="279" r:id="rId19"/>
@@ -155,22 +155,6 @@
       </a:defRPr>
     </a:lvl9pPr>
   </p:defaultTextStyle>
-  <p:extLst>
-    <p:ext uri="{EFAFB233-063F-42B5-8137-9DF3F51BA10A}">
-      <p15:sldGuideLst xmlns:p15="http://schemas.microsoft.com/office/powerpoint/2012/main">
-        <p15:guide id="1" orient="horz" pos="2160">
-          <p15:clr>
-            <a:srgbClr val="A4A3A4"/>
-          </p15:clr>
-        </p15:guide>
-        <p15:guide id="2" pos="2880">
-          <p15:clr>
-            <a:srgbClr val="A4A3A4"/>
-          </p15:clr>
-        </p15:guide>
-      </p15:sldGuideLst>
-    </p:ext>
-  </p:extLst>
 </p:presentation>
 </file>
 
@@ -178,9 +162,12 @@
 <p:notesMaster xmlns:a="http://schemas.openxmlformats.org/drawingml/2006/main" xmlns:r="http://schemas.openxmlformats.org/officeDocument/2006/relationships" xmlns:p="http://schemas.openxmlformats.org/presentationml/2006/main">
   <p:cSld>
     <p:bg>
-      <p:bgRef idx="1001">
-        <a:schemeClr val="bg1"/>
-      </p:bgRef>
+      <p:bgPr>
+        <a:solidFill>
+          <a:schemeClr val="bg1"/>
+        </a:solidFill>
+        <a:effectLst/>
+      </p:bgPr>
     </p:bg>
     <p:spTree>
       <p:nvGrpSpPr>
@@ -223,6 +210,9 @@
             </a:lvl1pPr>
           </a:lstStyle>
           <a:p>
+            <a:pPr>
+              <a:defRPr/>
+            </a:pPr>
             <a:endParaRPr lang="zh-CN" altLang="en-US"/>
           </a:p>
         </p:txBody>
@@ -254,9 +244,15 @@
             </a:lvl1pPr>
           </a:lstStyle>
           <a:p>
-            <a:fld id="{EFE9DE56-D8D5-482B-9CC7-FCD6FC5ED296}" type="datetimeFigureOut">
-              <a:rPr lang="zh-CN" altLang="en-US" smtClean="0"/>
-              <a:t>2017/7/3</a:t>
+            <a:pPr>
+              <a:defRPr/>
+            </a:pPr>
+            <a:fld id="{B2BECB50-630C-40F5-9DA6-2819179A45F5}" type="datetimeFigureOut">
+              <a:rPr lang="zh-CN" altLang="en-US"/>
+              <a:pPr>
+                <a:defRPr/>
+              </a:pPr>
+              <a:t>2017-7-4</a:t>
             </a:fld>
             <a:endParaRPr lang="zh-CN" altLang="en-US"/>
           </a:p>
@@ -291,7 +287,8 @@
           <a:bodyPr vert="horz" lIns="91440" tIns="45720" rIns="91440" bIns="45720" rtlCol="0" anchor="ctr"/>
           <a:lstStyle/>
           <a:p>
-            <a:endParaRPr lang="zh-CN" altLang="en-US"/>
+            <a:pPr lvl="0"/>
+            <a:endParaRPr lang="zh-CN" altLang="en-US" noProof="0"/>
           </a:p>
         </p:txBody>
       </p:sp>
@@ -320,38 +317,38 @@
           <a:p>
             <a:pPr lvl="0"/>
             <a:r>
-              <a:rPr lang="zh-CN" altLang="en-US" smtClean="0"/>
+              <a:rPr lang="zh-CN" altLang="en-US" noProof="0" smtClean="0"/>
               <a:t>单击此处编辑母版文本样式</a:t>
             </a:r>
           </a:p>
           <a:p>
             <a:pPr lvl="1"/>
             <a:r>
-              <a:rPr lang="zh-CN" altLang="en-US" smtClean="0"/>
+              <a:rPr lang="zh-CN" altLang="en-US" noProof="0" smtClean="0"/>
               <a:t>第二级</a:t>
             </a:r>
           </a:p>
           <a:p>
             <a:pPr lvl="2"/>
             <a:r>
-              <a:rPr lang="zh-CN" altLang="en-US" smtClean="0"/>
+              <a:rPr lang="zh-CN" altLang="en-US" noProof="0" smtClean="0"/>
               <a:t>第三级</a:t>
             </a:r>
           </a:p>
           <a:p>
             <a:pPr lvl="3"/>
             <a:r>
-              <a:rPr lang="zh-CN" altLang="en-US" smtClean="0"/>
+              <a:rPr lang="zh-CN" altLang="en-US" noProof="0" smtClean="0"/>
               <a:t>第四级</a:t>
             </a:r>
           </a:p>
           <a:p>
             <a:pPr lvl="4"/>
             <a:r>
-              <a:rPr lang="zh-CN" altLang="en-US" smtClean="0"/>
+              <a:rPr lang="zh-CN" altLang="en-US" noProof="0" smtClean="0"/>
               <a:t>第五级</a:t>
             </a:r>
-            <a:endParaRPr lang="zh-CN" altLang="en-US"/>
+            <a:endParaRPr lang="zh-CN" altLang="en-US" noProof="0"/>
           </a:p>
         </p:txBody>
       </p:sp>
@@ -382,6 +379,9 @@
             </a:lvl1pPr>
           </a:lstStyle>
           <a:p>
+            <a:pPr>
+              <a:defRPr/>
+            </a:pPr>
             <a:endParaRPr lang="zh-CN" altLang="en-US"/>
           </a:p>
         </p:txBody>
@@ -413,8 +413,14 @@
             </a:lvl1pPr>
           </a:lstStyle>
           <a:p>
-            <a:fld id="{8846F386-08D9-4F9E-96BC-E5FC66E7DE9F}" type="slidenum">
-              <a:rPr lang="zh-CN" altLang="en-US" smtClean="0"/>
+            <a:pPr>
+              <a:defRPr/>
+            </a:pPr>
+            <a:fld id="{BAF360A8-BAF6-47EE-B971-9B2EDCBBADA4}" type="slidenum">
+              <a:rPr lang="zh-CN" altLang="en-US"/>
+              <a:pPr>
+                <a:defRPr/>
+              </a:pPr>
               <a:t>‹#›</a:t>
             </a:fld>
             <a:endParaRPr lang="zh-CN" altLang="en-US"/>
@@ -422,15 +428,16 @@
         </p:txBody>
       </p:sp>
     </p:spTree>
-    <p:extLst>
-      <p:ext uri="{BB962C8B-B14F-4D97-AF65-F5344CB8AC3E}">
-        <p14:creationId xmlns:p14="http://schemas.microsoft.com/office/powerpoint/2010/main" val="2332441840"/>
-      </p:ext>
-    </p:extLst>
   </p:cSld>
   <p:clrMap bg1="lt1" tx1="dk1" bg2="lt2" tx2="dk2" accent1="accent1" accent2="accent2" accent3="accent3" accent4="accent4" accent5="accent5" accent6="accent6" hlink="hlink" folHlink="folHlink"/>
   <p:notesStyle>
-    <a:lvl1pPr marL="0" algn="l" defTabSz="914400" rtl="0" eaLnBrk="1" latinLnBrk="0" hangingPunct="1">
+    <a:lvl1pPr algn="l" rtl="0" eaLnBrk="0" fontAlgn="base" hangingPunct="0">
+      <a:spcBef>
+        <a:spcPct val="30000"/>
+      </a:spcBef>
+      <a:spcAft>
+        <a:spcPct val="0"/>
+      </a:spcAft>
       <a:defRPr sz="1200" kern="1200">
         <a:solidFill>
           <a:schemeClr val="tx1"/>
@@ -440,7 +447,13 @@
         <a:cs typeface="+mn-cs"/>
       </a:defRPr>
     </a:lvl1pPr>
-    <a:lvl2pPr marL="457200" algn="l" defTabSz="914400" rtl="0" eaLnBrk="1" latinLnBrk="0" hangingPunct="1">
+    <a:lvl2pPr marL="457200" algn="l" rtl="0" eaLnBrk="0" fontAlgn="base" hangingPunct="0">
+      <a:spcBef>
+        <a:spcPct val="30000"/>
+      </a:spcBef>
+      <a:spcAft>
+        <a:spcPct val="0"/>
+      </a:spcAft>
       <a:defRPr sz="1200" kern="1200">
         <a:solidFill>
           <a:schemeClr val="tx1"/>
@@ -450,7 +463,13 @@
         <a:cs typeface="+mn-cs"/>
       </a:defRPr>
     </a:lvl2pPr>
-    <a:lvl3pPr marL="914400" algn="l" defTabSz="914400" rtl="0" eaLnBrk="1" latinLnBrk="0" hangingPunct="1">
+    <a:lvl3pPr marL="914400" algn="l" rtl="0" eaLnBrk="0" fontAlgn="base" hangingPunct="0">
+      <a:spcBef>
+        <a:spcPct val="30000"/>
+      </a:spcBef>
+      <a:spcAft>
+        <a:spcPct val="0"/>
+      </a:spcAft>
       <a:defRPr sz="1200" kern="1200">
         <a:solidFill>
           <a:schemeClr val="tx1"/>
@@ -460,7 +479,13 @@
         <a:cs typeface="+mn-cs"/>
       </a:defRPr>
     </a:lvl3pPr>
-    <a:lvl4pPr marL="1371600" algn="l" defTabSz="914400" rtl="0" eaLnBrk="1" latinLnBrk="0" hangingPunct="1">
+    <a:lvl4pPr marL="1371600" algn="l" rtl="0" eaLnBrk="0" fontAlgn="base" hangingPunct="0">
+      <a:spcBef>
+        <a:spcPct val="30000"/>
+      </a:spcBef>
+      <a:spcAft>
+        <a:spcPct val="0"/>
+      </a:spcAft>
       <a:defRPr sz="1200" kern="1200">
         <a:solidFill>
           <a:schemeClr val="tx1"/>
@@ -470,7 +495,13 @@
         <a:cs typeface="+mn-cs"/>
       </a:defRPr>
     </a:lvl4pPr>
-    <a:lvl5pPr marL="1828800" algn="l" defTabSz="914400" rtl="0" eaLnBrk="1" latinLnBrk="0" hangingPunct="1">
+    <a:lvl5pPr marL="1828800" algn="l" rtl="0" eaLnBrk="0" fontAlgn="base" hangingPunct="0">
+      <a:spcBef>
+        <a:spcPct val="30000"/>
+      </a:spcBef>
+      <a:spcAft>
+        <a:spcPct val="0"/>
+      </a:spcAft>
       <a:defRPr sz="1200" kern="1200">
         <a:solidFill>
           <a:schemeClr val="tx1"/>
@@ -543,7 +574,7 @@
       </p:grpSpPr>
       <p:sp>
         <p:nvSpPr>
-          <p:cNvPr id="2" name="幻灯片图像占位符 1"/>
+          <p:cNvPr id="17409" name="幻灯片图像占位符 1"/>
           <p:cNvSpPr>
             <a:spLocks noGrp="1" noRot="1" noChangeAspect="1"/>
           </p:cNvSpPr>
@@ -551,11 +582,21 @@
             <p:ph type="sldImg"/>
           </p:nvPr>
         </p:nvSpPr>
-        <p:spPr/>
-      </p:sp>
-      <p:sp>
-        <p:nvSpPr>
-          <p:cNvPr id="3" name="备注占位符 2"/>
+        <p:spPr bwMode="auto">
+          <a:noFill/>
+          <a:ln>
+            <a:solidFill>
+              <a:srgbClr val="000000"/>
+            </a:solidFill>
+            <a:miter lim="800000"/>
+            <a:headEnd/>
+            <a:tailEnd/>
+          </a:ln>
+        </p:spPr>
+      </p:sp>
+      <p:sp>
+        <p:nvSpPr>
+          <p:cNvPr id="17410" name="备注占位符 2"/>
           <p:cNvSpPr>
             <a:spLocks noGrp="1"/>
           </p:cNvSpPr>
@@ -563,30 +604,24 @@
             <p:ph type="body" idx="1"/>
           </p:nvPr>
         </p:nvSpPr>
-        <p:spPr/>
-        <p:txBody>
-          <a:bodyPr/>
+        <p:spPr bwMode="auto">
+          <a:noFill/>
+        </p:spPr>
+        <p:txBody>
+          <a:bodyPr wrap="square" numCol="1" anchor="t" anchorCtr="0" compatLnSpc="1">
+            <a:prstTxWarp prst="textNoShape">
+              <a:avLst/>
+            </a:prstTxWarp>
+          </a:bodyPr>
           <a:lstStyle/>
           <a:p>
-            <a:pPr marL="0" marR="0" indent="0" algn="l" defTabSz="914400" rtl="0" eaLnBrk="1" fontAlgn="auto" latinLnBrk="0" hangingPunct="1">
-              <a:lnSpc>
-                <a:spcPct val="100000"/>
-              </a:lnSpc>
+            <a:pPr eaLnBrk="1" hangingPunct="1">
               <a:spcBef>
-                <a:spcPts val="0"/>
+                <a:spcPct val="0"/>
               </a:spcBef>
-              <a:spcAft>
-                <a:spcPts val="0"/>
-              </a:spcAft>
-              <a:buClrTx/>
-              <a:buSzTx/>
-              <a:buFontTx/>
-              <a:buNone/>
-              <a:tabLst/>
-              <a:defRPr/>
             </a:pPr>
             <a:r>
-              <a:rPr kumimoji="1" lang="zh-CN" altLang="en-US" sz="1200" dirty="0" smtClean="0">
+              <a:rPr kumimoji="1" lang="zh-CN" altLang="en-US" smtClean="0">
                 <a:solidFill>
                   <a:srgbClr val="C81501"/>
                 </a:solidFill>
@@ -595,39 +630,66 @@
             </a:r>
           </a:p>
           <a:p>
-            <a:endParaRPr lang="zh-CN" altLang="en-US" dirty="0"/>
-          </a:p>
-        </p:txBody>
-      </p:sp>
-      <p:sp>
-        <p:nvSpPr>
-          <p:cNvPr id="4" name="灯片编号占位符 3"/>
+            <a:pPr eaLnBrk="1" hangingPunct="1">
+              <a:spcBef>
+                <a:spcPct val="0"/>
+              </a:spcBef>
+            </a:pPr>
+            <a:r>
+              <a:rPr kumimoji="1" lang="zh-CN" altLang="en-US" smtClean="0">
+                <a:solidFill>
+                  <a:srgbClr val="C81501"/>
+                </a:solidFill>
+              </a:rPr>
+              <a:t>国家标准规定，必须要对废物测量</a:t>
+            </a:r>
+          </a:p>
+          <a:p>
+            <a:pPr eaLnBrk="1" hangingPunct="1">
+              <a:spcBef>
+                <a:spcPct val="0"/>
+              </a:spcBef>
+            </a:pPr>
+            <a:endParaRPr lang="zh-CN" altLang="en-US" smtClean="0"/>
+          </a:p>
+        </p:txBody>
+      </p:sp>
+      <p:sp>
+        <p:nvSpPr>
+          <p:cNvPr id="17411" name="灯片编号占位符 3"/>
           <p:cNvSpPr>
             <a:spLocks noGrp="1"/>
           </p:cNvSpPr>
           <p:nvPr>
-            <p:ph type="sldNum" sz="quarter" idx="10"/>
+            <p:ph type="sldNum" sz="quarter" idx="5"/>
           </p:nvPr>
         </p:nvSpPr>
-        <p:spPr/>
-        <p:txBody>
-          <a:bodyPr/>
+        <p:spPr bwMode="auto">
+          <a:noFill/>
+          <a:ln>
+            <a:miter lim="800000"/>
+            <a:headEnd/>
+            <a:tailEnd/>
+          </a:ln>
+        </p:spPr>
+        <p:txBody>
+          <a:bodyPr wrap="square" numCol="1" anchorCtr="0" compatLnSpc="1">
+            <a:prstTxWarp prst="textNoShape">
+              <a:avLst/>
+            </a:prstTxWarp>
+          </a:bodyPr>
           <a:lstStyle/>
           <a:p>
-            <a:fld id="{8846F386-08D9-4F9E-96BC-E5FC66E7DE9F}" type="slidenum">
+            <a:fld id="{BC3C5175-DFBE-4FCF-B817-4A16FA11F2A9}" type="slidenum">
               <a:rPr lang="zh-CN" altLang="en-US" smtClean="0"/>
+              <a:pPr/>
               <a:t>3</a:t>
             </a:fld>
-            <a:endParaRPr lang="zh-CN" altLang="en-US"/>
+            <a:endParaRPr lang="en-US" altLang="zh-CN" smtClean="0"/>
           </a:p>
         </p:txBody>
       </p:sp>
     </p:spTree>
-    <p:extLst>
-      <p:ext uri="{BB962C8B-B14F-4D97-AF65-F5344CB8AC3E}">
-        <p14:creationId xmlns:p14="http://schemas.microsoft.com/office/powerpoint/2010/main" val="652700467"/>
-      </p:ext>
-    </p:extLst>
   </p:cSld>
   <p:clrMapOvr>
     <a:masterClrMapping/>
@@ -654,7 +716,7 @@
       </p:grpSpPr>
       <p:sp>
         <p:nvSpPr>
-          <p:cNvPr id="2" name="幻灯片图像占位符 1"/>
+          <p:cNvPr id="19457" name="幻灯片图像占位符 1"/>
           <p:cNvSpPr>
             <a:spLocks noGrp="1" noRot="1" noChangeAspect="1"/>
           </p:cNvSpPr>
@@ -662,11 +724,21 @@
             <p:ph type="sldImg"/>
           </p:nvPr>
         </p:nvSpPr>
-        <p:spPr/>
-      </p:sp>
-      <p:sp>
-        <p:nvSpPr>
-          <p:cNvPr id="3" name="备注占位符 2"/>
+        <p:spPr bwMode="auto">
+          <a:noFill/>
+          <a:ln>
+            <a:solidFill>
+              <a:srgbClr val="000000"/>
+            </a:solidFill>
+            <a:miter lim="800000"/>
+            <a:headEnd/>
+            <a:tailEnd/>
+          </a:ln>
+        </p:spPr>
+      </p:sp>
+      <p:sp>
+        <p:nvSpPr>
+          <p:cNvPr id="19458" name="备注占位符 2"/>
           <p:cNvSpPr>
             <a:spLocks noGrp="1"/>
           </p:cNvSpPr>
@@ -674,48 +746,103 @@
             <p:ph type="body" idx="1"/>
           </p:nvPr>
         </p:nvSpPr>
-        <p:spPr/>
-        <p:txBody>
-          <a:bodyPr/>
+        <p:spPr bwMode="auto">
+          <a:noFill/>
+        </p:spPr>
+        <p:txBody>
+          <a:bodyPr wrap="square" numCol="1" anchor="t" anchorCtr="0" compatLnSpc="1">
+            <a:prstTxWarp prst="textNoShape">
+              <a:avLst/>
+            </a:prstTxWarp>
+          </a:bodyPr>
           <a:lstStyle/>
           <a:p>
-            <a:r>
-              <a:rPr lang="zh-CN" altLang="en-US" dirty="0" smtClean="0"/>
+            <a:pPr eaLnBrk="1" hangingPunct="1">
+              <a:spcBef>
+                <a:spcPct val="0"/>
+              </a:spcBef>
+            </a:pPr>
+            <a:r>
+              <a:rPr lang="zh-CN" altLang="en-US" smtClean="0"/>
               <a:t>随着密度的，点源的变化</a:t>
             </a:r>
-            <a:endParaRPr lang="zh-CN" altLang="en-US" dirty="0"/>
-          </a:p>
-        </p:txBody>
-      </p:sp>
-      <p:sp>
-        <p:nvSpPr>
-          <p:cNvPr id="4" name="灯片编号占位符 3"/>
+          </a:p>
+          <a:p>
+            <a:pPr eaLnBrk="1" hangingPunct="1">
+              <a:spcBef>
+                <a:spcPct val="0"/>
+              </a:spcBef>
+            </a:pPr>
+            <a:endParaRPr lang="zh-CN" altLang="en-US" smtClean="0"/>
+          </a:p>
+          <a:p>
+            <a:pPr eaLnBrk="1" hangingPunct="1">
+              <a:spcBef>
+                <a:spcPct val="0"/>
+              </a:spcBef>
+            </a:pPr>
+            <a:r>
+              <a:rPr lang="zh-CN" altLang="en-US" smtClean="0"/>
+              <a:t>密度增加，不均匀性增加</a:t>
+            </a:r>
+          </a:p>
+          <a:p>
+            <a:pPr eaLnBrk="1" hangingPunct="1">
+              <a:spcBef>
+                <a:spcPct val="0"/>
+              </a:spcBef>
+            </a:pPr>
+            <a:r>
+              <a:rPr lang="zh-CN" altLang="en-US" smtClean="0"/>
+              <a:t>导致</a:t>
+            </a:r>
+            <a:r>
+              <a:rPr lang="en-US" altLang="zh-CN" smtClean="0"/>
+              <a:t>SGS</a:t>
+            </a:r>
+            <a:r>
+              <a:rPr lang="zh-CN" altLang="en-US" smtClean="0"/>
+              <a:t>误差增大，适应性降低</a:t>
+            </a:r>
+          </a:p>
+        </p:txBody>
+      </p:sp>
+      <p:sp>
+        <p:nvSpPr>
+          <p:cNvPr id="19459" name="灯片编号占位符 3"/>
           <p:cNvSpPr>
             <a:spLocks noGrp="1"/>
           </p:cNvSpPr>
           <p:nvPr>
-            <p:ph type="sldNum" sz="quarter" idx="10"/>
+            <p:ph type="sldNum" sz="quarter" idx="5"/>
           </p:nvPr>
         </p:nvSpPr>
-        <p:spPr/>
-        <p:txBody>
-          <a:bodyPr/>
+        <p:spPr bwMode="auto">
+          <a:noFill/>
+          <a:ln>
+            <a:miter lim="800000"/>
+            <a:headEnd/>
+            <a:tailEnd/>
+          </a:ln>
+        </p:spPr>
+        <p:txBody>
+          <a:bodyPr wrap="square" numCol="1" anchorCtr="0" compatLnSpc="1">
+            <a:prstTxWarp prst="textNoShape">
+              <a:avLst/>
+            </a:prstTxWarp>
+          </a:bodyPr>
           <a:lstStyle/>
           <a:p>
-            <a:fld id="{8846F386-08D9-4F9E-96BC-E5FC66E7DE9F}" type="slidenum">
+            <a:fld id="{FDF894D0-0FBF-44FA-BEF2-29A8BE01DF96}" type="slidenum">
               <a:rPr lang="zh-CN" altLang="en-US" smtClean="0"/>
+              <a:pPr/>
               <a:t>4</a:t>
             </a:fld>
-            <a:endParaRPr lang="zh-CN" altLang="en-US"/>
+            <a:endParaRPr lang="en-US" altLang="zh-CN" smtClean="0"/>
           </a:p>
         </p:txBody>
       </p:sp>
     </p:spTree>
-    <p:extLst>
-      <p:ext uri="{BB962C8B-B14F-4D97-AF65-F5344CB8AC3E}">
-        <p14:creationId xmlns:p14="http://schemas.microsoft.com/office/powerpoint/2010/main" val="3104984352"/>
-      </p:ext>
-    </p:extLst>
   </p:cSld>
   <p:clrMapOvr>
     <a:masterClrMapping/>
@@ -742,19 +869,29 @@
       </p:grpSpPr>
       <p:sp>
         <p:nvSpPr>
-          <p:cNvPr id="2" name="幻灯片图像占位符 1"/>
+          <p:cNvPr id="21505" name="Rectangle 2"/>
           <p:cNvSpPr>
-            <a:spLocks noGrp="1" noRot="1" noChangeAspect="1"/>
+            <a:spLocks noGrp="1" noRot="1" noChangeAspect="1" noTextEdit="1"/>
           </p:cNvSpPr>
           <p:nvPr>
             <p:ph type="sldImg"/>
           </p:nvPr>
         </p:nvSpPr>
-        <p:spPr/>
-      </p:sp>
-      <p:sp>
-        <p:nvSpPr>
-          <p:cNvPr id="3" name="备注占位符 2"/>
+        <p:spPr bwMode="auto">
+          <a:noFill/>
+          <a:ln>
+            <a:solidFill>
+              <a:srgbClr val="000000"/>
+            </a:solidFill>
+            <a:miter lim="800000"/>
+            <a:headEnd/>
+            <a:tailEnd/>
+          </a:ln>
+        </p:spPr>
+      </p:sp>
+      <p:sp>
+        <p:nvSpPr>
+          <p:cNvPr id="21506" name="Rectangle 3"/>
           <p:cNvSpPr>
             <a:spLocks noGrp="1"/>
           </p:cNvSpPr>
@@ -762,60 +899,489 @@
             <p:ph type="body" idx="1"/>
           </p:nvPr>
         </p:nvSpPr>
-        <p:spPr/>
-        <p:txBody>
-          <a:bodyPr/>
+        <p:spPr bwMode="auto">
+          <a:noFill/>
+        </p:spPr>
+        <p:txBody>
+          <a:bodyPr wrap="square" numCol="1" anchor="t" anchorCtr="0" compatLnSpc="1">
+            <a:prstTxWarp prst="textNoShape">
+              <a:avLst/>
+            </a:prstTxWarp>
+          </a:bodyPr>
           <a:lstStyle/>
           <a:p>
-            <a:r>
-              <a:rPr lang="en-US" altLang="zh-CN" dirty="0" smtClean="0"/>
-              <a:t>Cs-137</a:t>
-            </a:r>
-            <a:r>
-              <a:rPr lang="zh-CN" altLang="en-US" dirty="0" smtClean="0"/>
-              <a:t>在</a:t>
-            </a:r>
-            <a:r>
-              <a:rPr lang="en-US" altLang="zh-CN" dirty="0" smtClean="0"/>
-              <a:t>1.0g/cc</a:t>
-            </a:r>
-            <a:r>
-              <a:rPr lang="zh-CN" altLang="en-US" dirty="0" smtClean="0"/>
-              <a:t>时的</a:t>
-            </a:r>
-            <a:endParaRPr lang="zh-CN" altLang="en-US" dirty="0"/>
-          </a:p>
-        </p:txBody>
-      </p:sp>
-      <p:sp>
-        <p:nvSpPr>
-          <p:cNvPr id="4" name="灯片编号占位符 3"/>
+            <a:pPr eaLnBrk="1" hangingPunct="1"/>
+            <a:r>
+              <a:rPr lang="en-US" altLang="zh-CN" smtClean="0"/>
+              <a:t>TGS</a:t>
+            </a:r>
+            <a:r>
+              <a:rPr lang="zh-CN" altLang="en-US" smtClean="0"/>
+              <a:t>误差远远小于</a:t>
+            </a:r>
+            <a:r>
+              <a:rPr lang="en-US" altLang="zh-CN" smtClean="0"/>
+              <a:t>SGS</a:t>
+            </a:r>
+          </a:p>
+          <a:p>
+            <a:pPr eaLnBrk="1" hangingPunct="1"/>
+            <a:r>
+              <a:rPr lang="zh-CN" altLang="en-US" smtClean="0"/>
+              <a:t>这是由于</a:t>
+            </a:r>
+            <a:r>
+              <a:rPr lang="en-US" altLang="zh-CN" smtClean="0"/>
+              <a:t>TGS</a:t>
+            </a:r>
+            <a:r>
+              <a:rPr lang="zh-CN" altLang="en-US" smtClean="0"/>
+              <a:t>采用了三维划分的方法</a:t>
+            </a:r>
+          </a:p>
+        </p:txBody>
+      </p:sp>
+    </p:spTree>
+  </p:cSld>
+  <p:clrMapOvr>
+    <a:masterClrMapping/>
+  </p:clrMapOvr>
+</p:notes>
+</file>
+
+<file path=ppt/notesSlides/notesSlide4.xml><?xml version="1.0" encoding="utf-8"?>
+<p:notes xmlns:a="http://schemas.openxmlformats.org/drawingml/2006/main" xmlns:r="http://schemas.openxmlformats.org/officeDocument/2006/relationships" xmlns:p="http://schemas.openxmlformats.org/presentationml/2006/main">
+  <p:cSld>
+    <p:spTree>
+      <p:nvGrpSpPr>
+        <p:cNvPr id="1" name=""/>
+        <p:cNvGrpSpPr/>
+        <p:nvPr/>
+      </p:nvGrpSpPr>
+      <p:grpSpPr>
+        <a:xfrm>
+          <a:off x="0" y="0"/>
+          <a:ext cx="0" cy="0"/>
+          <a:chOff x="0" y="0"/>
+          <a:chExt cx="0" cy="0"/>
+        </a:xfrm>
+      </p:grpSpPr>
+      <p:sp>
+        <p:nvSpPr>
+          <p:cNvPr id="30721" name="Rectangle 2"/>
+          <p:cNvSpPr>
+            <a:spLocks noGrp="1" noRot="1" noChangeAspect="1" noTextEdit="1"/>
+          </p:cNvSpPr>
+          <p:nvPr>
+            <p:ph type="sldImg"/>
+          </p:nvPr>
+        </p:nvSpPr>
+        <p:spPr bwMode="auto">
+          <a:noFill/>
+          <a:ln>
+            <a:solidFill>
+              <a:srgbClr val="000000"/>
+            </a:solidFill>
+            <a:miter lim="800000"/>
+            <a:headEnd/>
+            <a:tailEnd/>
+          </a:ln>
+        </p:spPr>
+      </p:sp>
+      <p:sp>
+        <p:nvSpPr>
+          <p:cNvPr id="30722" name="Rectangle 3"/>
           <p:cNvSpPr>
             <a:spLocks noGrp="1"/>
           </p:cNvSpPr>
           <p:nvPr>
-            <p:ph type="sldNum" sz="quarter" idx="10"/>
+            <p:ph type="body" idx="1"/>
           </p:nvPr>
         </p:nvSpPr>
-        <p:spPr/>
-        <p:txBody>
-          <a:bodyPr/>
+        <p:spPr bwMode="auto">
+          <a:noFill/>
+        </p:spPr>
+        <p:txBody>
+          <a:bodyPr wrap="square" numCol="1" anchor="t" anchorCtr="0" compatLnSpc="1">
+            <a:prstTxWarp prst="textNoShape">
+              <a:avLst/>
+            </a:prstTxWarp>
+          </a:bodyPr>
           <a:lstStyle/>
           <a:p>
-            <a:fld id="{8846F386-08D9-4F9E-96BC-E5FC66E7DE9F}" type="slidenum">
+            <a:pPr eaLnBrk="1" hangingPunct="1"/>
+            <a:r>
               <a:rPr lang="zh-CN" altLang="en-US" smtClean="0"/>
+              <a:t>前期做过</a:t>
+            </a:r>
+            <a:r>
+              <a:rPr lang="en-US" altLang="zh-CN" smtClean="0"/>
+              <a:t>STGS</a:t>
+            </a:r>
+            <a:r>
+              <a:rPr lang="zh-CN" altLang="en-US" smtClean="0"/>
+              <a:t>，针对均匀分布的介质，目前没有非均匀介质的研究</a:t>
+            </a:r>
+          </a:p>
+          <a:p>
+            <a:pPr eaLnBrk="1" hangingPunct="1"/>
+            <a:r>
+              <a:rPr lang="zh-CN" altLang="en-US" smtClean="0"/>
+              <a:t>准直器尺寸有很重要的影响，（观察到的现象）什么准直器是最适合</a:t>
+            </a:r>
+            <a:r>
+              <a:rPr lang="en-US" altLang="zh-CN" smtClean="0"/>
+              <a:t>STGS</a:t>
+            </a:r>
+            <a:r>
+              <a:rPr lang="zh-CN" altLang="en-US" smtClean="0"/>
+              <a:t>方法</a:t>
+            </a:r>
+          </a:p>
+          <a:p>
+            <a:pPr eaLnBrk="1" hangingPunct="1"/>
+            <a:r>
+              <a:rPr lang="zh-CN" altLang="en-US" smtClean="0"/>
+              <a:t>用什么指标作为参考来进行优化，从数学的角度去判断迭代过程中误差是否会放大</a:t>
+            </a:r>
+          </a:p>
+          <a:p>
+            <a:pPr eaLnBrk="1" hangingPunct="1"/>
+            <a:endParaRPr lang="zh-CN" altLang="en-US" smtClean="0"/>
+          </a:p>
+        </p:txBody>
+      </p:sp>
+    </p:spTree>
+  </p:cSld>
+  <p:clrMapOvr>
+    <a:masterClrMapping/>
+  </p:clrMapOvr>
+</p:notes>
+</file>
+
+<file path=ppt/notesSlides/notesSlide5.xml><?xml version="1.0" encoding="utf-8"?>
+<p:notes xmlns:a="http://schemas.openxmlformats.org/drawingml/2006/main" xmlns:r="http://schemas.openxmlformats.org/officeDocument/2006/relationships" xmlns:p="http://schemas.openxmlformats.org/presentationml/2006/main">
+  <p:cSld>
+    <p:spTree>
+      <p:nvGrpSpPr>
+        <p:cNvPr id="1" name=""/>
+        <p:cNvGrpSpPr/>
+        <p:nvPr/>
+      </p:nvGrpSpPr>
+      <p:grpSpPr>
+        <a:xfrm>
+          <a:off x="0" y="0"/>
+          <a:ext cx="0" cy="0"/>
+          <a:chOff x="0" y="0"/>
+          <a:chExt cx="0" cy="0"/>
+        </a:xfrm>
+      </p:grpSpPr>
+      <p:sp>
+        <p:nvSpPr>
+          <p:cNvPr id="58369" name="Rectangle 2"/>
+          <p:cNvSpPr>
+            <a:spLocks noGrp="1" noRot="1" noChangeAspect="1" noTextEdit="1"/>
+          </p:cNvSpPr>
+          <p:nvPr>
+            <p:ph type="sldImg"/>
+          </p:nvPr>
+        </p:nvSpPr>
+        <p:spPr bwMode="auto">
+          <a:noFill/>
+          <a:ln>
+            <a:solidFill>
+              <a:srgbClr val="000000"/>
+            </a:solidFill>
+            <a:miter lim="800000"/>
+            <a:headEnd/>
+            <a:tailEnd/>
+          </a:ln>
+        </p:spPr>
+      </p:sp>
+      <p:sp>
+        <p:nvSpPr>
+          <p:cNvPr id="58370" name="Rectangle 3"/>
+          <p:cNvSpPr>
+            <a:spLocks noGrp="1"/>
+          </p:cNvSpPr>
+          <p:nvPr>
+            <p:ph type="body" idx="1"/>
+          </p:nvPr>
+        </p:nvSpPr>
+        <p:spPr bwMode="auto">
+          <a:noFill/>
+        </p:spPr>
+        <p:txBody>
+          <a:bodyPr wrap="square" numCol="1" anchor="t" anchorCtr="0" compatLnSpc="1">
+            <a:prstTxWarp prst="textNoShape">
+              <a:avLst/>
+            </a:prstTxWarp>
+          </a:bodyPr>
+          <a:lstStyle/>
+          <a:p>
+            <a:pPr eaLnBrk="1" hangingPunct="1"/>
+            <a:r>
+              <a:rPr lang="zh-CN" altLang="en-US" smtClean="0"/>
+              <a:t>加一个矩阵的图，</a:t>
+            </a:r>
+          </a:p>
+        </p:txBody>
+      </p:sp>
+    </p:spTree>
+  </p:cSld>
+  <p:clrMapOvr>
+    <a:masterClrMapping/>
+  </p:clrMapOvr>
+</p:notes>
+</file>
+
+<file path=ppt/notesSlides/notesSlide6.xml><?xml version="1.0" encoding="utf-8"?>
+<p:notes xmlns:a="http://schemas.openxmlformats.org/drawingml/2006/main" xmlns:r="http://schemas.openxmlformats.org/officeDocument/2006/relationships" xmlns:p="http://schemas.openxmlformats.org/presentationml/2006/main">
+  <p:cSld>
+    <p:spTree>
+      <p:nvGrpSpPr>
+        <p:cNvPr id="1" name=""/>
+        <p:cNvGrpSpPr/>
+        <p:nvPr/>
+      </p:nvGrpSpPr>
+      <p:grpSpPr>
+        <a:xfrm>
+          <a:off x="0" y="0"/>
+          <a:ext cx="0" cy="0"/>
+          <a:chOff x="0" y="0"/>
+          <a:chExt cx="0" cy="0"/>
+        </a:xfrm>
+      </p:grpSpPr>
+      <p:sp>
+        <p:nvSpPr>
+          <p:cNvPr id="60417" name="幻灯片图像占位符 1"/>
+          <p:cNvSpPr>
+            <a:spLocks noGrp="1" noRot="1" noChangeAspect="1"/>
+          </p:cNvSpPr>
+          <p:nvPr>
+            <p:ph type="sldImg"/>
+          </p:nvPr>
+        </p:nvSpPr>
+        <p:spPr bwMode="auto">
+          <a:noFill/>
+          <a:ln>
+            <a:solidFill>
+              <a:srgbClr val="000000"/>
+            </a:solidFill>
+            <a:miter lim="800000"/>
+            <a:headEnd/>
+            <a:tailEnd/>
+          </a:ln>
+        </p:spPr>
+      </p:sp>
+      <p:sp>
+        <p:nvSpPr>
+          <p:cNvPr id="60418" name="备注占位符 2"/>
+          <p:cNvSpPr>
+            <a:spLocks noGrp="1"/>
+          </p:cNvSpPr>
+          <p:nvPr>
+            <p:ph type="body" idx="1"/>
+          </p:nvPr>
+        </p:nvSpPr>
+        <p:spPr bwMode="auto">
+          <a:noFill/>
+        </p:spPr>
+        <p:txBody>
+          <a:bodyPr wrap="square" numCol="1" anchor="t" anchorCtr="0" compatLnSpc="1">
+            <a:prstTxWarp prst="textNoShape">
+              <a:avLst/>
+            </a:prstTxWarp>
+          </a:bodyPr>
+          <a:lstStyle/>
+          <a:p>
+            <a:pPr eaLnBrk="1" hangingPunct="1">
+              <a:spcBef>
+                <a:spcPct val="0"/>
+              </a:spcBef>
+            </a:pPr>
+            <a:r>
+              <a:rPr lang="en-US" altLang="zh-CN" smtClean="0"/>
+              <a:t>Cs-137</a:t>
+            </a:r>
+            <a:r>
+              <a:rPr lang="zh-CN" altLang="en-US" smtClean="0"/>
+              <a:t>在</a:t>
+            </a:r>
+            <a:r>
+              <a:rPr lang="en-US" altLang="zh-CN" smtClean="0"/>
+              <a:t>1.0g/cc</a:t>
+            </a:r>
+            <a:r>
+              <a:rPr lang="zh-CN" altLang="en-US" smtClean="0"/>
+              <a:t>时的</a:t>
+            </a:r>
+          </a:p>
+          <a:p>
+            <a:pPr eaLnBrk="1" hangingPunct="1">
+              <a:spcBef>
+                <a:spcPct val="0"/>
+              </a:spcBef>
+            </a:pPr>
+            <a:r>
+              <a:rPr lang="zh-CN" altLang="en-US" smtClean="0"/>
+              <a:t>举个例子，右图是不同的探测效率在不同偏心位置的曲线，一次测量就是一个方程，系数</a:t>
+            </a:r>
+          </a:p>
+          <a:p>
+            <a:pPr eaLnBrk="1" hangingPunct="1">
+              <a:spcBef>
+                <a:spcPct val="0"/>
+              </a:spcBef>
+            </a:pPr>
+            <a:r>
+              <a:rPr lang="zh-CN" altLang="en-US" smtClean="0"/>
+              <a:t>两个方程是两个超平面，解是其交点，如果两个系数非常接近，很难准确求解</a:t>
+            </a:r>
+          </a:p>
+          <a:p>
+            <a:pPr eaLnBrk="1" hangingPunct="1">
+              <a:spcBef>
+                <a:spcPct val="0"/>
+              </a:spcBef>
+            </a:pPr>
+            <a:r>
+              <a:rPr lang="zh-CN" altLang="en-US" smtClean="0"/>
+              <a:t>病态矩阵导致误差放大</a:t>
+            </a:r>
+          </a:p>
+          <a:p>
+            <a:pPr eaLnBrk="1" hangingPunct="1">
+              <a:spcBef>
+                <a:spcPct val="0"/>
+              </a:spcBef>
+            </a:pPr>
+            <a:r>
+              <a:rPr lang="zh-CN" altLang="en-US" smtClean="0"/>
+              <a:t>探测器偏心更多，探测效率低，从而导致探测时间更长</a:t>
+            </a:r>
+          </a:p>
+        </p:txBody>
+      </p:sp>
+      <p:sp>
+        <p:nvSpPr>
+          <p:cNvPr id="60419" name="灯片编号占位符 3"/>
+          <p:cNvSpPr>
+            <a:spLocks noGrp="1"/>
+          </p:cNvSpPr>
+          <p:nvPr>
+            <p:ph type="sldNum" sz="quarter" idx="5"/>
+          </p:nvPr>
+        </p:nvSpPr>
+        <p:spPr bwMode="auto">
+          <a:noFill/>
+          <a:ln>
+            <a:miter lim="800000"/>
+            <a:headEnd/>
+            <a:tailEnd/>
+          </a:ln>
+        </p:spPr>
+        <p:txBody>
+          <a:bodyPr wrap="square" numCol="1" anchorCtr="0" compatLnSpc="1">
+            <a:prstTxWarp prst="textNoShape">
+              <a:avLst/>
+            </a:prstTxWarp>
+          </a:bodyPr>
+          <a:lstStyle/>
+          <a:p>
+            <a:fld id="{EA0E5816-F897-4D42-BEE5-FF7D34ADF862}" type="slidenum">
+              <a:rPr lang="zh-CN" altLang="en-US" smtClean="0"/>
+              <a:pPr/>
               <a:t>16</a:t>
             </a:fld>
-            <a:endParaRPr lang="zh-CN" altLang="en-US"/>
+            <a:endParaRPr lang="en-US" altLang="zh-CN" smtClean="0"/>
           </a:p>
         </p:txBody>
       </p:sp>
     </p:spTree>
-    <p:extLst>
-      <p:ext uri="{BB962C8B-B14F-4D97-AF65-F5344CB8AC3E}">
-        <p14:creationId xmlns:p14="http://schemas.microsoft.com/office/powerpoint/2010/main" val="4227557342"/>
-      </p:ext>
-    </p:extLst>
+  </p:cSld>
+  <p:clrMapOvr>
+    <a:masterClrMapping/>
+  </p:clrMapOvr>
+</p:notes>
+</file>
+
+<file path=ppt/notesSlides/notesSlide7.xml><?xml version="1.0" encoding="utf-8"?>
+<p:notes xmlns:a="http://schemas.openxmlformats.org/drawingml/2006/main" xmlns:r="http://schemas.openxmlformats.org/officeDocument/2006/relationships" xmlns:p="http://schemas.openxmlformats.org/presentationml/2006/main">
+  <p:cSld>
+    <p:spTree>
+      <p:nvGrpSpPr>
+        <p:cNvPr id="1" name=""/>
+        <p:cNvGrpSpPr/>
+        <p:nvPr/>
+      </p:nvGrpSpPr>
+      <p:grpSpPr>
+        <a:xfrm>
+          <a:off x="0" y="0"/>
+          <a:ext cx="0" cy="0"/>
+          <a:chOff x="0" y="0"/>
+          <a:chExt cx="0" cy="0"/>
+        </a:xfrm>
+      </p:grpSpPr>
+      <p:sp>
+        <p:nvSpPr>
+          <p:cNvPr id="63489" name="Rectangle 2"/>
+          <p:cNvSpPr>
+            <a:spLocks noGrp="1" noRot="1" noChangeAspect="1" noTextEdit="1"/>
+          </p:cNvSpPr>
+          <p:nvPr>
+            <p:ph type="sldImg"/>
+          </p:nvPr>
+        </p:nvSpPr>
+        <p:spPr bwMode="auto">
+          <a:noFill/>
+          <a:ln>
+            <a:solidFill>
+              <a:srgbClr val="000000"/>
+            </a:solidFill>
+            <a:miter lim="800000"/>
+            <a:headEnd/>
+            <a:tailEnd/>
+          </a:ln>
+        </p:spPr>
+      </p:sp>
+      <p:sp>
+        <p:nvSpPr>
+          <p:cNvPr id="63490" name="Rectangle 3"/>
+          <p:cNvSpPr>
+            <a:spLocks noGrp="1"/>
+          </p:cNvSpPr>
+          <p:nvPr>
+            <p:ph type="body" idx="1"/>
+          </p:nvPr>
+        </p:nvSpPr>
+        <p:spPr bwMode="auto">
+          <a:noFill/>
+        </p:spPr>
+        <p:txBody>
+          <a:bodyPr wrap="square" numCol="1" anchor="t" anchorCtr="0" compatLnSpc="1">
+            <a:prstTxWarp prst="textNoShape">
+              <a:avLst/>
+            </a:prstTxWarp>
+          </a:bodyPr>
+          <a:lstStyle/>
+          <a:p>
+            <a:pPr eaLnBrk="1" hangingPunct="1"/>
+            <a:r>
+              <a:rPr lang="zh-CN" altLang="en-US" smtClean="0"/>
+              <a:t>已经完成</a:t>
+            </a:r>
+          </a:p>
+          <a:p>
+            <a:pPr eaLnBrk="1" hangingPunct="1"/>
+            <a:r>
+              <a:rPr lang="zh-CN" altLang="en-US" smtClean="0"/>
+              <a:t>通过数值模拟的结果，准备发表一篇小论文</a:t>
+            </a:r>
+          </a:p>
+        </p:txBody>
+      </p:sp>
+    </p:spTree>
   </p:cSld>
   <p:clrMapOvr>
     <a:masterClrMapping/>
@@ -3288,21 +3854,21 @@
   </p:cSld>
   <p:clrMap bg1="lt1" tx1="dk1" bg2="lt2" tx2="dk2" accent1="accent1" accent2="accent2" accent3="accent3" accent4="accent4" accent5="accent5" accent6="accent6" hlink="hlink" folHlink="folHlink"/>
   <p:sldLayoutIdLst>
-    <p:sldLayoutId id="2147483661" r:id="rId1"/>
-    <p:sldLayoutId id="2147483662" r:id="rId2"/>
-    <p:sldLayoutId id="2147483663" r:id="rId3"/>
-    <p:sldLayoutId id="2147483660" r:id="rId4"/>
-    <p:sldLayoutId id="2147483664" r:id="rId5"/>
-    <p:sldLayoutId id="2147483665" r:id="rId6"/>
-    <p:sldLayoutId id="2147483666" r:id="rId7"/>
+    <p:sldLayoutId id="2147483660" r:id="rId1"/>
+    <p:sldLayoutId id="2147483661" r:id="rId2"/>
+    <p:sldLayoutId id="2147483662" r:id="rId3"/>
+    <p:sldLayoutId id="2147483658" r:id="rId4"/>
+    <p:sldLayoutId id="2147483663" r:id="rId5"/>
+    <p:sldLayoutId id="2147483664" r:id="rId6"/>
+    <p:sldLayoutId id="2147483665" r:id="rId7"/>
     <p:sldLayoutId id="2147483659" r:id="rId8"/>
-    <p:sldLayoutId id="2147483667" r:id="rId9"/>
-    <p:sldLayoutId id="2147483668" r:id="rId10"/>
-    <p:sldLayoutId id="2147483669" r:id="rId11"/>
+    <p:sldLayoutId id="2147483666" r:id="rId9"/>
+    <p:sldLayoutId id="2147483667" r:id="rId10"/>
+    <p:sldLayoutId id="2147483668" r:id="rId11"/>
   </p:sldLayoutIdLst>
   <p:txStyles>
     <p:titleStyle>
-      <a:lvl1pPr algn="ctr" defTabSz="457200" rtl="0" fontAlgn="base">
+      <a:lvl1pPr algn="ctr" defTabSz="457200" rtl="0" eaLnBrk="0" fontAlgn="base" hangingPunct="0">
         <a:spcBef>
           <a:spcPct val="0"/>
         </a:spcBef>
@@ -3318,7 +3884,7 @@
           <a:cs typeface="+mj-cs"/>
         </a:defRPr>
       </a:lvl1pPr>
-      <a:lvl2pPr algn="ctr" defTabSz="457200" rtl="0" fontAlgn="base">
+      <a:lvl2pPr algn="ctr" defTabSz="457200" rtl="0" eaLnBrk="0" fontAlgn="base" hangingPunct="0">
         <a:spcBef>
           <a:spcPct val="0"/>
         </a:spcBef>
@@ -3333,7 +3899,7 @@
           <a:ea typeface="宋体" charset="-122"/>
         </a:defRPr>
       </a:lvl2pPr>
-      <a:lvl3pPr algn="ctr" defTabSz="457200" rtl="0" fontAlgn="base">
+      <a:lvl3pPr algn="ctr" defTabSz="457200" rtl="0" eaLnBrk="0" fontAlgn="base" hangingPunct="0">
         <a:spcBef>
           <a:spcPct val="0"/>
         </a:spcBef>
@@ -3348,7 +3914,7 @@
           <a:ea typeface="宋体" charset="-122"/>
         </a:defRPr>
       </a:lvl3pPr>
-      <a:lvl4pPr algn="ctr" defTabSz="457200" rtl="0" fontAlgn="base">
+      <a:lvl4pPr algn="ctr" defTabSz="457200" rtl="0" eaLnBrk="0" fontAlgn="base" hangingPunct="0">
         <a:spcBef>
           <a:spcPct val="0"/>
         </a:spcBef>
@@ -3363,7 +3929,7 @@
           <a:ea typeface="宋体" charset="-122"/>
         </a:defRPr>
       </a:lvl4pPr>
-      <a:lvl5pPr algn="ctr" defTabSz="457200" rtl="0" fontAlgn="base">
+      <a:lvl5pPr algn="ctr" defTabSz="457200" rtl="0" eaLnBrk="0" fontAlgn="base" hangingPunct="0">
         <a:spcBef>
           <a:spcPct val="0"/>
         </a:spcBef>
@@ -3440,7 +4006,7 @@
       </a:lvl9pPr>
     </p:titleStyle>
     <p:bodyStyle>
-      <a:lvl1pPr marL="342900" indent="-342900" algn="l" defTabSz="457200" rtl="0" fontAlgn="base">
+      <a:lvl1pPr marL="342900" indent="-342900" algn="l" defTabSz="457200" rtl="0" eaLnBrk="0" fontAlgn="base" hangingPunct="0">
         <a:spcBef>
           <a:spcPct val="20000"/>
         </a:spcBef>
@@ -3458,7 +4024,7 @@
           <a:cs typeface="Heiti SC Light"/>
         </a:defRPr>
       </a:lvl1pPr>
-      <a:lvl2pPr marL="742950" indent="-285750" algn="l" defTabSz="457200" rtl="0" fontAlgn="base">
+      <a:lvl2pPr marL="742950" indent="-285750" algn="l" defTabSz="457200" rtl="0" eaLnBrk="0" fontAlgn="base" hangingPunct="0">
         <a:spcBef>
           <a:spcPct val="20000"/>
         </a:spcBef>
@@ -3476,7 +4042,7 @@
           <a:cs typeface="Heiti SC Light"/>
         </a:defRPr>
       </a:lvl2pPr>
-      <a:lvl3pPr marL="1143000" indent="-228600" algn="l" defTabSz="457200" rtl="0" fontAlgn="base">
+      <a:lvl3pPr marL="1143000" indent="-228600" algn="l" defTabSz="457200" rtl="0" eaLnBrk="0" fontAlgn="base" hangingPunct="0">
         <a:spcBef>
           <a:spcPct val="20000"/>
         </a:spcBef>
@@ -3494,7 +4060,7 @@
           <a:cs typeface="Heiti SC Light"/>
         </a:defRPr>
       </a:lvl3pPr>
-      <a:lvl4pPr marL="1600200" indent="-228600" algn="l" defTabSz="457200" rtl="0" fontAlgn="base">
+      <a:lvl4pPr marL="1600200" indent="-228600" algn="l" defTabSz="457200" rtl="0" eaLnBrk="0" fontAlgn="base" hangingPunct="0">
         <a:spcBef>
           <a:spcPct val="20000"/>
         </a:spcBef>
@@ -3512,7 +4078,7 @@
           <a:cs typeface="Heiti SC Light"/>
         </a:defRPr>
       </a:lvl4pPr>
-      <a:lvl5pPr marL="2057400" indent="-228600" algn="l" defTabSz="457200" rtl="0" fontAlgn="base">
+      <a:lvl5pPr marL="2057400" indent="-228600" algn="l" defTabSz="457200" rtl="0" eaLnBrk="0" fontAlgn="base" hangingPunct="0">
         <a:spcBef>
           <a:spcPct val="20000"/>
         </a:spcBef>
@@ -3737,6 +4303,7 @@
           </a:bodyPr>
           <a:lstStyle/>
           <a:p>
+            <a:pPr eaLnBrk="1" hangingPunct="1"/>
             <a:r>
               <a:rPr lang="zh-CN" altLang="en-US" smtClean="0"/>
               <a:t>核电厂</a:t>
@@ -3763,7 +4330,7 @@
       </p:sp>
       <p:sp>
         <p:nvSpPr>
-          <p:cNvPr id="3" name="副标题 2"/>
+          <p:cNvPr id="14338" name="副标题 2"/>
           <p:cNvSpPr>
             <a:spLocks noGrp="1"/>
           </p:cNvSpPr>
@@ -3774,53 +4341,101 @@
         <p:spPr>
           <a:xfrm>
             <a:off x="685800" y="3400425"/>
-            <a:ext cx="7829550" cy="1090613"/>
-          </a:xfrm>
-        </p:spPr>
-        <p:txBody>
-          <a:bodyPr rtlCol="0">
-            <a:normAutofit lnSpcReduction="10000"/>
-          </a:bodyPr>
+            <a:ext cx="7829550" cy="1536700"/>
+          </a:xfrm>
+        </p:spPr>
+        <p:txBody>
+          <a:bodyPr/>
           <a:lstStyle/>
           <a:p>
-            <a:pPr fontAlgn="auto">
-              <a:spcAft>
-                <a:spcPts val="0"/>
-              </a:spcAft>
-              <a:buFont typeface="Arial"/>
-              <a:buNone/>
-              <a:defRPr/>
+            <a:pPr eaLnBrk="1" hangingPunct="1">
+              <a:lnSpc>
+                <a:spcPct val="80000"/>
+              </a:lnSpc>
             </a:pPr>
             <a:r>
-              <a:rPr kumimoji="1" lang="zh-CN" altLang="en-US" dirty="0"/>
+              <a:rPr kumimoji="1" lang="zh-CN" altLang="en-US" sz="2800" smtClean="0">
+                <a:solidFill>
+                  <a:srgbClr val="004195"/>
+                </a:solidFill>
+              </a:rPr>
               <a:t>学生：饶开源</a:t>
             </a:r>
-            <a:endParaRPr kumimoji="1" lang="en-US" altLang="zh-CN" dirty="0"/>
-          </a:p>
-          <a:p>
-            <a:pPr fontAlgn="auto">
-              <a:spcAft>
-                <a:spcPts val="0"/>
-              </a:spcAft>
-              <a:buFont typeface="Arial"/>
-              <a:buNone/>
-              <a:defRPr/>
+            <a:endParaRPr kumimoji="1" lang="en-US" altLang="zh-CN" sz="2800" smtClean="0">
+              <a:solidFill>
+                <a:srgbClr val="004195"/>
+              </a:solidFill>
+            </a:endParaRPr>
+          </a:p>
+          <a:p>
+            <a:pPr eaLnBrk="1" hangingPunct="1">
+              <a:lnSpc>
+                <a:spcPct val="80000"/>
+              </a:lnSpc>
             </a:pPr>
             <a:r>
-              <a:rPr kumimoji="1" lang="zh-CN" altLang="en-US" dirty="0"/>
+              <a:rPr kumimoji="1" lang="zh-CN" altLang="en-US" sz="2800" smtClean="0">
+                <a:solidFill>
+                  <a:srgbClr val="004195"/>
+                </a:solidFill>
+              </a:rPr>
               <a:t>指导老师：顾卫国</a:t>
             </a:r>
           </a:p>
           <a:p>
-            <a:pPr fontAlgn="auto">
-              <a:spcAft>
-                <a:spcPts val="0"/>
-              </a:spcAft>
-              <a:buFont typeface="Arial"/>
-              <a:buNone/>
-              <a:defRPr/>
+            <a:pPr eaLnBrk="1" hangingPunct="1">
+              <a:lnSpc>
+                <a:spcPct val="80000"/>
+              </a:lnSpc>
             </a:pPr>
-            <a:endParaRPr kumimoji="1" lang="zh-CN" altLang="en-US" dirty="0"/>
+            <a:r>
+              <a:rPr kumimoji="1" lang="en-US" altLang="zh-CN" sz="2800" smtClean="0">
+                <a:solidFill>
+                  <a:srgbClr val="004195"/>
+                </a:solidFill>
+              </a:rPr>
+              <a:t>2017</a:t>
+            </a:r>
+            <a:r>
+              <a:rPr kumimoji="1" lang="zh-CN" altLang="en-US" sz="2800" smtClean="0">
+                <a:solidFill>
+                  <a:srgbClr val="004195"/>
+                </a:solidFill>
+              </a:rPr>
+              <a:t>年</a:t>
+            </a:r>
+            <a:r>
+              <a:rPr kumimoji="1" lang="en-US" altLang="zh-CN" sz="2800" smtClean="0">
+                <a:solidFill>
+                  <a:srgbClr val="004195"/>
+                </a:solidFill>
+              </a:rPr>
+              <a:t>7</a:t>
+            </a:r>
+            <a:r>
+              <a:rPr kumimoji="1" lang="zh-CN" altLang="en-US" sz="2800" smtClean="0">
+                <a:solidFill>
+                  <a:srgbClr val="004195"/>
+                </a:solidFill>
+              </a:rPr>
+              <a:t>月</a:t>
+            </a:r>
+            <a:r>
+              <a:rPr kumimoji="1" lang="en-US" altLang="zh-CN" sz="2800" smtClean="0">
+                <a:solidFill>
+                  <a:srgbClr val="004195"/>
+                </a:solidFill>
+              </a:rPr>
+              <a:t>4</a:t>
+            </a:r>
+            <a:r>
+              <a:rPr kumimoji="1" lang="zh-CN" altLang="en-US" sz="2800" smtClean="0">
+                <a:solidFill>
+                  <a:srgbClr val="004195"/>
+                </a:solidFill>
+              </a:rPr>
+              <a:t>日</a:t>
+            </a:r>
           </a:p>
         </p:txBody>
       </p:sp>
@@ -3858,7 +4473,7 @@
       </p:grpSpPr>
       <p:sp>
         <p:nvSpPr>
-          <p:cNvPr id="49154" name="标题 1"/>
+          <p:cNvPr id="26625" name="标题 1"/>
           <p:cNvSpPr>
             <a:spLocks noGrp="1"/>
           </p:cNvSpPr>
@@ -3885,7 +4500,7 @@
           <a:bodyPr/>
           <a:lstStyle/>
           <a:p>
-            <a:pPr algn="l"/>
+            <a:pPr algn="l" eaLnBrk="1" hangingPunct="1"/>
             <a:r>
               <a:rPr lang="zh-CN" altLang="en-US" b="1" smtClean="0"/>
               <a:t>研究现状总结</a:t>
@@ -3895,7 +4510,7 @@
       </p:sp>
       <p:sp>
         <p:nvSpPr>
-          <p:cNvPr id="49155" name="内容占位符 2"/>
+          <p:cNvPr id="26626" name="内容占位符 2"/>
           <p:cNvSpPr>
             <a:spLocks noGrp="1"/>
           </p:cNvSpPr>
@@ -3913,66 +4528,66 @@
           <a:bodyPr/>
           <a:lstStyle/>
           <a:p>
-            <a:pPr marL="609600" indent="-609600"/>
-            <a:r>
-              <a:rPr lang="zh-CN" altLang="en-US" sz="2800" dirty="0" smtClean="0"/>
+            <a:pPr marL="609600" indent="-609600" eaLnBrk="1" hangingPunct="1"/>
+            <a:r>
+              <a:rPr lang="zh-CN" altLang="en-US" sz="2800" smtClean="0"/>
               <a:t>针对</a:t>
             </a:r>
             <a:r>
-              <a:rPr lang="en-US" altLang="zh-CN" sz="2800" dirty="0" smtClean="0"/>
+              <a:rPr lang="en-US" altLang="zh-CN" sz="2800" smtClean="0"/>
               <a:t>400L</a:t>
             </a:r>
             <a:r>
-              <a:rPr lang="zh-CN" altLang="en-US" sz="2800" dirty="0" smtClean="0"/>
+              <a:rPr lang="zh-CN" altLang="en-US" sz="2800" smtClean="0"/>
               <a:t>超压废物桶、密度及放射性核素不均匀分布，</a:t>
             </a:r>
             <a:r>
-              <a:rPr lang="en-US" altLang="zh-CN" sz="2800" dirty="0" smtClean="0"/>
+              <a:rPr lang="en-US" altLang="zh-CN" sz="2800" smtClean="0"/>
               <a:t>SGS</a:t>
             </a:r>
             <a:r>
-              <a:rPr lang="zh-CN" altLang="en-US" sz="2800" dirty="0" smtClean="0"/>
+              <a:rPr lang="zh-CN" altLang="en-US" sz="2800" smtClean="0"/>
               <a:t>和</a:t>
             </a:r>
             <a:r>
-              <a:rPr lang="en-US" altLang="zh-CN" sz="2800" dirty="0" smtClean="0"/>
+              <a:rPr lang="en-US" altLang="zh-CN" sz="2800" smtClean="0"/>
               <a:t>TGS</a:t>
             </a:r>
             <a:r>
-              <a:rPr lang="zh-CN" altLang="en-US" sz="2800" dirty="0" smtClean="0"/>
+              <a:rPr lang="zh-CN" altLang="en-US" sz="2800" smtClean="0"/>
               <a:t>均难以实现快速准确的废物桶测量；</a:t>
             </a:r>
           </a:p>
           <a:p>
-            <a:pPr marL="609600" indent="-609600"/>
-            <a:r>
-              <a:rPr lang="zh-CN" altLang="en-US" sz="2800" dirty="0" smtClean="0"/>
+            <a:pPr marL="609600" indent="-609600" eaLnBrk="1" hangingPunct="1"/>
+            <a:r>
+              <a:rPr lang="zh-CN" altLang="en-US" sz="2800" smtClean="0"/>
               <a:t>前述的改进型测量技术都基于一定的假设，难以满足各种类型废物桶准确测量的需要，</a:t>
             </a:r>
             <a:r>
-              <a:rPr lang="en-US" altLang="zh-CN" sz="2800" dirty="0" smtClean="0"/>
+              <a:rPr lang="en-US" altLang="zh-CN" sz="2800" smtClean="0"/>
               <a:t>STGS</a:t>
             </a:r>
             <a:r>
-              <a:rPr lang="zh-CN" altLang="en-US" sz="2800" dirty="0" smtClean="0"/>
+              <a:rPr lang="zh-CN" altLang="en-US" sz="2800" smtClean="0"/>
               <a:t>基于层析原理是最有潜力的改进型测量技术；</a:t>
             </a:r>
           </a:p>
           <a:p>
-            <a:pPr marL="609600" indent="-609600"/>
-            <a:r>
-              <a:rPr lang="zh-CN" altLang="en-US" sz="2800" dirty="0" smtClean="0"/>
+            <a:pPr marL="609600" indent="-609600" eaLnBrk="1" hangingPunct="1"/>
+            <a:r>
+              <a:rPr lang="zh-CN" altLang="en-US" sz="2800" smtClean="0"/>
               <a:t>针对高密度不均匀分布的废物桶，</a:t>
             </a:r>
             <a:r>
-              <a:rPr lang="en-US" altLang="zh-CN" sz="2800" dirty="0" smtClean="0"/>
+              <a:rPr lang="en-US" altLang="zh-CN" sz="2800" smtClean="0"/>
               <a:t> STGS</a:t>
             </a:r>
             <a:r>
-              <a:rPr lang="zh-CN" altLang="en-US" sz="2800" dirty="0" smtClean="0"/>
+              <a:rPr lang="zh-CN" altLang="en-US" sz="2800" smtClean="0"/>
               <a:t>研究需要进一步深入研究，包括准直器尺寸和探测器位置等对重建结果和测量性能的影响规律和最优化。</a:t>
             </a:r>
-            <a:endParaRPr lang="zh-CN" altLang="en-US" dirty="0" smtClean="0"/>
+            <a:endParaRPr lang="zh-CN" altLang="en-US" smtClean="0"/>
           </a:p>
         </p:txBody>
       </p:sp>
@@ -4010,7 +4625,7 @@
       </p:grpSpPr>
       <p:sp>
         <p:nvSpPr>
-          <p:cNvPr id="25601" name="标题 1"/>
+          <p:cNvPr id="27649" name="标题 1"/>
           <p:cNvSpPr>
             <a:spLocks noGrp="1"/>
           </p:cNvSpPr>
@@ -4038,6 +4653,7 @@
           </a:bodyPr>
           <a:lstStyle/>
           <a:p>
+            <a:pPr eaLnBrk="1" hangingPunct="1"/>
             <a:r>
               <a:rPr lang="zh-CN" altLang="en-US" b="1" smtClean="0"/>
               <a:t>研究目标</a:t>
@@ -4047,7 +4663,7 @@
       </p:sp>
       <p:sp>
         <p:nvSpPr>
-          <p:cNvPr id="25602" name="内容占位符 2"/>
+          <p:cNvPr id="27650" name="内容占位符 2"/>
           <p:cNvSpPr>
             <a:spLocks noGrp="1"/>
           </p:cNvSpPr>
@@ -4065,12 +4681,13 @@
           <a:bodyPr/>
           <a:lstStyle/>
           <a:p>
-            <a:r>
-              <a:rPr lang="zh-CN" altLang="en-US" dirty="0" smtClean="0"/>
+            <a:pPr eaLnBrk="1" hangingPunct="1"/>
+            <a:r>
+              <a:rPr lang="zh-CN" altLang="en-US" smtClean="0"/>
               <a:t>开展</a:t>
             </a:r>
             <a:r>
-              <a:rPr lang="en-US" altLang="zh-CN" dirty="0" smtClean="0">
+              <a:rPr lang="en-US" altLang="zh-CN" smtClean="0">
                 <a:solidFill>
                   <a:srgbClr val="C00000"/>
                 </a:solidFill>
@@ -4078,7 +4695,7 @@
               <a:t>400L</a:t>
             </a:r>
             <a:r>
-              <a:rPr lang="zh-CN" altLang="en-US" dirty="0" smtClean="0">
+              <a:rPr lang="zh-CN" altLang="en-US" smtClean="0">
                 <a:solidFill>
                   <a:srgbClr val="C00000"/>
                 </a:solidFill>
@@ -4086,11 +4703,11 @@
               <a:t>超压废物桶</a:t>
             </a:r>
             <a:r>
-              <a:rPr lang="zh-CN" altLang="en-US" dirty="0" smtClean="0"/>
+              <a:rPr lang="zh-CN" altLang="en-US" smtClean="0"/>
               <a:t>的</a:t>
             </a:r>
             <a:r>
-              <a:rPr lang="zh-CN" altLang="en-US" dirty="0" smtClean="0">
+              <a:rPr lang="zh-CN" altLang="en-US" smtClean="0">
                 <a:solidFill>
                   <a:srgbClr val="C00000"/>
                 </a:solidFill>
@@ -4098,11 +4715,11 @@
               <a:t>半层析伽马扫描技术</a:t>
             </a:r>
             <a:r>
-              <a:rPr lang="zh-CN" altLang="en-US" dirty="0" smtClean="0"/>
+              <a:rPr lang="zh-CN" altLang="en-US" smtClean="0"/>
               <a:t>研究，分析并掌握不同</a:t>
             </a:r>
             <a:r>
-              <a:rPr lang="zh-CN" altLang="en-US" dirty="0" smtClean="0">
+              <a:rPr lang="zh-CN" altLang="en-US" smtClean="0">
                 <a:solidFill>
                   <a:srgbClr val="C00000"/>
                 </a:solidFill>
@@ -4110,11 +4727,11 @@
               <a:t>密度介质</a:t>
             </a:r>
             <a:r>
-              <a:rPr lang="zh-CN" altLang="en-US" dirty="0" smtClean="0"/>
+              <a:rPr lang="zh-CN" altLang="en-US" smtClean="0"/>
               <a:t>、不同</a:t>
             </a:r>
             <a:r>
-              <a:rPr lang="zh-CN" altLang="en-US" dirty="0" smtClean="0">
+              <a:rPr lang="zh-CN" altLang="en-US" smtClean="0">
                 <a:solidFill>
                   <a:srgbClr val="C00000"/>
                 </a:solidFill>
@@ -4122,11 +4739,11 @@
               <a:t>能量核素</a:t>
             </a:r>
             <a:r>
-              <a:rPr lang="zh-CN" altLang="en-US" dirty="0" smtClean="0"/>
+              <a:rPr lang="zh-CN" altLang="en-US" smtClean="0"/>
               <a:t>、及其它们的</a:t>
             </a:r>
             <a:r>
-              <a:rPr lang="zh-CN" altLang="en-US" dirty="0" smtClean="0">
+              <a:rPr lang="zh-CN" altLang="en-US" smtClean="0">
                 <a:solidFill>
                   <a:srgbClr val="C00000"/>
                 </a:solidFill>
@@ -4134,11 +4751,11 @@
               <a:t>分布情况</a:t>
             </a:r>
             <a:r>
-              <a:rPr lang="zh-CN" altLang="en-US" dirty="0" smtClean="0"/>
+              <a:rPr lang="zh-CN" altLang="en-US" smtClean="0"/>
               <a:t>、</a:t>
             </a:r>
             <a:r>
-              <a:rPr lang="zh-CN" altLang="en-US" dirty="0" smtClean="0">
+              <a:rPr lang="zh-CN" altLang="en-US" smtClean="0">
                 <a:solidFill>
                   <a:srgbClr val="C00000"/>
                 </a:solidFill>
@@ -4146,12 +4763,13 @@
               <a:t>准直器尺寸</a:t>
             </a:r>
             <a:r>
-              <a:rPr lang="zh-CN" altLang="en-US" dirty="0" smtClean="0"/>
+              <a:rPr lang="zh-CN" altLang="en-US" smtClean="0"/>
               <a:t>对测量结果的影响规律，以实现对废物桶核素及活度准确快速测量的最佳方案</a:t>
             </a:r>
           </a:p>
           <a:p>
-            <a:endParaRPr lang="zh-CN" altLang="en-US" dirty="0" smtClean="0"/>
+            <a:pPr eaLnBrk="1" hangingPunct="1"/>
+            <a:endParaRPr lang="zh-CN" altLang="en-US" smtClean="0"/>
           </a:p>
         </p:txBody>
       </p:sp>
@@ -4189,7 +4807,7 @@
       </p:grpSpPr>
       <p:sp>
         <p:nvSpPr>
-          <p:cNvPr id="26625" name="标题 1"/>
+          <p:cNvPr id="28673" name="标题 1"/>
           <p:cNvSpPr>
             <a:spLocks noGrp="1"/>
           </p:cNvSpPr>
@@ -4217,6 +4835,7 @@
           </a:bodyPr>
           <a:lstStyle/>
           <a:p>
+            <a:pPr eaLnBrk="1" hangingPunct="1"/>
             <a:r>
               <a:rPr lang="zh-CN" altLang="en-US" b="1" smtClean="0"/>
               <a:t>研究内容</a:t>
@@ -4226,7 +4845,7 @@
       </p:sp>
       <p:sp>
         <p:nvSpPr>
-          <p:cNvPr id="26626" name="内容占位符 2"/>
+          <p:cNvPr id="28674" name="内容占位符 2"/>
           <p:cNvSpPr>
             <a:spLocks noGrp="1"/>
           </p:cNvSpPr>
@@ -4244,6 +4863,7 @@
           <a:bodyPr/>
           <a:lstStyle/>
           <a:p>
+            <a:pPr eaLnBrk="1" hangingPunct="1"/>
             <a:r>
               <a:rPr lang="en-US" altLang="zh-CN" smtClean="0"/>
               <a:t>400L</a:t>
@@ -4263,6 +4883,7 @@
             <a:endParaRPr lang="en-US" altLang="zh-CN" smtClean="0"/>
           </a:p>
           <a:p>
+            <a:pPr eaLnBrk="1" hangingPunct="1"/>
             <a:r>
               <a:rPr lang="zh-CN" altLang="en-US" smtClean="0"/>
               <a:t>介质密度及不均匀分布的测量性能研究</a:t>
@@ -4270,6 +4891,7 @@
             <a:endParaRPr lang="en-US" altLang="zh-CN" smtClean="0"/>
           </a:p>
           <a:p>
+            <a:pPr eaLnBrk="1" hangingPunct="1"/>
             <a:r>
               <a:rPr lang="zh-CN" altLang="en-US" smtClean="0"/>
               <a:t>准直器尺寸对</a:t>
@@ -4284,6 +4906,7 @@
             </a:r>
           </a:p>
           <a:p>
+            <a:pPr eaLnBrk="1" hangingPunct="1"/>
             <a:r>
               <a:rPr lang="zh-CN" altLang="en-US" smtClean="0"/>
               <a:t>最佳测量方案的对比研究</a:t>
@@ -4291,6 +4914,7 @@
             <a:endParaRPr lang="en-US" altLang="zh-CN" smtClean="0"/>
           </a:p>
           <a:p>
+            <a:pPr eaLnBrk="1" hangingPunct="1"/>
             <a:endParaRPr lang="zh-CN" altLang="en-US" smtClean="0"/>
           </a:p>
         </p:txBody>
@@ -4329,7 +4953,7 @@
       </p:grpSpPr>
       <p:sp>
         <p:nvSpPr>
-          <p:cNvPr id="27649" name="标题 1"/>
+          <p:cNvPr id="29697" name="标题 1"/>
           <p:cNvSpPr>
             <a:spLocks noGrp="1"/>
           </p:cNvSpPr>
@@ -4357,6 +4981,7 @@
           </a:bodyPr>
           <a:lstStyle/>
           <a:p>
+            <a:pPr eaLnBrk="1" hangingPunct="1"/>
             <a:r>
               <a:rPr lang="zh-CN" altLang="en-US" b="1" smtClean="0"/>
               <a:t>拟解决的关键问题</a:t>
@@ -4366,7 +4991,7 @@
       </p:sp>
       <p:sp>
         <p:nvSpPr>
-          <p:cNvPr id="27650" name="内容占位符 2"/>
+          <p:cNvPr id="29698" name="内容占位符 2"/>
           <p:cNvSpPr>
             <a:spLocks noGrp="1"/>
           </p:cNvSpPr>
@@ -4384,7 +5009,7 @@
           <a:bodyPr/>
           <a:lstStyle/>
           <a:p>
-            <a:pPr marL="609600" indent="-609600">
+            <a:pPr marL="609600" indent="-609600" eaLnBrk="1" hangingPunct="1">
               <a:buFont typeface="Calibri" pitchFamily="34" charset="0"/>
               <a:buAutoNum type="arabicPeriod"/>
             </a:pPr>
@@ -4402,7 +5027,7 @@
             </a:r>
           </a:p>
           <a:p>
-            <a:pPr marL="609600" indent="-609600">
+            <a:pPr marL="609600" indent="-609600" eaLnBrk="1" hangingPunct="1">
               <a:buFont typeface="Calibri" pitchFamily="34" charset="0"/>
               <a:buAutoNum type="arabicPeriod"/>
             </a:pPr>
@@ -4413,7 +5038,7 @@
             <a:endParaRPr lang="en-US" altLang="zh-CN" smtClean="0"/>
           </a:p>
           <a:p>
-            <a:pPr marL="609600" indent="-609600">
+            <a:pPr marL="609600" indent="-609600" eaLnBrk="1" hangingPunct="1">
               <a:buFont typeface="Calibri" pitchFamily="34" charset="0"/>
               <a:buAutoNum type="arabicPeriod"/>
             </a:pPr>
@@ -4458,7 +5083,7 @@
       </p:grpSpPr>
       <p:sp>
         <p:nvSpPr>
-          <p:cNvPr id="18433" name="标题 1"/>
+          <p:cNvPr id="31745" name="标题 1"/>
           <p:cNvSpPr>
             <a:spLocks noGrp="1"/>
           </p:cNvSpPr>
@@ -4486,6 +5111,7 @@
           </a:bodyPr>
           <a:lstStyle/>
           <a:p>
+            <a:pPr eaLnBrk="1" hangingPunct="1"/>
             <a:r>
               <a:rPr lang="zh-CN" altLang="en-US" sz="3600" b="1" smtClean="0"/>
               <a:t>研究方法与技术路线</a:t>
@@ -4511,7 +5137,7 @@
       </p:sp>
       <p:sp>
         <p:nvSpPr>
-          <p:cNvPr id="18434" name="内容占位符 2"/>
+          <p:cNvPr id="31746" name="内容占位符 2"/>
           <p:cNvSpPr>
             <a:spLocks noGrp="1"/>
           </p:cNvSpPr>
@@ -4529,6 +5155,7 @@
           <a:bodyPr/>
           <a:lstStyle/>
           <a:p>
+            <a:pPr eaLnBrk="1" hangingPunct="1"/>
             <a:r>
               <a:rPr lang="zh-CN" altLang="en-US" smtClean="0"/>
               <a:t>半层析扫描方法（</a:t>
@@ -4552,6 +5179,7 @@
             <a:endParaRPr lang="en-US" altLang="zh-CN" smtClean="0"/>
           </a:p>
           <a:p>
+            <a:pPr eaLnBrk="1" hangingPunct="1"/>
             <a:r>
               <a:rPr lang="zh-CN" altLang="en-US" smtClean="0"/>
               <a:t>在</a:t>
@@ -4575,6 +5203,7 @@
             <a:endParaRPr lang="en-US" altLang="zh-CN" smtClean="0"/>
           </a:p>
           <a:p>
+            <a:pPr eaLnBrk="1" hangingPunct="1"/>
             <a:r>
               <a:rPr lang="zh-CN" altLang="en-US" smtClean="0"/>
               <a:t>精度比</a:t>
@@ -4597,7 +5226,7 @@
       </p:sp>
       <p:pic>
         <p:nvPicPr>
-          <p:cNvPr id="18435" name="图片 10" descr="探测平面图STGS"/>
+          <p:cNvPr id="31747" name="图片 10" descr="探测平面图STGS"/>
           <p:cNvPicPr>
             <a:picLocks noChangeAspect="1" noChangeArrowheads="1"/>
           </p:cNvPicPr>
@@ -4629,7 +5258,7 @@
       </p:pic>
       <p:pic>
         <p:nvPicPr>
-          <p:cNvPr id="18436" name="图片 11" descr="探测平面图4"/>
+          <p:cNvPr id="31748" name="图片 11" descr="探测平面图4"/>
           <p:cNvPicPr>
             <a:picLocks noChangeAspect="1" noChangeArrowheads="1"/>
           </p:cNvPicPr>
@@ -4644,7 +5273,7 @@
         </p:blipFill>
         <p:spPr bwMode="auto">
           <a:xfrm>
-            <a:off x="6115051" y="4670425"/>
+            <a:off x="6115050" y="4670425"/>
             <a:ext cx="2552700" cy="1276350"/>
           </a:xfrm>
           <a:prstGeom prst="rect">
@@ -4661,7 +5290,7 @@
       </p:pic>
       <p:pic>
         <p:nvPicPr>
-          <p:cNvPr id="18437" name="图片 2" descr="探测平面图xz"/>
+          <p:cNvPr id="31749" name="图片 2" descr="探测平面图xz"/>
           <p:cNvPicPr>
             <a:picLocks noChangeAspect="1" noChangeArrowheads="1"/>
           </p:cNvPicPr>
@@ -4723,104 +5352,25 @@
           <a:chExt cx="0" cy="0"/>
         </a:xfrm>
       </p:grpSpPr>
-      <p:sp>
-        <p:nvSpPr>
-          <p:cNvPr id="19457" name="标题 1"/>
-          <p:cNvSpPr>
-            <a:spLocks noGrp="1"/>
-          </p:cNvSpPr>
-          <p:nvPr>
-            <p:ph type="title"/>
-          </p:nvPr>
-        </p:nvSpPr>
+      <p:pic>
+        <p:nvPicPr>
+          <p:cNvPr id="57376" name="Picture 30"/>
+          <p:cNvPicPr>
+            <a:picLocks noChangeAspect="1" noChangeArrowheads="1"/>
+          </p:cNvPicPr>
+          <p:nvPr/>
+        </p:nvPicPr>
+        <p:blipFill>
+          <a:blip r:embed="rId4"/>
+          <a:srcRect/>
+          <a:stretch>
+            <a:fillRect/>
+          </a:stretch>
+        </p:blipFill>
         <p:spPr bwMode="auto">
           <a:xfrm>
-            <a:off x="457200" y="274638"/>
-            <a:ext cx="8370888" cy="757237"/>
-          </a:xfrm>
-          <a:noFill/>
-          <a:ln>
-            <a:miter lim="800000"/>
-            <a:headEnd/>
-            <a:tailEnd/>
-          </a:ln>
-        </p:spPr>
-        <p:txBody>
-          <a:bodyPr vert="horz" wrap="square" lIns="91440" tIns="45720" rIns="91440" bIns="45720" numCol="1" anchor="t" anchorCtr="0" compatLnSpc="1">
-            <a:prstTxWarp prst="textNoShape">
-              <a:avLst/>
-            </a:prstTxWarp>
-          </a:bodyPr>
-          <a:lstStyle/>
-          <a:p>
-            <a:r>
-              <a:rPr lang="zh-CN" altLang="en-US" sz="3600" b="1" smtClean="0"/>
-              <a:t>研究方法与技术路线</a:t>
-            </a:r>
-            <a:r>
-              <a:rPr lang="en-US" altLang="zh-CN" sz="3600" b="1" smtClean="0"/>
-              <a:t>-</a:t>
-            </a:r>
-            <a:r>
-              <a:rPr lang="zh-CN" altLang="en-US" sz="3600" b="1" smtClean="0"/>
-              <a:t>重建矩阵条件数</a:t>
-            </a:r>
-          </a:p>
-        </p:txBody>
-      </p:sp>
-      <p:sp>
-        <p:nvSpPr>
-          <p:cNvPr id="3" name="内容占位符 2"/>
-          <p:cNvSpPr>
-            <a:spLocks noGrp="1" noRot="1" noChangeAspect="1" noMove="1" noResize="1" noEditPoints="1" noAdjustHandles="1" noChangeArrowheads="1" noChangeShapeType="1" noTextEdit="1"/>
-          </p:cNvSpPr>
-          <p:nvPr>
-            <p:ph idx="1"/>
-          </p:nvPr>
-        </p:nvSpPr>
-        <p:spPr>
-          <a:blipFill rotWithShape="0">
-            <a:blip r:embed="rId2"/>
-            <a:stretch>
-              <a:fillRect l="-1481" t="-2825"/>
-            </a:stretch>
-          </a:blipFill>
-        </p:spPr>
-        <p:txBody>
-          <a:bodyPr rtlCol="0">
-            <a:normAutofit/>
-          </a:bodyPr>
-          <a:lstStyle/>
-          <a:p>
-            <a:pPr fontAlgn="auto">
-              <a:spcAft>
-                <a:spcPts val="0"/>
-              </a:spcAft>
-              <a:buFont typeface="Arial"/>
-              <a:buChar char="•"/>
-              <a:defRPr/>
-            </a:pPr>
-            <a:r>
-              <a:rPr lang="zh-CN" altLang="en-US">
-                <a:noFill/>
-              </a:rPr>
-              <a:t> </a:t>
-            </a:r>
-          </a:p>
-        </p:txBody>
-      </p:sp>
-      <p:sp>
-        <p:nvSpPr>
-          <p:cNvPr id="19459" name="Rectangle 6"/>
-          <p:cNvSpPr>
-            <a:spLocks noChangeArrowheads="1"/>
-          </p:cNvSpPr>
-          <p:nvPr/>
-        </p:nvSpPr>
-        <p:spPr bwMode="auto">
-          <a:xfrm>
-            <a:off x="942975" y="4924425"/>
-            <a:ext cx="9144000" cy="0"/>
+            <a:off x="0" y="3762375"/>
+            <a:ext cx="5045075" cy="2668588"/>
           </a:xfrm>
           <a:prstGeom prst="rect">
             <a:avLst/>
@@ -4833,6 +5383,139 @@
             <a:tailEnd/>
           </a:ln>
         </p:spPr>
+      </p:pic>
+      <p:sp>
+        <p:nvSpPr>
+          <p:cNvPr id="57377" name="标题 1"/>
+          <p:cNvSpPr>
+            <a:spLocks noGrp="1"/>
+          </p:cNvSpPr>
+          <p:nvPr>
+            <p:ph type="title" idx="4294967295"/>
+          </p:nvPr>
+        </p:nvSpPr>
+        <p:spPr bwMode="auto">
+          <a:xfrm>
+            <a:off x="457200" y="274638"/>
+            <a:ext cx="8229600" cy="1143000"/>
+          </a:xfrm>
+          <a:prstGeom prst="rect">
+            <a:avLst/>
+          </a:prstGeom>
+          <a:noFill/>
+          <a:ln>
+            <a:miter lim="800000"/>
+            <a:headEnd/>
+            <a:tailEnd/>
+          </a:ln>
+        </p:spPr>
+        <p:txBody>
+          <a:bodyPr/>
+          <a:lstStyle/>
+          <a:p>
+            <a:pPr algn="l" eaLnBrk="1" hangingPunct="1"/>
+            <a:r>
+              <a:rPr lang="zh-CN" altLang="en-US" sz="3600" b="1" smtClean="0"/>
+              <a:t>研究方法与技术路线</a:t>
+            </a:r>
+            <a:r>
+              <a:rPr lang="en-US" altLang="zh-CN" sz="3600" b="1" smtClean="0"/>
+              <a:t>-</a:t>
+            </a:r>
+            <a:r>
+              <a:rPr lang="zh-CN" altLang="en-US" sz="3600" b="1" smtClean="0"/>
+              <a:t>重建矩阵条件数</a:t>
+            </a:r>
+          </a:p>
+        </p:txBody>
+      </p:sp>
+      <p:sp>
+        <p:nvSpPr>
+          <p:cNvPr id="57378" name="Rectangle 5"/>
+          <p:cNvSpPr>
+            <a:spLocks noGrp="1"/>
+          </p:cNvSpPr>
+          <p:nvPr>
+            <p:ph idx="4294967295"/>
+          </p:nvPr>
+        </p:nvSpPr>
+        <p:spPr>
+          <a:xfrm>
+            <a:off x="457200" y="1282700"/>
+            <a:ext cx="4044950" cy="2862263"/>
+          </a:xfrm>
+        </p:spPr>
+        <p:txBody>
+          <a:bodyPr/>
+          <a:lstStyle/>
+          <a:p>
+            <a:r>
+              <a:rPr lang="zh-CN" altLang="en-US" sz="2400" smtClean="0"/>
+              <a:t>发射重建方程：</a:t>
+            </a:r>
+            <a:r>
+              <a:rPr lang="en-US" altLang="zh-CN" sz="2400" b="1" smtClean="0"/>
+              <a:t>E·A=C</a:t>
+            </a:r>
+          </a:p>
+          <a:p>
+            <a:r>
+              <a:rPr lang="zh-CN" altLang="en-US" sz="2400" smtClean="0"/>
+              <a:t>为效率刻度矩阵误差</a:t>
+            </a:r>
+            <a:r>
+              <a:rPr lang="en-US" altLang="zh-CN" sz="2400" smtClean="0"/>
+              <a:t>dE</a:t>
+            </a:r>
+            <a:r>
+              <a:rPr lang="zh-CN" altLang="en-US" sz="2400" smtClean="0"/>
+              <a:t>，探测器误差</a:t>
+            </a:r>
+            <a:r>
+              <a:rPr lang="en-US" altLang="zh-CN" sz="2400" smtClean="0"/>
+              <a:t>dC</a:t>
+            </a:r>
+          </a:p>
+          <a:p>
+            <a:r>
+              <a:rPr lang="en-US" altLang="zh-CN" sz="2400" b="1" smtClean="0"/>
+              <a:t>(E+dE)·(A+dA)=C+dC</a:t>
+            </a:r>
+            <a:endParaRPr lang="zh-CN" altLang="en-US" sz="2400" smtClean="0"/>
+          </a:p>
+          <a:p>
+            <a:r>
+              <a:rPr lang="zh-CN" altLang="en-US" sz="2400" smtClean="0"/>
+              <a:t>解的相对误差为：</a:t>
+            </a:r>
+            <a:endParaRPr lang="en-US" altLang="zh-CN" sz="2400" smtClean="0"/>
+          </a:p>
+        </p:txBody>
+      </p:sp>
+      <p:sp>
+        <p:nvSpPr>
+          <p:cNvPr id="57379" name="Rectangle 6"/>
+          <p:cNvSpPr>
+            <a:spLocks noChangeArrowheads="1"/>
+          </p:cNvSpPr>
+          <p:nvPr/>
+        </p:nvSpPr>
+        <p:spPr bwMode="auto">
+          <a:xfrm>
+            <a:off x="6237288" y="4371975"/>
+            <a:ext cx="184150" cy="366713"/>
+          </a:xfrm>
+          <a:prstGeom prst="rect">
+            <a:avLst/>
+          </a:prstGeom>
+          <a:noFill/>
+          <a:ln w="9525">
+            <a:noFill/>
+            <a:miter lim="800000"/>
+            <a:headEnd/>
+            <a:tailEnd/>
+          </a:ln>
+        </p:spPr>
         <p:txBody>
           <a:bodyPr wrap="none" anchor="ctr">
             <a:spAutoFit/>
@@ -4845,6 +5528,344 @@
           </a:p>
         </p:txBody>
       </p:sp>
+      <p:sp>
+        <p:nvSpPr>
+          <p:cNvPr id="57380" name="Rectangle 7"/>
+          <p:cNvSpPr>
+            <a:spLocks noChangeArrowheads="1"/>
+          </p:cNvSpPr>
+          <p:nvPr/>
+        </p:nvSpPr>
+        <p:spPr bwMode="auto">
+          <a:xfrm>
+            <a:off x="0" y="0"/>
+            <a:ext cx="9144000" cy="0"/>
+          </a:xfrm>
+          <a:prstGeom prst="rect">
+            <a:avLst/>
+          </a:prstGeom>
+          <a:noFill/>
+          <a:ln w="9525">
+            <a:noFill/>
+            <a:miter lim="800000"/>
+            <a:headEnd/>
+            <a:tailEnd/>
+          </a:ln>
+        </p:spPr>
+        <p:txBody>
+          <a:bodyPr wrap="none" anchor="ctr">
+            <a:spAutoFit/>
+          </a:bodyPr>
+          <a:lstStyle/>
+          <a:p>
+            <a:endParaRPr lang="zh-CN" altLang="en-US"/>
+          </a:p>
+        </p:txBody>
+      </p:sp>
+      <p:graphicFrame>
+        <p:nvGraphicFramePr>
+          <p:cNvPr id="57350" name="AutoShape 6"/>
+          <p:cNvGraphicFramePr>
+            <a:graphicFrameLocks noChangeAspect="1"/>
+          </p:cNvGraphicFramePr>
+          <p:nvPr/>
+        </p:nvGraphicFramePr>
+        <p:xfrm>
+          <a:off x="0" y="0"/>
+          <a:ext cx="2543175" cy="723900"/>
+        </p:xfrm>
+        <a:graphic>
+          <a:graphicData uri="http://schemas.openxmlformats.org/presentationml/2006/ole">
+            <p:oleObj spid="_x0000_s57350" r:id="rId5" imgW="0" imgH="0" progId="">
+              <p:embed/>
+            </p:oleObj>
+          </a:graphicData>
+        </a:graphic>
+      </p:graphicFrame>
+      <p:sp>
+        <p:nvSpPr>
+          <p:cNvPr id="57381" name="Rectangle 9"/>
+          <p:cNvSpPr>
+            <a:spLocks noChangeArrowheads="1"/>
+          </p:cNvSpPr>
+          <p:nvPr/>
+        </p:nvSpPr>
+        <p:spPr bwMode="auto">
+          <a:xfrm>
+            <a:off x="0" y="0"/>
+            <a:ext cx="9144000" cy="0"/>
+          </a:xfrm>
+          <a:prstGeom prst="rect">
+            <a:avLst/>
+          </a:prstGeom>
+          <a:noFill/>
+          <a:ln w="9525">
+            <a:noFill/>
+            <a:miter lim="800000"/>
+            <a:headEnd/>
+            <a:tailEnd/>
+          </a:ln>
+        </p:spPr>
+        <p:txBody>
+          <a:bodyPr wrap="none" anchor="ctr">
+            <a:spAutoFit/>
+          </a:bodyPr>
+          <a:lstStyle/>
+          <a:p>
+            <a:endParaRPr lang="zh-CN" altLang="en-US"/>
+          </a:p>
+        </p:txBody>
+      </p:sp>
+      <p:graphicFrame>
+        <p:nvGraphicFramePr>
+          <p:cNvPr id="57352" name="AutoShape 8"/>
+          <p:cNvGraphicFramePr>
+            <a:graphicFrameLocks noChangeAspect="1"/>
+          </p:cNvGraphicFramePr>
+          <p:nvPr/>
+        </p:nvGraphicFramePr>
+        <p:xfrm>
+          <a:off x="0" y="0"/>
+          <a:ext cx="2543175" cy="723900"/>
+        </p:xfrm>
+        <a:graphic>
+          <a:graphicData uri="http://schemas.openxmlformats.org/presentationml/2006/ole">
+            <p:oleObj spid="_x0000_s57352" r:id="rId6" imgW="0" imgH="0" progId="">
+              <p:embed/>
+            </p:oleObj>
+          </a:graphicData>
+        </a:graphic>
+      </p:graphicFrame>
+      <p:sp>
+        <p:nvSpPr>
+          <p:cNvPr id="57382" name="Rectangle 11"/>
+          <p:cNvSpPr>
+            <a:spLocks noChangeArrowheads="1"/>
+          </p:cNvSpPr>
+          <p:nvPr/>
+        </p:nvSpPr>
+        <p:spPr bwMode="auto">
+          <a:xfrm>
+            <a:off x="0" y="0"/>
+            <a:ext cx="9144000" cy="0"/>
+          </a:xfrm>
+          <a:prstGeom prst="rect">
+            <a:avLst/>
+          </a:prstGeom>
+          <a:noFill/>
+          <a:ln w="9525">
+            <a:noFill/>
+            <a:miter lim="800000"/>
+            <a:headEnd/>
+            <a:tailEnd/>
+          </a:ln>
+        </p:spPr>
+        <p:txBody>
+          <a:bodyPr anchor="ctr">
+            <a:spAutoFit/>
+          </a:bodyPr>
+          <a:lstStyle/>
+          <a:p>
+            <a:endParaRPr lang="zh-CN" altLang="en-US"/>
+          </a:p>
+        </p:txBody>
+      </p:sp>
+      <p:graphicFrame>
+        <p:nvGraphicFramePr>
+          <p:cNvPr id="57354" name="AutoShape 10"/>
+          <p:cNvGraphicFramePr>
+            <a:graphicFrameLocks noChangeAspect="1"/>
+          </p:cNvGraphicFramePr>
+          <p:nvPr/>
+        </p:nvGraphicFramePr>
+        <p:xfrm>
+          <a:off x="0" y="0"/>
+          <a:ext cx="2543175" cy="723900"/>
+        </p:xfrm>
+        <a:graphic>
+          <a:graphicData uri="http://schemas.openxmlformats.org/presentationml/2006/ole">
+            <p:oleObj spid="_x0000_s57354" r:id="rId7" imgW="0" imgH="0" progId="">
+              <p:embed/>
+            </p:oleObj>
+          </a:graphicData>
+        </a:graphic>
+      </p:graphicFrame>
+      <p:sp>
+        <p:nvSpPr>
+          <p:cNvPr id="57383" name="Rectangle 13"/>
+          <p:cNvSpPr>
+            <a:spLocks noChangeArrowheads="1"/>
+          </p:cNvSpPr>
+          <p:nvPr/>
+        </p:nvSpPr>
+        <p:spPr bwMode="auto">
+          <a:xfrm>
+            <a:off x="0" y="3067050"/>
+            <a:ext cx="9144000" cy="0"/>
+          </a:xfrm>
+          <a:prstGeom prst="rect">
+            <a:avLst/>
+          </a:prstGeom>
+          <a:noFill/>
+          <a:ln w="9525">
+            <a:noFill/>
+            <a:miter lim="800000"/>
+            <a:headEnd/>
+            <a:tailEnd/>
+          </a:ln>
+        </p:spPr>
+        <p:txBody>
+          <a:bodyPr anchor="ctr">
+            <a:spAutoFit/>
+          </a:bodyPr>
+          <a:lstStyle/>
+          <a:p>
+            <a:endParaRPr lang="zh-CN" altLang="en-US"/>
+          </a:p>
+        </p:txBody>
+      </p:sp>
+      <p:sp>
+        <p:nvSpPr>
+          <p:cNvPr id="57384" name="Rectangle 15"/>
+          <p:cNvSpPr>
+            <a:spLocks noChangeArrowheads="1"/>
+          </p:cNvSpPr>
+          <p:nvPr/>
+        </p:nvSpPr>
+        <p:spPr bwMode="auto">
+          <a:xfrm>
+            <a:off x="0" y="3067050"/>
+            <a:ext cx="9144000" cy="0"/>
+          </a:xfrm>
+          <a:prstGeom prst="rect">
+            <a:avLst/>
+          </a:prstGeom>
+          <a:noFill/>
+          <a:ln w="9525">
+            <a:noFill/>
+            <a:miter lim="800000"/>
+            <a:headEnd/>
+            <a:tailEnd/>
+          </a:ln>
+        </p:spPr>
+        <p:txBody>
+          <a:bodyPr anchor="ctr">
+            <a:spAutoFit/>
+          </a:bodyPr>
+          <a:lstStyle/>
+          <a:p>
+            <a:endParaRPr lang="zh-CN" altLang="en-US"/>
+          </a:p>
+        </p:txBody>
+      </p:sp>
+      <p:sp>
+        <p:nvSpPr>
+          <p:cNvPr id="57385" name="Rectangle 17"/>
+          <p:cNvSpPr>
+            <a:spLocks noChangeArrowheads="1"/>
+          </p:cNvSpPr>
+          <p:nvPr/>
+        </p:nvSpPr>
+        <p:spPr bwMode="auto">
+          <a:xfrm>
+            <a:off x="0" y="3067050"/>
+            <a:ext cx="9144000" cy="0"/>
+          </a:xfrm>
+          <a:prstGeom prst="rect">
+            <a:avLst/>
+          </a:prstGeom>
+          <a:noFill/>
+          <a:ln w="9525">
+            <a:noFill/>
+            <a:miter lim="800000"/>
+            <a:headEnd/>
+            <a:tailEnd/>
+          </a:ln>
+        </p:spPr>
+        <p:txBody>
+          <a:bodyPr anchor="ctr">
+            <a:spAutoFit/>
+          </a:bodyPr>
+          <a:lstStyle/>
+          <a:p>
+            <a:endParaRPr lang="zh-CN" altLang="en-US"/>
+          </a:p>
+        </p:txBody>
+      </p:sp>
+      <p:sp>
+        <p:nvSpPr>
+          <p:cNvPr id="57386" name="Rectangle 27"/>
+          <p:cNvSpPr>
+            <a:spLocks noChangeArrowheads="1"/>
+          </p:cNvSpPr>
+          <p:nvPr/>
+        </p:nvSpPr>
+        <p:spPr bwMode="auto">
+          <a:xfrm>
+            <a:off x="0" y="3067050"/>
+            <a:ext cx="9144000" cy="0"/>
+          </a:xfrm>
+          <a:prstGeom prst="rect">
+            <a:avLst/>
+          </a:prstGeom>
+          <a:noFill/>
+          <a:ln w="9525">
+            <a:noFill/>
+            <a:miter lim="800000"/>
+            <a:headEnd/>
+            <a:tailEnd/>
+          </a:ln>
+        </p:spPr>
+        <p:txBody>
+          <a:bodyPr anchor="ctr">
+            <a:spAutoFit/>
+          </a:bodyPr>
+          <a:lstStyle/>
+          <a:p>
+            <a:endParaRPr lang="zh-CN" altLang="en-US"/>
+          </a:p>
+        </p:txBody>
+      </p:sp>
+      <p:graphicFrame>
+        <p:nvGraphicFramePr>
+          <p:cNvPr id="57373" name="Object 29"/>
+          <p:cNvGraphicFramePr>
+            <a:graphicFrameLocks noChangeAspect="1"/>
+          </p:cNvGraphicFramePr>
+          <p:nvPr/>
+        </p:nvGraphicFramePr>
+        <p:xfrm>
+          <a:off x="3451225" y="3308350"/>
+          <a:ext cx="5014913" cy="1430338"/>
+        </p:xfrm>
+        <a:graphic>
+          <a:graphicData uri="http://schemas.openxmlformats.org/presentationml/2006/ole">
+            <p:oleObj spid="_x0000_s57373" name="Equation" r:id="rId8" imgW="2539800" imgH="723600" progId="Equation.DSMT4">
+              <p:embed/>
+            </p:oleObj>
+          </a:graphicData>
+        </a:graphic>
+      </p:graphicFrame>
+      <p:graphicFrame>
+        <p:nvGraphicFramePr>
+          <p:cNvPr id="57375" name="Object 31"/>
+          <p:cNvGraphicFramePr>
+            <a:graphicFrameLocks noChangeAspect="1"/>
+          </p:cNvGraphicFramePr>
+          <p:nvPr/>
+        </p:nvGraphicFramePr>
+        <p:xfrm>
+          <a:off x="4502150" y="1282700"/>
+          <a:ext cx="3963988" cy="1654175"/>
+        </p:xfrm>
+        <a:graphic>
+          <a:graphicData uri="http://schemas.openxmlformats.org/presentationml/2006/ole">
+            <p:oleObj spid="_x0000_s57375" name="Equation" r:id="rId9" imgW="1765080" imgH="736560" progId="Equation.DSMT4">
+              <p:embed/>
+            </p:oleObj>
+          </a:graphicData>
+        </a:graphic>
+      </p:graphicFrame>
     </p:spTree>
   </p:cSld>
   <p:clrMapOvr>
@@ -4879,7 +5900,7 @@
       </p:grpSpPr>
       <p:sp>
         <p:nvSpPr>
-          <p:cNvPr id="20481" name="标题 1"/>
+          <p:cNvPr id="59393" name="标题 1"/>
           <p:cNvSpPr>
             <a:spLocks noGrp="1"/>
           </p:cNvSpPr>
@@ -4907,6 +5928,7 @@
           </a:bodyPr>
           <a:lstStyle/>
           <a:p>
+            <a:pPr eaLnBrk="1" hangingPunct="1"/>
             <a:r>
               <a:rPr lang="zh-CN" altLang="en-US" sz="3600" b="1" smtClean="0"/>
               <a:t>研究方法与技术路线</a:t>
@@ -4922,304 +5944,125 @@
           </a:p>
         </p:txBody>
       </p:sp>
-      <mc:AlternateContent xmlns:mc="http://schemas.openxmlformats.org/markup-compatibility/2006">
-        <mc:Choice xmlns:a14="http://schemas.microsoft.com/office/drawing/2010/main" Requires="a14">
-          <p:sp>
-            <p:nvSpPr>
-              <p:cNvPr id="4" name="内容占位符 3"/>
-              <p:cNvSpPr>
-                <a:spLocks noGrp="1"/>
-              </p:cNvSpPr>
-              <p:nvPr>
-                <p:ph idx="1"/>
-              </p:nvPr>
-            </p:nvSpPr>
-            <p:spPr>
-              <a:xfrm>
-                <a:off x="457200" y="1332815"/>
-                <a:ext cx="8686800" cy="1694164"/>
-              </a:xfrm>
-            </p:spPr>
-            <p:txBody>
-              <a:bodyPr/>
-              <a:lstStyle/>
-              <a:p>
-                <a:r>
-                  <a:rPr lang="en-US" altLang="zh-CN" sz="2400" dirty="0" smtClean="0"/>
-                  <a:t> </a:t>
-                </a:r>
-                <a14:m>
-                  <m:oMath xmlns:m="http://schemas.openxmlformats.org/officeDocument/2006/math">
-                    <m:d>
-                      <m:dPr>
-                        <m:begChr m:val="‖"/>
-                        <m:endChr m:val="‖"/>
-                        <m:ctrlPr>
-                          <a:rPr lang="en-US" altLang="zh-CN" sz="2400" i="1" smtClean="0">
-                            <a:latin typeface="Cambria Math" panose="02040503050406030204" pitchFamily="18" charset="0"/>
-                          </a:rPr>
-                        </m:ctrlPr>
-                      </m:dPr>
-                      <m:e>
-                        <m:r>
-                          <a:rPr lang="en-US" altLang="zh-CN" sz="2400" b="0" i="1" smtClean="0">
-                            <a:latin typeface="Cambria Math" panose="02040503050406030204" pitchFamily="18" charset="0"/>
-                          </a:rPr>
-                          <m:t>𝐸</m:t>
-                        </m:r>
-                      </m:e>
-                    </m:d>
-                    <m:r>
-                      <a:rPr lang="en-US" altLang="zh-CN" sz="2400" i="1" smtClean="0">
-                        <a:latin typeface="Cambria Math" panose="02040503050406030204" pitchFamily="18" charset="0"/>
-                        <a:ea typeface="Cambria Math" panose="02040503050406030204" pitchFamily="18" charset="0"/>
-                      </a:rPr>
-                      <m:t>∙</m:t>
-                    </m:r>
-                    <m:d>
-                      <m:dPr>
-                        <m:begChr m:val="‖"/>
-                        <m:endChr m:val="‖"/>
-                        <m:ctrlPr>
-                          <a:rPr lang="en-US" altLang="zh-CN" sz="2400" i="1" smtClean="0">
-                            <a:latin typeface="Cambria Math" panose="02040503050406030204" pitchFamily="18" charset="0"/>
-                            <a:ea typeface="Cambria Math" panose="02040503050406030204" pitchFamily="18" charset="0"/>
-                          </a:rPr>
-                        </m:ctrlPr>
-                      </m:dPr>
-                      <m:e>
-                        <m:sSup>
-                          <m:sSupPr>
-                            <m:ctrlPr>
-                              <a:rPr lang="en-US" altLang="zh-CN" sz="2400" b="0" i="1" smtClean="0">
-                                <a:latin typeface="Cambria Math" panose="02040503050406030204" pitchFamily="18" charset="0"/>
-                                <a:ea typeface="Cambria Math" panose="02040503050406030204" pitchFamily="18" charset="0"/>
-                              </a:rPr>
-                            </m:ctrlPr>
-                          </m:sSupPr>
-                          <m:e>
-                            <m:r>
-                              <a:rPr lang="en-US" altLang="zh-CN" sz="2400" b="0" i="1" smtClean="0">
-                                <a:latin typeface="Cambria Math" panose="02040503050406030204" pitchFamily="18" charset="0"/>
-                                <a:ea typeface="Cambria Math" panose="02040503050406030204" pitchFamily="18" charset="0"/>
-                              </a:rPr>
-                              <m:t>𝐸</m:t>
-                            </m:r>
-                          </m:e>
-                          <m:sup>
-                            <m:r>
-                              <a:rPr lang="en-US" altLang="zh-CN" sz="2400" b="0" i="1" smtClean="0">
-                                <a:latin typeface="Cambria Math" panose="02040503050406030204" pitchFamily="18" charset="0"/>
-                                <a:ea typeface="Cambria Math" panose="02040503050406030204" pitchFamily="18" charset="0"/>
-                              </a:rPr>
-                              <m:t>−1</m:t>
-                            </m:r>
-                          </m:sup>
-                        </m:sSup>
-                      </m:e>
-                    </m:d>
-                  </m:oMath>
-                </a14:m>
-                <a:r>
-                  <a:rPr lang="en-US" altLang="zh-CN" sz="2400" dirty="0" smtClean="0"/>
-                  <a:t> 称为效率刻度矩阵</a:t>
-                </a:r>
-                <a:r>
-                  <a:rPr lang="en-US" altLang="zh-CN" sz="2400" dirty="0" err="1"/>
-                  <a:t>E</a:t>
-                </a:r>
-                <a:r>
-                  <a:rPr lang="en-US" altLang="zh-CN" sz="2400" dirty="0" err="1" smtClean="0"/>
-                  <a:t>的</a:t>
-                </a:r>
-                <a:r>
-                  <a:rPr lang="en-US" altLang="zh-CN" sz="2400" b="1" dirty="0" err="1" smtClean="0"/>
-                  <a:t>条件数</a:t>
-                </a:r>
-                <a:r>
-                  <a:rPr lang="zh-CN" altLang="en-US" sz="2400" dirty="0"/>
-                  <a:t>，</a:t>
-                </a:r>
-                <a:r>
-                  <a:rPr lang="zh-CN" altLang="zh-CN" sz="2400" dirty="0" smtClean="0"/>
-                  <a:t>记</a:t>
-                </a:r>
-                <a:r>
-                  <a:rPr lang="zh-CN" altLang="zh-CN" sz="2400" dirty="0"/>
-                  <a:t>为</a:t>
-                </a:r>
-                <a:r>
-                  <a:rPr lang="en-US" altLang="zh-CN" sz="2400" dirty="0"/>
-                  <a:t>Cond(E)</a:t>
-                </a:r>
-                <a:endParaRPr lang="zh-CN" altLang="zh-CN" sz="2400" dirty="0"/>
-              </a:p>
-              <a:p>
-                <a:r>
-                  <a:rPr lang="zh-CN" altLang="zh-CN" sz="2400" dirty="0" smtClean="0"/>
-                  <a:t>当</a:t>
-                </a:r>
-                <a:r>
-                  <a:rPr lang="en-US" altLang="zh-CN" sz="2400" dirty="0"/>
-                  <a:t>Cond(E)&gt;&gt;1，则方程组称为“病态”的</a:t>
-                </a:r>
-                <a:r>
-                  <a:rPr lang="en-US" altLang="zh-CN" sz="2400" dirty="0" smtClean="0"/>
-                  <a:t>；</a:t>
-                </a:r>
-                <a:r>
-                  <a:rPr lang="zh-CN" altLang="zh-CN" sz="2400" dirty="0" smtClean="0"/>
-                  <a:t>当</a:t>
-                </a:r>
-                <a:r>
-                  <a:rPr lang="en-US" altLang="zh-CN" sz="2400" dirty="0"/>
-                  <a:t>Cond(</a:t>
-                </a:r>
-                <a:r>
-                  <a:rPr lang="en-US" altLang="zh-CN" sz="2400" dirty="0" err="1"/>
-                  <a:t>E）较小时，则方程组称为“良态</a:t>
-                </a:r>
-                <a:r>
-                  <a:rPr lang="en-US" altLang="zh-CN" sz="2400" dirty="0" smtClean="0"/>
-                  <a:t>”</a:t>
-                </a:r>
-                <a:r>
-                  <a:rPr lang="zh-CN" altLang="zh-CN" sz="2400" dirty="0" smtClean="0"/>
-                  <a:t>的</a:t>
-                </a:r>
-                <a:r>
-                  <a:rPr lang="zh-CN" altLang="zh-CN" sz="2400" dirty="0"/>
-                  <a:t>。病态方程组求解误差将会被放大。</a:t>
-                </a:r>
-              </a:p>
-              <a:p>
-                <a:endParaRPr lang="zh-CN" altLang="en-US" sz="1800" dirty="0"/>
-              </a:p>
-            </p:txBody>
-          </p:sp>
-        </mc:Choice>
-        <mc:Fallback>
-          <p:sp>
-            <p:nvSpPr>
-              <p:cNvPr id="4" name="内容占位符 3"/>
-              <p:cNvSpPr>
-                <a:spLocks noGrp="1" noRot="1" noChangeAspect="1" noMove="1" noResize="1" noEditPoints="1" noAdjustHandles="1" noChangeArrowheads="1" noChangeShapeType="1" noTextEdit="1"/>
-              </p:cNvSpPr>
-              <p:nvPr>
-                <p:ph idx="1"/>
-              </p:nvPr>
-            </p:nvSpPr>
-            <p:spPr>
-              <a:xfrm>
-                <a:off x="457200" y="1332815"/>
-                <a:ext cx="8686800" cy="1694164"/>
-              </a:xfrm>
-              <a:blipFill rotWithShape="0">
-                <a:blip r:embed="rId3"/>
-                <a:stretch>
-                  <a:fillRect l="-912" t="-3957" b="-4317"/>
-                </a:stretch>
-              </a:blipFill>
-            </p:spPr>
-            <p:txBody>
-              <a:bodyPr/>
-              <a:lstStyle/>
-              <a:p>
-                <a:r>
-                  <a:rPr lang="zh-CN" altLang="en-US">
-                    <a:noFill/>
-                  </a:rPr>
-                  <a:t> </a:t>
-                </a:r>
-              </a:p>
-            </p:txBody>
-          </p:sp>
-        </mc:Fallback>
-      </mc:AlternateContent>
-      <p:sp>
-        <p:nvSpPr>
-          <p:cNvPr id="5" name="矩形 4"/>
-          <p:cNvSpPr/>
+      <p:sp>
+        <p:nvSpPr>
+          <p:cNvPr id="4" name="内容占位符 3"/>
+          <p:cNvSpPr>
+            <a:spLocks noGrp="1" noRot="1" noChangeAspect="1" noMove="1" noResize="1" noEditPoints="1" noAdjustHandles="1" noChangeArrowheads="1" noChangeShapeType="1" noTextEdit="1"/>
+          </p:cNvSpPr>
+          <p:nvPr>
+            <p:ph idx="1"/>
+          </p:nvPr>
+        </p:nvSpPr>
+        <p:spPr>
+          <a:xfrm>
+            <a:off x="457200" y="1332815"/>
+            <a:ext cx="8686800" cy="1694164"/>
+          </a:xfrm>
+          <a:blipFill rotWithShape="0">
+            <a:blip r:embed="rId3"/>
+            <a:stretch>
+              <a:fillRect l="-912" t="-3957" b="-4317"/>
+            </a:stretch>
+          </a:blipFill>
+        </p:spPr>
+        <p:txBody>
+          <a:bodyPr/>
+          <a:lstStyle/>
+          <a:p>
+            <a:pPr eaLnBrk="1" hangingPunct="1">
+              <a:defRPr/>
+            </a:pPr>
+            <a:r>
+              <a:rPr lang="zh-CN" altLang="en-US">
+                <a:noFill/>
+              </a:rPr>
+              <a:t> </a:t>
+            </a:r>
+          </a:p>
+        </p:txBody>
+      </p:sp>
+      <p:sp>
+        <p:nvSpPr>
+          <p:cNvPr id="59395" name="矩形 4"/>
+          <p:cNvSpPr>
+            <a:spLocks noChangeArrowheads="1"/>
+          </p:cNvSpPr>
           <p:nvPr/>
         </p:nvSpPr>
-        <p:spPr>
-          <a:xfrm>
-            <a:off x="457200" y="3026979"/>
-            <a:ext cx="4083269" cy="2308324"/>
+        <p:spPr bwMode="auto">
+          <a:xfrm>
+            <a:off x="457200" y="3027363"/>
+            <a:ext cx="4083050" cy="2308225"/>
           </a:xfrm>
           <a:prstGeom prst="rect">
             <a:avLst/>
           </a:prstGeom>
-        </p:spPr>
-        <p:txBody>
-          <a:bodyPr wrap="square">
+          <a:noFill/>
+          <a:ln w="9525">
+            <a:noFill/>
+            <a:miter lim="800000"/>
+            <a:headEnd/>
+            <a:tailEnd/>
+          </a:ln>
+        </p:spPr>
+        <p:txBody>
+          <a:bodyPr>
             <a:spAutoFit/>
           </a:bodyPr>
           <a:lstStyle/>
           <a:p>
             <a:pPr marL="285750" indent="-285750">
-              <a:buFont typeface="Arial" panose="020B0604020202020204" pitchFamily="34" charset="0"/>
+              <a:buFont typeface="Arial" charset="0"/>
               <a:buChar char="•"/>
             </a:pPr>
             <a:r>
-              <a:rPr lang="zh-CN" altLang="zh-CN" sz="2400" dirty="0"/>
+              <a:rPr lang="zh-CN" altLang="zh-CN" sz="2400"/>
               <a:t>提出一套设计标准，以保证在不同介质密度条件下，</a:t>
             </a:r>
             <a:r>
-              <a:rPr lang="en-US" altLang="zh-CN" sz="2400" dirty="0" smtClean="0"/>
-              <a:t>Cond(E) </a:t>
-            </a:r>
-            <a:r>
-              <a:rPr lang="en-US" altLang="zh-CN" sz="2400" dirty="0" err="1" smtClean="0"/>
-              <a:t>足够小</a:t>
-            </a:r>
-            <a:r>
-              <a:rPr lang="en-US" altLang="zh-CN" sz="2400" dirty="0" err="1"/>
-              <a:t>，从而保证效率</a:t>
-            </a:r>
-            <a:r>
-              <a:rPr lang="zh-CN" altLang="zh-CN" sz="2400" dirty="0"/>
+              <a:rPr lang="en-US" altLang="zh-CN" sz="2400"/>
+              <a:t>Cond(E) 足够小，从而保证效率</a:t>
+            </a:r>
+            <a:r>
+              <a:rPr lang="zh-CN" altLang="zh-CN" sz="2400"/>
               <a:t>矩阵扰动与测量误差对最终解的影响在可控范围</a:t>
             </a:r>
-            <a:endParaRPr lang="zh-CN" altLang="zh-CN" sz="2400" dirty="0"/>
           </a:p>
         </p:txBody>
       </p:sp>
       <p:grpSp>
         <p:nvGrpSpPr>
-          <p:cNvPr id="6" name="组合 5"/>
-          <p:cNvGrpSpPr/>
+          <p:cNvPr id="59396" name="组合 5"/>
+          <p:cNvGrpSpPr>
+            <a:grpSpLocks/>
+          </p:cNvGrpSpPr>
           <p:nvPr/>
         </p:nvGrpSpPr>
-        <p:grpSpPr>
-          <a:xfrm>
-            <a:off x="4540469" y="2853692"/>
-            <a:ext cx="4091152" cy="3345964"/>
+        <p:grpSpPr bwMode="auto">
+          <a:xfrm>
+            <a:off x="4540250" y="2854325"/>
+            <a:ext cx="4090988" cy="3344863"/>
             <a:chOff x="4421023" y="2696037"/>
             <a:chExt cx="4091152" cy="3345964"/>
           </a:xfrm>
         </p:grpSpPr>
         <p:pic>
           <p:nvPicPr>
-            <p:cNvPr id="2" name="图片 1"/>
+            <p:cNvPr id="59397" name="图片 1"/>
             <p:cNvPicPr>
               <a:picLocks noChangeAspect="1"/>
             </p:cNvPicPr>
             <p:nvPr/>
           </p:nvPicPr>
           <p:blipFill>
-            <a:blip r:embed="rId4">
-              <a:extLst>
-                <a:ext uri="{28A0092B-C50C-407E-A947-70E740481C1C}">
-                  <a14:useLocalDpi xmlns:a14="http://schemas.microsoft.com/office/drawing/2010/main" val="0"/>
-                </a:ext>
-              </a:extLst>
-            </a:blip>
+            <a:blip r:embed="rId4"/>
+            <a:srcRect/>
             <a:stretch>
               <a:fillRect/>
             </a:stretch>
           </p:blipFill>
-          <p:spPr>
+          <p:spPr bwMode="auto">
             <a:xfrm>
               <a:off x="4421023" y="2696037"/>
               <a:ext cx="4091152" cy="2970208"/>
@@ -5227,15 +6070,24 @@
             <a:prstGeom prst="rect">
               <a:avLst/>
             </a:prstGeom>
+            <a:noFill/>
+            <a:ln w="9525">
+              <a:noFill/>
+              <a:miter lim="800000"/>
+              <a:headEnd/>
+              <a:tailEnd/>
+            </a:ln>
           </p:spPr>
         </p:pic>
         <p:sp>
           <p:nvSpPr>
-            <p:cNvPr id="7" name="文本框 6"/>
-            <p:cNvSpPr txBox="1"/>
+            <p:cNvPr id="59398" name="文本框 6"/>
+            <p:cNvSpPr txBox="1">
+              <a:spLocks noChangeArrowheads="1"/>
+            </p:cNvSpPr>
             <p:nvPr/>
           </p:nvSpPr>
-          <p:spPr>
+          <p:spPr bwMode="auto">
             <a:xfrm>
               <a:off x="4873855" y="5672669"/>
               <a:ext cx="3185487" cy="369332"/>
@@ -5244,26 +6096,32 @@
               <a:avLst/>
             </a:prstGeom>
             <a:noFill/>
+            <a:ln w="9525">
+              <a:noFill/>
+              <a:miter lim="800000"/>
+              <a:headEnd/>
+              <a:tailEnd/>
+            </a:ln>
           </p:spPr>
           <p:txBody>
-            <a:bodyPr wrap="none" rtlCol="0">
+            <a:bodyPr wrap="none">
               <a:spAutoFit/>
             </a:bodyPr>
             <a:lstStyle/>
             <a:p>
               <a:r>
-                <a:rPr kumimoji="1" lang="en-US" altLang="zh-CN" dirty="0" smtClean="0"/>
+                <a:rPr kumimoji="1" lang="en-US" altLang="zh-CN"/>
                 <a:t>【</a:t>
               </a:r>
               <a:r>
-                <a:rPr kumimoji="1" lang="zh-CN" altLang="en-US" dirty="0" smtClean="0"/>
+                <a:rPr kumimoji="1" lang="zh-CN" altLang="en-US"/>
                 <a:t>不同偏心位置的探测效率</a:t>
               </a:r>
               <a:r>
-                <a:rPr kumimoji="1" lang="en-US" altLang="zh-CN" dirty="0" smtClean="0"/>
+                <a:rPr kumimoji="1" lang="en-US" altLang="zh-CN"/>
                 <a:t>】</a:t>
               </a:r>
-              <a:endParaRPr lang="zh-CN" altLang="en-US" dirty="0"/>
+              <a:endParaRPr lang="zh-CN" altLang="en-US"/>
             </a:p>
           </p:txBody>
         </p:sp>
@@ -5302,7 +6160,7 @@
       </p:grpSpPr>
       <p:sp>
         <p:nvSpPr>
-          <p:cNvPr id="51202" name="标题 1"/>
+          <p:cNvPr id="61441" name="标题 1"/>
           <p:cNvSpPr>
             <a:spLocks noGrp="1"/>
           </p:cNvSpPr>
@@ -5329,7 +6187,7 @@
           <a:bodyPr/>
           <a:lstStyle/>
           <a:p>
-            <a:pPr algn="l"/>
+            <a:pPr algn="l" eaLnBrk="1" hangingPunct="1"/>
             <a:r>
               <a:rPr lang="zh-CN" altLang="en-US" b="1" smtClean="0"/>
               <a:t>4</a:t>
@@ -5355,7 +6213,7 @@
       </p:sp>
       <p:sp>
         <p:nvSpPr>
-          <p:cNvPr id="51203" name="内容占位符 2"/>
+          <p:cNvPr id="61442" name="内容占位符 2"/>
           <p:cNvSpPr>
             <a:spLocks noGrp="1"/>
           </p:cNvSpPr>
@@ -5373,7 +6231,7 @@
           <a:bodyPr/>
           <a:lstStyle/>
           <a:p>
-            <a:pPr>
+            <a:pPr eaLnBrk="1" hangingPunct="1">
               <a:lnSpc>
                 <a:spcPct val="80000"/>
               </a:lnSpc>
@@ -5386,7 +6244,7 @@
             </a:r>
           </a:p>
           <a:p>
-            <a:pPr>
+            <a:pPr eaLnBrk="1" hangingPunct="1">
               <a:lnSpc>
                 <a:spcPct val="80000"/>
               </a:lnSpc>
@@ -5399,7 +6257,7 @@
             </a:r>
           </a:p>
           <a:p>
-            <a:pPr>
+            <a:pPr eaLnBrk="1" hangingPunct="1">
               <a:lnSpc>
                 <a:spcPct val="80000"/>
               </a:lnSpc>
@@ -5436,7 +6294,7 @@
             </a:r>
           </a:p>
           <a:p>
-            <a:pPr>
+            <a:pPr eaLnBrk="1" hangingPunct="1">
               <a:lnSpc>
                 <a:spcPct val="80000"/>
               </a:lnSpc>
@@ -5457,7 +6315,7 @@
             </a:r>
           </a:p>
           <a:p>
-            <a:pPr>
+            <a:pPr eaLnBrk="1" hangingPunct="1">
               <a:lnSpc>
                 <a:spcPct val="80000"/>
               </a:lnSpc>
@@ -5494,7 +6352,7 @@
             </a:r>
           </a:p>
           <a:p>
-            <a:pPr>
+            <a:pPr eaLnBrk="1" hangingPunct="1">
               <a:lnSpc>
                 <a:spcPct val="80000"/>
               </a:lnSpc>
@@ -5508,7 +6366,7 @@
             <a:endParaRPr lang="zh-CN" altLang="zh-CN" smtClean="0"/>
           </a:p>
           <a:p>
-            <a:pPr>
+            <a:pPr eaLnBrk="1" hangingPunct="1">
               <a:lnSpc>
                 <a:spcPct val="80000"/>
               </a:lnSpc>
@@ -5551,7 +6409,7 @@
       </p:grpSpPr>
       <p:sp>
         <p:nvSpPr>
-          <p:cNvPr id="30721" name="标题 1"/>
+          <p:cNvPr id="62465" name="标题 1"/>
           <p:cNvSpPr>
             <a:spLocks noGrp="1"/>
           </p:cNvSpPr>
@@ -5579,6 +6437,7 @@
           </a:bodyPr>
           <a:lstStyle/>
           <a:p>
+            <a:pPr eaLnBrk="1" hangingPunct="1"/>
             <a:r>
               <a:rPr lang="zh-CN" altLang="zh-CN" b="1" smtClean="0"/>
               <a:t>课题计划进度</a:t>
@@ -5596,7 +6455,7 @@
       </p:sp>
       <p:sp>
         <p:nvSpPr>
-          <p:cNvPr id="3" name="内容占位符 2"/>
+          <p:cNvPr id="62466" name="内容占位符 2"/>
           <p:cNvSpPr>
             <a:spLocks noGrp="1"/>
           </p:cNvSpPr>
@@ -5611,12 +6470,10 @@
           </a:xfrm>
         </p:spPr>
         <p:txBody>
-          <a:bodyPr>
-            <a:normAutofit/>
-          </a:bodyPr>
+          <a:bodyPr/>
           <a:lstStyle/>
           <a:p>
-            <a:pPr>
+            <a:pPr eaLnBrk="1" hangingPunct="1">
               <a:lnSpc>
                 <a:spcPct val="80000"/>
               </a:lnSpc>
@@ -5657,7 +6514,7 @@
             </a:r>
           </a:p>
           <a:p>
-            <a:pPr lvl="1">
+            <a:pPr lvl="1" eaLnBrk="1" hangingPunct="1">
               <a:lnSpc>
                 <a:spcPct val="80000"/>
               </a:lnSpc>
@@ -5669,7 +6526,7 @@
             <a:endParaRPr lang="zh-CN" altLang="en-US" sz="2200" smtClean="0"/>
           </a:p>
           <a:p>
-            <a:pPr lvl="1">
+            <a:pPr lvl="1" eaLnBrk="1" hangingPunct="1">
               <a:lnSpc>
                 <a:spcPct val="80000"/>
               </a:lnSpc>
@@ -5680,7 +6537,7 @@
             </a:r>
           </a:p>
           <a:p>
-            <a:pPr>
+            <a:pPr eaLnBrk="1" hangingPunct="1">
               <a:lnSpc>
                 <a:spcPct val="80000"/>
               </a:lnSpc>
@@ -5721,7 +6578,7 @@
             </a:r>
           </a:p>
           <a:p>
-            <a:pPr lvl="1">
+            <a:pPr lvl="1" eaLnBrk="1" hangingPunct="1">
               <a:lnSpc>
                 <a:spcPct val="80000"/>
               </a:lnSpc>
@@ -5733,7 +6590,7 @@
             <a:endParaRPr lang="zh-CN" altLang="zh-CN" sz="2200" smtClean="0"/>
           </a:p>
           <a:p>
-            <a:pPr lvl="1">
+            <a:pPr lvl="1" eaLnBrk="1" hangingPunct="1">
               <a:lnSpc>
                 <a:spcPct val="80000"/>
               </a:lnSpc>
@@ -5748,7 +6605,7 @@
             </a:r>
           </a:p>
           <a:p>
-            <a:pPr>
+            <a:pPr eaLnBrk="1" hangingPunct="1">
               <a:lnSpc>
                 <a:spcPct val="80000"/>
               </a:lnSpc>
@@ -5789,7 +6646,7 @@
             </a:r>
           </a:p>
           <a:p>
-            <a:pPr lvl="1">
+            <a:pPr lvl="1" eaLnBrk="1" hangingPunct="1">
               <a:lnSpc>
                 <a:spcPct val="80000"/>
               </a:lnSpc>
@@ -5808,7 +6665,7 @@
             </a:r>
           </a:p>
           <a:p>
-            <a:pPr lvl="1">
+            <a:pPr lvl="1" eaLnBrk="1" hangingPunct="1">
               <a:lnSpc>
                 <a:spcPct val="80000"/>
               </a:lnSpc>
@@ -5823,7 +6680,7 @@
             </a:r>
           </a:p>
           <a:p>
-            <a:pPr>
+            <a:pPr eaLnBrk="1" hangingPunct="1">
               <a:lnSpc>
                 <a:spcPct val="80000"/>
               </a:lnSpc>
@@ -5864,7 +6721,7 @@
             </a:r>
           </a:p>
           <a:p>
-            <a:pPr lvl="1">
+            <a:pPr lvl="1" eaLnBrk="1" hangingPunct="1">
               <a:lnSpc>
                 <a:spcPct val="80000"/>
               </a:lnSpc>
@@ -5879,7 +6736,7 @@
             </a:r>
           </a:p>
           <a:p>
-            <a:pPr lvl="1">
+            <a:pPr lvl="1" eaLnBrk="1" hangingPunct="1">
               <a:lnSpc>
                 <a:spcPct val="80000"/>
               </a:lnSpc>
@@ -5896,14 +6753,7 @@
               <a:rPr lang="zh-CN" altLang="zh-CN" sz="2200" smtClean="0"/>
               <a:t>答辩。</a:t>
             </a:r>
-          </a:p>
-          <a:p>
-            <a:pPr>
-              <a:lnSpc>
-                <a:spcPct val="80000"/>
-              </a:lnSpc>
-            </a:pPr>
-            <a:endParaRPr lang="zh-CN" altLang="en-US" sz="2500" smtClean="0"/>
+            <a:endParaRPr lang="zh-CN" altLang="en-US" sz="2100" smtClean="0"/>
           </a:p>
         </p:txBody>
       </p:sp>
@@ -5959,7 +6809,7 @@
           <a:bodyPr/>
           <a:lstStyle/>
           <a:p>
-            <a:pPr fontAlgn="auto">
+            <a:pPr eaLnBrk="1" fontAlgn="auto" hangingPunct="1">
               <a:spcAft>
                 <a:spcPts val="0"/>
               </a:spcAft>
@@ -6043,6 +6893,7 @@
           </a:bodyPr>
           <a:lstStyle/>
           <a:p>
+            <a:pPr eaLnBrk="1" hangingPunct="1"/>
             <a:r>
               <a:rPr kumimoji="1" lang="zh-CN" altLang="en-US" b="1" smtClean="0"/>
               <a:t>开题报告的内容</a:t>
@@ -6070,54 +6921,57 @@
           <a:bodyPr/>
           <a:lstStyle/>
           <a:p>
-            <a:r>
-              <a:rPr kumimoji="1" lang="zh-CN" altLang="en-US" dirty="0" smtClean="0"/>
-              <a:t>研究的意义</a:t>
-            </a:r>
-            <a:endParaRPr kumimoji="1" lang="en-US" altLang="zh-CN" dirty="0" smtClean="0"/>
-          </a:p>
-          <a:p>
-            <a:r>
-              <a:rPr kumimoji="1" lang="zh-CN" altLang="en-US" dirty="0" smtClean="0"/>
+            <a:pPr eaLnBrk="1" hangingPunct="1"/>
+            <a:r>
+              <a:rPr kumimoji="1" lang="zh-CN" altLang="en-US" smtClean="0"/>
+              <a:t>研究背景</a:t>
+            </a:r>
+            <a:endParaRPr kumimoji="1" lang="en-US" altLang="zh-CN" smtClean="0"/>
+          </a:p>
+          <a:p>
+            <a:pPr eaLnBrk="1" hangingPunct="1"/>
+            <a:r>
+              <a:rPr kumimoji="1" lang="zh-CN" altLang="en-US" smtClean="0"/>
               <a:t>国内外研究的历史与现状</a:t>
             </a:r>
-            <a:endParaRPr kumimoji="1" lang="en-US" altLang="zh-CN" dirty="0" smtClean="0"/>
-          </a:p>
-          <a:p>
-            <a:r>
-              <a:rPr kumimoji="1" lang="zh-CN" altLang="en-US" dirty="0" smtClean="0"/>
+            <a:endParaRPr kumimoji="1" lang="en-US" altLang="zh-CN" smtClean="0"/>
+          </a:p>
+          <a:p>
+            <a:pPr eaLnBrk="1" hangingPunct="1"/>
+            <a:r>
+              <a:rPr kumimoji="1" lang="zh-CN" altLang="en-US" smtClean="0"/>
               <a:t>研究目标、内容</a:t>
             </a:r>
-            <a:endParaRPr kumimoji="1" lang="en-US" altLang="zh-CN" dirty="0" smtClean="0"/>
-          </a:p>
-          <a:p>
-            <a:r>
-              <a:rPr kumimoji="1" lang="zh-CN" altLang="en-US" dirty="0" smtClean="0"/>
+            <a:endParaRPr kumimoji="1" lang="en-US" altLang="zh-CN" smtClean="0"/>
+          </a:p>
+          <a:p>
+            <a:pPr eaLnBrk="1" hangingPunct="1"/>
+            <a:r>
+              <a:rPr kumimoji="1" lang="zh-CN" altLang="en-US" smtClean="0"/>
               <a:t>拟解决的关键问题</a:t>
             </a:r>
-            <a:endParaRPr kumimoji="1" lang="en-US" altLang="zh-CN" dirty="0" smtClean="0"/>
-          </a:p>
-          <a:p>
-            <a:r>
-              <a:rPr kumimoji="1" lang="zh-CN" altLang="en-US" dirty="0" smtClean="0"/>
-              <a:t>研究方法与技术</a:t>
-            </a:r>
-            <a:r>
-              <a:rPr kumimoji="1" lang="zh-CN" altLang="en-US" dirty="0" smtClean="0"/>
-              <a:t>路线</a:t>
-            </a:r>
-            <a:endParaRPr kumimoji="1" lang="en-US" altLang="zh-CN" dirty="0" smtClean="0"/>
-          </a:p>
-          <a:p>
-            <a:r>
-              <a:rPr kumimoji="1" lang="zh-CN" altLang="en-US" dirty="0" smtClean="0"/>
+            <a:endParaRPr kumimoji="1" lang="en-US" altLang="zh-CN" smtClean="0"/>
+          </a:p>
+          <a:p>
+            <a:pPr eaLnBrk="1" hangingPunct="1"/>
+            <a:r>
+              <a:rPr kumimoji="1" lang="zh-CN" altLang="en-US" smtClean="0"/>
+              <a:t>研究方法与技术路线</a:t>
+            </a:r>
+            <a:endParaRPr kumimoji="1" lang="en-US" altLang="zh-CN" smtClean="0"/>
+          </a:p>
+          <a:p>
+            <a:pPr eaLnBrk="1" hangingPunct="1"/>
+            <a:r>
+              <a:rPr kumimoji="1" lang="zh-CN" altLang="en-US" smtClean="0"/>
               <a:t>实验方案</a:t>
             </a:r>
-            <a:endParaRPr kumimoji="1" lang="en-US" altLang="zh-CN" dirty="0" smtClean="0"/>
-          </a:p>
-          <a:p>
-            <a:r>
-              <a:rPr kumimoji="1" lang="zh-CN" altLang="en-US" dirty="0" smtClean="0"/>
+            <a:endParaRPr kumimoji="1" lang="en-US" altLang="zh-CN" smtClean="0"/>
+          </a:p>
+          <a:p>
+            <a:pPr eaLnBrk="1" hangingPunct="1"/>
+            <a:r>
+              <a:rPr kumimoji="1" lang="zh-CN" altLang="en-US" smtClean="0"/>
               <a:t>课题计划进度</a:t>
             </a:r>
           </a:p>
@@ -6185,9 +7039,10 @@
           </a:bodyPr>
           <a:lstStyle/>
           <a:p>
+            <a:pPr eaLnBrk="1" hangingPunct="1"/>
             <a:r>
               <a:rPr kumimoji="1" lang="zh-CN" altLang="en-US" b="1" smtClean="0"/>
-              <a:t>课题研究的意义</a:t>
+              <a:t>研究背景</a:t>
             </a:r>
           </a:p>
         </p:txBody>
@@ -6205,58 +7060,48 @@
         <p:spPr>
           <a:xfrm>
             <a:off x="457200" y="1333500"/>
-            <a:ext cx="6410325" cy="4990027"/>
+            <a:ext cx="6410325" cy="4989513"/>
           </a:xfrm>
         </p:spPr>
         <p:txBody>
           <a:bodyPr/>
           <a:lstStyle/>
           <a:p>
-            <a:r>
-              <a:rPr lang="zh-CN" altLang="zh-CN" sz="2800" dirty="0" smtClean="0"/>
+            <a:pPr eaLnBrk="1" hangingPunct="1"/>
+            <a:r>
+              <a:rPr lang="zh-CN" altLang="zh-CN" sz="2800" smtClean="0"/>
               <a:t>能源的需求量不断增加，核电事业快速发展，将会产生大量放射性废物</a:t>
             </a:r>
             <a:r>
-              <a:rPr lang="zh-CN" altLang="en-US" sz="2800" dirty="0" smtClean="0"/>
+              <a:rPr lang="zh-CN" altLang="en-US" sz="2800" smtClean="0"/>
               <a:t>；</a:t>
             </a:r>
           </a:p>
           <a:p>
-            <a:r>
-              <a:rPr lang="zh-CN" altLang="en-US" sz="2800" dirty="0" smtClean="0"/>
+            <a:pPr eaLnBrk="1" hangingPunct="1"/>
+            <a:r>
+              <a:rPr lang="zh-CN" altLang="en-US" sz="2800" smtClean="0"/>
               <a:t>根据国家标准</a:t>
             </a:r>
             <a:r>
-              <a:rPr lang="en-US" altLang="zh-CN" sz="2800" dirty="0" smtClean="0"/>
+              <a:rPr lang="en-US" altLang="zh-CN" sz="2800" smtClean="0"/>
               <a:t>,</a:t>
             </a:r>
             <a:r>
-              <a:rPr lang="zh-CN" altLang="en-US" sz="2800" dirty="0" smtClean="0"/>
+              <a:rPr lang="zh-CN" altLang="en-US" sz="2800" smtClean="0"/>
               <a:t>需要对废物桶内的放射性核素进行甄别，对核素活度进行测量，以用于分类管理和处置。</a:t>
             </a:r>
-          </a:p>
-          <a:p>
-            <a:endParaRPr kumimoji="1" lang="en-US" altLang="zh-CN" sz="2800" dirty="0" smtClean="0"/>
-          </a:p>
-          <a:p>
-            <a:endParaRPr kumimoji="1" lang="en-US" altLang="zh-CN" sz="2800" dirty="0" smtClean="0">
+            <a:endParaRPr kumimoji="1" lang="en-US" altLang="zh-CN" sz="2800" smtClean="0">
               <a:solidFill>
                 <a:srgbClr val="C81501"/>
               </a:solidFill>
             </a:endParaRPr>
           </a:p>
-          <a:p>
-            <a:endParaRPr kumimoji="1" lang="en-US" altLang="zh-CN" sz="2800" dirty="0" smtClean="0">
-              <a:solidFill>
-                <a:srgbClr val="C81501"/>
-              </a:solidFill>
-            </a:endParaRPr>
-          </a:p>
         </p:txBody>
       </p:sp>
       <p:pic>
         <p:nvPicPr>
-          <p:cNvPr id="16388" name="Picture 5"/>
+          <p:cNvPr id="16387" name="Picture 5"/>
           <p:cNvPicPr>
             <a:picLocks noChangeAspect="1" noChangeArrowheads="1"/>
           </p:cNvPicPr>
@@ -6271,8 +7116,8 @@
         </p:blipFill>
         <p:spPr bwMode="auto">
           <a:xfrm>
-            <a:off x="6904186" y="888484"/>
-            <a:ext cx="1917842" cy="2776177"/>
+            <a:off x="6904038" y="889000"/>
+            <a:ext cx="1917700" cy="2774950"/>
           </a:xfrm>
           <a:prstGeom prst="rect">
             <a:avLst/>
@@ -6288,28 +7133,36 @@
       </p:pic>
       <p:sp>
         <p:nvSpPr>
-          <p:cNvPr id="5" name="文本框 4"/>
-          <p:cNvSpPr txBox="1"/>
+          <p:cNvPr id="16388" name="文本框 4"/>
+          <p:cNvSpPr txBox="1">
+            <a:spLocks noChangeArrowheads="1"/>
+          </p:cNvSpPr>
           <p:nvPr/>
         </p:nvSpPr>
-        <p:spPr>
-          <a:xfrm>
-            <a:off x="457200" y="3664661"/>
-            <a:ext cx="8364828" cy="1600438"/>
+        <p:spPr bwMode="auto">
+          <a:xfrm>
+            <a:off x="457200" y="3663950"/>
+            <a:ext cx="8364538" cy="1601788"/>
           </a:xfrm>
           <a:prstGeom prst="rect">
             <a:avLst/>
           </a:prstGeom>
           <a:noFill/>
-        </p:spPr>
-        <p:txBody>
-          <a:bodyPr wrap="square" rtlCol="0">
+          <a:ln w="9525">
+            <a:noFill/>
+            <a:miter lim="800000"/>
+            <a:headEnd/>
+            <a:tailEnd/>
+          </a:ln>
+        </p:spPr>
+        <p:txBody>
+          <a:bodyPr>
             <a:spAutoFit/>
           </a:bodyPr>
           <a:lstStyle/>
           <a:p>
             <a:r>
-              <a:rPr lang="zh-CN" altLang="zh-CN" sz="1200" dirty="0">
+              <a:rPr lang="zh-CN" altLang="zh-CN" sz="1200">
                 <a:solidFill>
                   <a:srgbClr val="FF0000"/>
                 </a:solidFill>
@@ -6317,7 +7170,7 @@
               <a:t>《GB14500一2002放射性废物管理规定》</a:t>
             </a:r>
             <a:r>
-              <a:rPr lang="zh-CN" altLang="zh-CN" sz="1200" dirty="0">
+              <a:rPr lang="zh-CN" altLang="zh-CN" sz="1200">
                 <a:solidFill>
                   <a:srgbClr val="004195"/>
                 </a:solidFill>
@@ -6327,7 +7180,7 @@
           </a:p>
           <a:p>
             <a:r>
-              <a:rPr lang="zh-CN" altLang="zh-CN" sz="1200" dirty="0">
+              <a:rPr lang="zh-CN" altLang="zh-CN" sz="1200">
                 <a:solidFill>
                   <a:srgbClr val="FF0000"/>
                 </a:solidFill>
@@ -6335,7 +7188,7 @@
               <a:t>《GBI1928一1989低、中水平放射性固体废物暂时贮存规定》</a:t>
             </a:r>
             <a:r>
-              <a:rPr lang="zh-CN" altLang="zh-CN" sz="1200" dirty="0">
+              <a:rPr lang="zh-CN" altLang="zh-CN" sz="1200">
                 <a:solidFill>
                   <a:srgbClr val="004195"/>
                 </a:solidFill>
@@ -6345,7 +7198,7 @@
           </a:p>
           <a:p>
             <a:r>
-              <a:rPr lang="zh-CN" altLang="zh-CN" sz="1200" dirty="0">
+              <a:rPr lang="zh-CN" altLang="zh-CN" sz="1200">
                 <a:solidFill>
                   <a:srgbClr val="FF0000"/>
                 </a:solidFill>
@@ -6353,7 +7206,7 @@
               <a:t>《GBI1806一2004放射性物质安全运输规程》</a:t>
             </a:r>
             <a:r>
-              <a:rPr lang="zh-CN" altLang="zh-CN" sz="1200" dirty="0">
+              <a:rPr lang="zh-CN" altLang="zh-CN" sz="1200">
                 <a:solidFill>
                   <a:srgbClr val="004195"/>
                 </a:solidFill>
@@ -6363,7 +7216,7 @@
           </a:p>
           <a:p>
             <a:r>
-              <a:rPr lang="zh-CN" altLang="zh-CN" sz="1200" dirty="0" smtClean="0">
+              <a:rPr lang="zh-CN" altLang="zh-CN" sz="1200">
                 <a:solidFill>
                   <a:srgbClr val="FF0000"/>
                 </a:solidFill>
@@ -6371,85 +7224,65 @@
               <a:t>《GBI6933一1997放射性废物近地表处置的废物接收准则》</a:t>
             </a:r>
             <a:r>
-              <a:rPr lang="zh-CN" altLang="zh-CN" sz="1200" dirty="0" smtClean="0">
+              <a:rPr lang="zh-CN" altLang="zh-CN" sz="1200">
                 <a:solidFill>
                   <a:srgbClr val="004195"/>
                 </a:solidFill>
               </a:rPr>
-              <a:t>中规定了废物包装体中废物的放射性比活度的限值，且</a:t>
-            </a:r>
-            <a:r>
-              <a:rPr lang="zh-CN" altLang="zh-CN" sz="1200" dirty="0">
-                <a:solidFill>
-                  <a:srgbClr val="004195"/>
-                </a:solidFill>
-              </a:rPr>
-              <a:t>主管部门或处置场营运单位可授权某个有资格的部门或单位</a:t>
-            </a:r>
-            <a:r>
-              <a:rPr lang="zh-CN" altLang="zh-CN" sz="1200" dirty="0" smtClean="0">
-                <a:solidFill>
-                  <a:srgbClr val="004195"/>
-                </a:solidFill>
-              </a:rPr>
-              <a:t>对废物</a:t>
-            </a:r>
-            <a:r>
-              <a:rPr lang="zh-CN" altLang="zh-CN" sz="1200" dirty="0">
-                <a:solidFill>
-                  <a:srgbClr val="004195"/>
-                </a:solidFill>
-              </a:rPr>
-              <a:t>包装体进行破坏性或非破坏性抽检，抽检项目可包括总p一V和总Q放射性活度、主要放射性核素及其比活度等等。</a:t>
-            </a:r>
-          </a:p>
-          <a:p>
-            <a:endParaRPr lang="zh-CN" altLang="en-US" sz="1400" dirty="0"/>
-          </a:p>
-        </p:txBody>
-      </p:sp>
-      <p:sp>
-        <p:nvSpPr>
-          <p:cNvPr id="6" name="文本框 5"/>
-          <p:cNvSpPr txBox="1"/>
+              <a:t>中规定了废物包装体中废物的放射性比活度的限值，且主管部门或处置场营运单位可授权某个有资格的部门或单位对废物包装体进行破坏性或非破坏性抽检，抽检项目可包括总p一V和总Q放射性活度、主要放射性核素及其比活度等等。</a:t>
+            </a:r>
+          </a:p>
+          <a:p>
+            <a:endParaRPr lang="zh-CN" altLang="en-US" sz="1400"/>
+          </a:p>
+        </p:txBody>
+      </p:sp>
+      <p:sp>
+        <p:nvSpPr>
+          <p:cNvPr id="16389" name="文本框 5"/>
+          <p:cNvSpPr txBox="1">
+            <a:spLocks noChangeArrowheads="1"/>
+          </p:cNvSpPr>
           <p:nvPr/>
         </p:nvSpPr>
-        <p:spPr>
-          <a:xfrm>
-            <a:off x="457200" y="5234819"/>
-            <a:ext cx="8229600" cy="892552"/>
+        <p:spPr bwMode="auto">
+          <a:xfrm>
+            <a:off x="457200" y="5235575"/>
+            <a:ext cx="8229600" cy="884238"/>
           </a:xfrm>
           <a:prstGeom prst="rect">
             <a:avLst/>
           </a:prstGeom>
           <a:noFill/>
-        </p:spPr>
-        <p:txBody>
-          <a:bodyPr wrap="square" rtlCol="0">
+          <a:ln w="9525">
+            <a:noFill/>
+            <a:miter lim="800000"/>
+            <a:headEnd/>
+            <a:tailEnd/>
+          </a:ln>
+        </p:spPr>
+        <p:txBody>
+          <a:bodyPr>
             <a:spAutoFit/>
           </a:bodyPr>
           <a:lstStyle/>
           <a:p>
             <a:pPr marL="285750" indent="-285750">
-              <a:buFont typeface="Arial" panose="020B0604020202020204" pitchFamily="34" charset="0"/>
+              <a:buFont typeface="Arial" charset="0"/>
               <a:buChar char="•"/>
             </a:pPr>
             <a:r>
-              <a:rPr kumimoji="1" lang="zh-CN" altLang="en-US" sz="3200" dirty="0" smtClean="0">
+              <a:rPr kumimoji="1" lang="zh-CN" altLang="en-US" sz="3200">
                 <a:solidFill>
                   <a:srgbClr val="C81501"/>
                 </a:solidFill>
               </a:rPr>
-              <a:t>废物检测技术的研究是核电发展之必须</a:t>
-            </a:r>
-            <a:endParaRPr kumimoji="1" lang="zh-CN" altLang="en-US" sz="3200" dirty="0">
-              <a:solidFill>
-                <a:srgbClr val="C81501"/>
-              </a:solidFill>
-            </a:endParaRPr>
-          </a:p>
-          <a:p>
-            <a:endParaRPr lang="zh-CN" altLang="en-US" sz="2000" dirty="0"/>
+              <a:t>废物检测技术的研究有很大的应用价值</a:t>
+            </a:r>
+          </a:p>
+          <a:p>
+            <a:pPr marL="285750" indent="-285750"/>
+            <a:endParaRPr lang="zh-CN" altLang="en-US" sz="2000"/>
           </a:p>
         </p:txBody>
       </p:sp>
@@ -6487,7 +7320,7 @@
       </p:grpSpPr>
       <p:sp>
         <p:nvSpPr>
-          <p:cNvPr id="17410" name="标题 1"/>
+          <p:cNvPr id="18433" name="标题 1"/>
           <p:cNvSpPr>
             <a:spLocks noGrp="1"/>
           </p:cNvSpPr>
@@ -6515,16 +7348,17 @@
           </a:bodyPr>
           <a:lstStyle/>
           <a:p>
+            <a:pPr eaLnBrk="1" hangingPunct="1"/>
             <a:r>
               <a:rPr kumimoji="1" lang="zh-CN" altLang="en-US" b="1" smtClean="0"/>
-              <a:t>课题研究的意义</a:t>
-            </a:r>
-          </a:p>
-        </p:txBody>
-      </p:sp>
-      <p:sp>
-        <p:nvSpPr>
-          <p:cNvPr id="3" name="内容占位符 2"/>
+              <a:t>研究背景</a:t>
+            </a:r>
+          </a:p>
+        </p:txBody>
+      </p:sp>
+      <p:sp>
+        <p:nvSpPr>
+          <p:cNvPr id="18434" name="内容占位符 2"/>
           <p:cNvSpPr>
             <a:spLocks noGrp="1"/>
           </p:cNvSpPr>
@@ -6535,247 +7369,212 @@
         <p:spPr>
           <a:xfrm>
             <a:off x="457200" y="1333500"/>
-            <a:ext cx="7286625" cy="5196089"/>
-          </a:xfrm>
-        </p:spPr>
-        <p:txBody>
-          <a:bodyPr>
-            <a:normAutofit/>
-          </a:bodyPr>
+            <a:ext cx="7875588" cy="5195888"/>
+          </a:xfrm>
+        </p:spPr>
+        <p:txBody>
+          <a:bodyPr/>
           <a:lstStyle/>
           <a:p>
-            <a:pPr>
+            <a:pPr eaLnBrk="1" hangingPunct="1">
               <a:lnSpc>
                 <a:spcPct val="90000"/>
               </a:lnSpc>
             </a:pPr>
             <a:r>
-              <a:rPr lang="zh-CN" altLang="zh-CN" sz="2700" dirty="0" smtClean="0"/>
+              <a:rPr lang="zh-CN" altLang="zh-CN" sz="2700" smtClean="0"/>
               <a:t>此后，中低放废物将采用</a:t>
             </a:r>
             <a:r>
-              <a:rPr lang="en-US" altLang="zh-CN" sz="2700" dirty="0" smtClean="0"/>
+              <a:rPr lang="en-US" altLang="zh-CN" sz="2700" smtClean="0"/>
               <a:t>400L</a:t>
             </a:r>
             <a:r>
-              <a:rPr lang="zh-CN" altLang="zh-CN" sz="2700" dirty="0" smtClean="0"/>
+              <a:rPr lang="zh-CN" altLang="zh-CN" sz="2700" smtClean="0"/>
               <a:t>废物桶处置</a:t>
             </a:r>
-            <a:endParaRPr lang="en-US" altLang="zh-CN" sz="2700" dirty="0" smtClean="0"/>
-          </a:p>
-          <a:p>
-            <a:pPr>
+            <a:endParaRPr lang="en-US" altLang="zh-CN" sz="2700" smtClean="0"/>
+          </a:p>
+          <a:p>
+            <a:pPr eaLnBrk="1" hangingPunct="1">
               <a:lnSpc>
                 <a:spcPct val="90000"/>
               </a:lnSpc>
             </a:pPr>
             <a:r>
-              <a:rPr kumimoji="1" lang="zh-CN" altLang="en-US" sz="2700" dirty="0" smtClean="0"/>
+              <a:rPr kumimoji="1" lang="zh-CN" altLang="en-US" sz="2700" smtClean="0"/>
               <a:t>与</a:t>
             </a:r>
             <a:r>
-              <a:rPr kumimoji="1" lang="en-US" altLang="zh-CN" sz="2700" dirty="0" smtClean="0"/>
+              <a:rPr kumimoji="1" lang="en-US" altLang="zh-CN" sz="2700" smtClean="0"/>
               <a:t>200L</a:t>
             </a:r>
             <a:r>
-              <a:rPr kumimoji="1" lang="zh-CN" altLang="en-US" sz="2700" dirty="0" smtClean="0"/>
+              <a:rPr kumimoji="1" lang="zh-CN" altLang="en-US" sz="2700" smtClean="0"/>
               <a:t>废物桶相比</a:t>
             </a:r>
             <a:r>
-              <a:rPr kumimoji="1" lang="en-US" altLang="zh-CN" sz="2700" dirty="0" smtClean="0"/>
+              <a:rPr kumimoji="1" lang="en-US" altLang="zh-CN" sz="2700" smtClean="0"/>
               <a:t>400L</a:t>
             </a:r>
             <a:r>
-              <a:rPr kumimoji="1" lang="zh-CN" altLang="en-US" sz="2700" dirty="0" smtClean="0"/>
+              <a:rPr kumimoji="1" lang="zh-CN" altLang="en-US" sz="2700" smtClean="0"/>
               <a:t>具有的特点：</a:t>
             </a:r>
-            <a:endParaRPr kumimoji="1" lang="en-US" altLang="zh-CN" sz="2700" dirty="0" smtClean="0"/>
-          </a:p>
-          <a:p>
-            <a:pPr lvl="1">
+            <a:endParaRPr kumimoji="1" lang="en-US" altLang="zh-CN" sz="2700" smtClean="0"/>
+          </a:p>
+          <a:p>
+            <a:pPr lvl="1" eaLnBrk="1" hangingPunct="1">
               <a:lnSpc>
                 <a:spcPct val="90000"/>
               </a:lnSpc>
             </a:pPr>
             <a:r>
-              <a:rPr lang="zh-CN" altLang="zh-CN" sz="2400" dirty="0" smtClean="0"/>
+              <a:rPr lang="zh-CN" altLang="zh-CN" sz="2400" smtClean="0"/>
               <a:t>几何尺寸的增大</a:t>
             </a:r>
-            <a:endParaRPr lang="en-US" altLang="zh-CN" sz="2400" dirty="0" smtClean="0"/>
-          </a:p>
-          <a:p>
-            <a:pPr lvl="1">
+            <a:endParaRPr lang="en-US" altLang="zh-CN" sz="2400" smtClean="0"/>
+          </a:p>
+          <a:p>
+            <a:pPr lvl="1" eaLnBrk="1" hangingPunct="1">
               <a:lnSpc>
                 <a:spcPct val="90000"/>
               </a:lnSpc>
             </a:pPr>
             <a:r>
-              <a:rPr lang="zh-CN" altLang="en-US" sz="2400" dirty="0" smtClean="0"/>
+              <a:rPr lang="zh-CN" altLang="en-US" sz="2400" smtClean="0"/>
               <a:t>采用</a:t>
             </a:r>
             <a:r>
-              <a:rPr lang="zh-CN" altLang="zh-CN" sz="2400" dirty="0" smtClean="0"/>
+              <a:rPr lang="zh-CN" altLang="zh-CN" sz="2400" smtClean="0"/>
               <a:t>超压缩等大减容比方法</a:t>
             </a:r>
-            <a:endParaRPr lang="en-US" altLang="zh-CN" sz="2400" dirty="0" smtClean="0"/>
-          </a:p>
-          <a:p>
-            <a:pPr>
+            <a:endParaRPr lang="en-US" altLang="zh-CN" sz="2400" smtClean="0"/>
+          </a:p>
+          <a:p>
+            <a:pPr eaLnBrk="1" hangingPunct="1">
               <a:lnSpc>
                 <a:spcPct val="90000"/>
               </a:lnSpc>
             </a:pPr>
             <a:r>
-              <a:rPr kumimoji="1" lang="zh-CN" altLang="en-US" sz="2700" dirty="0" smtClean="0"/>
-              <a:t>以上特点都增强了自吸收效应</a:t>
-            </a:r>
-          </a:p>
-          <a:p>
-            <a:pPr>
-              <a:lnSpc>
-                <a:spcPct val="90000"/>
-              </a:lnSpc>
-            </a:pPr>
-            <a:endParaRPr kumimoji="1" lang="en-US" altLang="zh-CN" sz="2700" dirty="0" smtClean="0"/>
-          </a:p>
-          <a:p>
-            <a:pPr>
-              <a:lnSpc>
-                <a:spcPct val="90000"/>
-              </a:lnSpc>
-            </a:pPr>
-            <a:endParaRPr kumimoji="1" lang="en-US" altLang="zh-CN" sz="2700" dirty="0"/>
-          </a:p>
-          <a:p>
-            <a:pPr>
-              <a:lnSpc>
-                <a:spcPct val="90000"/>
-              </a:lnSpc>
-            </a:pPr>
-            <a:endParaRPr kumimoji="1" lang="en-US" altLang="zh-CN" sz="2700" dirty="0" smtClean="0"/>
+              <a:rPr kumimoji="1" lang="zh-CN" altLang="en-US" sz="2700" smtClean="0"/>
+              <a:t>以上特点都增强了自吸收效应，不均匀性可能</a:t>
+            </a:r>
+            <a:endParaRPr kumimoji="1" lang="en-US" altLang="zh-CN" sz="2700" smtClean="0"/>
+          </a:p>
+        </p:txBody>
+      </p:sp>
+      <p:pic>
+        <p:nvPicPr>
+          <p:cNvPr id="18435" name="图片 1"/>
+          <p:cNvPicPr>
+            <a:picLocks noChangeAspect="1"/>
+          </p:cNvPicPr>
+          <p:nvPr/>
+        </p:nvPicPr>
+        <p:blipFill>
+          <a:blip r:embed="rId3"/>
+          <a:srcRect/>
+          <a:stretch>
+            <a:fillRect/>
+          </a:stretch>
+        </p:blipFill>
+        <p:spPr bwMode="auto">
+          <a:xfrm>
+            <a:off x="1363663" y="3557588"/>
+            <a:ext cx="2306637" cy="2238375"/>
+          </a:xfrm>
+          <a:prstGeom prst="rect">
+            <a:avLst/>
+          </a:prstGeom>
+          <a:noFill/>
+          <a:ln w="9525">
+            <a:noFill/>
+            <a:miter lim="800000"/>
+            <a:headEnd/>
+            <a:tailEnd/>
+          </a:ln>
+        </p:spPr>
+      </p:pic>
+      <p:sp>
+        <p:nvSpPr>
+          <p:cNvPr id="18436" name="文本框 5"/>
+          <p:cNvSpPr txBox="1">
+            <a:spLocks noChangeArrowheads="1"/>
+          </p:cNvSpPr>
+          <p:nvPr/>
+        </p:nvSpPr>
+        <p:spPr bwMode="auto">
+          <a:xfrm>
+            <a:off x="974725" y="5905500"/>
+            <a:ext cx="3092450" cy="366713"/>
+          </a:xfrm>
+          <a:prstGeom prst="rect">
+            <a:avLst/>
+          </a:prstGeom>
+          <a:noFill/>
+          <a:ln w="9525">
+            <a:noFill/>
+            <a:miter lim="800000"/>
+            <a:headEnd/>
+            <a:tailEnd/>
+          </a:ln>
+        </p:spPr>
+        <p:txBody>
+          <a:bodyPr wrap="none">
+            <a:spAutoFit/>
+          </a:bodyPr>
+          <a:lstStyle/>
+          <a:p>
+            <a:r>
+              <a:rPr kumimoji="1" lang="en-US" altLang="zh-CN"/>
+              <a:t>【200L 400L</a:t>
+            </a:r>
+            <a:r>
+              <a:rPr kumimoji="1" lang="zh-CN" altLang="en-US"/>
+              <a:t>废物桶图对比</a:t>
+            </a:r>
+            <a:r>
+              <a:rPr kumimoji="1" lang="en-US" altLang="zh-CN"/>
+              <a:t>】</a:t>
+            </a:r>
+            <a:endParaRPr lang="zh-CN" altLang="en-US"/>
           </a:p>
         </p:txBody>
       </p:sp>
       <p:grpSp>
         <p:nvGrpSpPr>
-          <p:cNvPr id="7" name="组合 6"/>
-          <p:cNvGrpSpPr/>
+          <p:cNvPr id="18437" name="组合 8"/>
+          <p:cNvGrpSpPr>
+            <a:grpSpLocks/>
+          </p:cNvGrpSpPr>
           <p:nvPr/>
         </p:nvGrpSpPr>
-        <p:grpSpPr>
-          <a:xfrm>
-            <a:off x="5337043" y="3343258"/>
-            <a:ext cx="3112775" cy="3119290"/>
-            <a:chOff x="5034912" y="3408972"/>
-            <a:chExt cx="3112775" cy="3119290"/>
+        <p:grpSpPr bwMode="auto">
+          <a:xfrm>
+            <a:off x="4360863" y="3600450"/>
+            <a:ext cx="3760787" cy="2678113"/>
+            <a:chOff x="1274577" y="3456971"/>
+            <a:chExt cx="3760336" cy="2679236"/>
           </a:xfrm>
         </p:grpSpPr>
         <p:pic>
           <p:nvPicPr>
-            <p:cNvPr id="2" name="图片 1"/>
+            <p:cNvPr id="18438" name="图片 4"/>
             <p:cNvPicPr>
               <a:picLocks noChangeAspect="1"/>
             </p:cNvPicPr>
             <p:nvPr/>
           </p:nvPicPr>
           <p:blipFill>
-            <a:blip r:embed="rId3">
-              <a:extLst>
-                <a:ext uri="{28A0092B-C50C-407E-A947-70E740481C1C}">
-                  <a14:useLocalDpi xmlns:a14="http://schemas.microsoft.com/office/drawing/2010/main" val="0"/>
-                </a:ext>
-              </a:extLst>
-            </a:blip>
+            <a:blip r:embed="rId4"/>
+            <a:srcRect/>
             <a:stretch>
               <a:fillRect/>
             </a:stretch>
           </p:blipFill>
-          <p:spPr>
-            <a:xfrm>
-              <a:off x="5438775" y="3408972"/>
-              <a:ext cx="2305050" cy="2238375"/>
-            </a:xfrm>
-            <a:prstGeom prst="rect">
-              <a:avLst/>
-            </a:prstGeom>
-          </p:spPr>
-        </p:pic>
-        <p:sp>
-          <p:nvSpPr>
-            <p:cNvPr id="6" name="文本框 5"/>
-            <p:cNvSpPr txBox="1"/>
-            <p:nvPr/>
-          </p:nvSpPr>
-          <p:spPr>
-            <a:xfrm>
-              <a:off x="5034912" y="5881931"/>
-              <a:ext cx="3112775" cy="646331"/>
-            </a:xfrm>
-            <a:prstGeom prst="rect">
-              <a:avLst/>
-            </a:prstGeom>
-            <a:noFill/>
-          </p:spPr>
-          <p:txBody>
-            <a:bodyPr wrap="none" rtlCol="0">
-              <a:spAutoFit/>
-            </a:bodyPr>
-            <a:lstStyle/>
-            <a:p>
-              <a:r>
-                <a:rPr kumimoji="1" lang="en-US" altLang="zh-CN" dirty="0"/>
-                <a:t>【200L 400L</a:t>
-              </a:r>
-              <a:r>
-                <a:rPr kumimoji="1" lang="zh-CN" altLang="en-US" dirty="0"/>
-                <a:t>废物桶图对比</a:t>
-              </a:r>
-              <a:r>
-                <a:rPr kumimoji="1" lang="en-US" altLang="zh-CN" dirty="0"/>
-                <a:t>】</a:t>
-              </a:r>
-            </a:p>
-            <a:p>
-              <a:endParaRPr lang="zh-CN" altLang="en-US" dirty="0"/>
-            </a:p>
-          </p:txBody>
-        </p:sp>
-      </p:grpSp>
-      <p:grpSp>
-        <p:nvGrpSpPr>
-          <p:cNvPr id="9" name="组合 8"/>
-          <p:cNvGrpSpPr/>
-          <p:nvPr/>
-        </p:nvGrpSpPr>
-        <p:grpSpPr>
-          <a:xfrm>
-            <a:off x="1274577" y="3456971"/>
-            <a:ext cx="3760336" cy="2682412"/>
-            <a:chOff x="1274577" y="3456971"/>
-            <a:chExt cx="3760336" cy="2682412"/>
-          </a:xfrm>
-        </p:grpSpPr>
-        <p:pic>
-          <p:nvPicPr>
-            <p:cNvPr id="5" name="图片 4"/>
-            <p:cNvPicPr>
-              <a:picLocks noChangeAspect="1"/>
-            </p:cNvPicPr>
-            <p:nvPr/>
-          </p:nvPicPr>
-          <p:blipFill>
-            <a:blip r:embed="rId4">
-              <a:extLst>
-                <a:ext uri="{28A0092B-C50C-407E-A947-70E740481C1C}">
-                  <a14:useLocalDpi xmlns:a14="http://schemas.microsoft.com/office/drawing/2010/main" val="0"/>
-                </a:ext>
-              </a:extLst>
-            </a:blip>
-            <a:stretch>
-              <a:fillRect/>
-            </a:stretch>
-          </p:blipFill>
-          <p:spPr>
+          <p:spPr bwMode="auto">
             <a:xfrm>
               <a:off x="1274577" y="3456971"/>
               <a:ext cx="3760336" cy="2292206"/>
@@ -6783,43 +7582,58 @@
             <a:prstGeom prst="rect">
               <a:avLst/>
             </a:prstGeom>
+            <a:noFill/>
+            <a:ln w="9525">
+              <a:noFill/>
+              <a:miter lim="800000"/>
+              <a:headEnd/>
+              <a:tailEnd/>
+            </a:ln>
           </p:spPr>
         </p:pic>
         <p:sp>
           <p:nvSpPr>
-            <p:cNvPr id="8" name="文本框 7"/>
-            <p:cNvSpPr txBox="1"/>
+            <p:cNvPr id="18439" name="文本框 7"/>
+            <p:cNvSpPr txBox="1">
+              <a:spLocks noChangeArrowheads="1"/>
+            </p:cNvSpPr>
             <p:nvPr/>
           </p:nvSpPr>
-          <p:spPr>
+          <p:spPr bwMode="auto">
             <a:xfrm>
-              <a:off x="1780009" y="5770051"/>
-              <a:ext cx="2749471" cy="369332"/>
+              <a:off x="1779341" y="5769340"/>
+              <a:ext cx="2723823" cy="366867"/>
             </a:xfrm>
             <a:prstGeom prst="rect">
               <a:avLst/>
             </a:prstGeom>
             <a:noFill/>
+            <a:ln w="9525">
+              <a:noFill/>
+              <a:miter lim="800000"/>
+              <a:headEnd/>
+              <a:tailEnd/>
+            </a:ln>
           </p:spPr>
           <p:txBody>
-            <a:bodyPr wrap="none" rtlCol="0">
+            <a:bodyPr wrap="none">
               <a:spAutoFit/>
             </a:bodyPr>
             <a:lstStyle/>
             <a:p>
               <a:r>
-                <a:rPr kumimoji="1" lang="en-US" altLang="zh-CN" dirty="0" smtClean="0"/>
+                <a:rPr kumimoji="1" lang="en-US" altLang="zh-CN"/>
                 <a:t>【SGS</a:t>
               </a:r>
               <a:r>
-                <a:rPr kumimoji="1" lang="zh-CN" altLang="en-US" dirty="0" smtClean="0"/>
+                <a:rPr kumimoji="1" lang="zh-CN" altLang="en-US"/>
                 <a:t>误差随密度变化</a:t>
               </a:r>
               <a:r>
-                <a:rPr kumimoji="1" lang="en-US" altLang="zh-CN" dirty="0" smtClean="0"/>
+                <a:rPr kumimoji="1" lang="en-US" altLang="zh-CN"/>
                 <a:t>】</a:t>
               </a:r>
-              <a:endParaRPr lang="zh-CN" altLang="en-US" dirty="0"/>
+              <a:endParaRPr lang="zh-CN" altLang="en-US"/>
             </a:p>
           </p:txBody>
         </p:sp>
@@ -6858,7 +7672,7 @@
       </p:grpSpPr>
       <p:sp>
         <p:nvSpPr>
-          <p:cNvPr id="46082" name="标题 1"/>
+          <p:cNvPr id="20481" name="标题 1"/>
           <p:cNvSpPr>
             <a:spLocks noGrp="1"/>
           </p:cNvSpPr>
@@ -6885,10 +7699,10 @@
           <a:bodyPr/>
           <a:lstStyle/>
           <a:p>
-            <a:pPr algn="l"/>
+            <a:pPr algn="l" eaLnBrk="1" hangingPunct="1"/>
             <a:r>
               <a:rPr kumimoji="1" lang="zh-CN" altLang="en-US" b="1" smtClean="0"/>
-              <a:t>课题研究的意义</a:t>
+              <a:t>研究背景</a:t>
             </a:r>
           </a:p>
         </p:txBody>
@@ -6906,13 +7720,16 @@
         <p:spPr>
           <a:xfrm>
             <a:off x="457200" y="1333500"/>
-            <a:ext cx="8229600" cy="3488039"/>
+            <a:ext cx="8229600" cy="3487738"/>
           </a:xfrm>
         </p:spPr>
         <p:txBody>
           <a:bodyPr/>
           <a:lstStyle/>
           <a:p>
+            <a:pPr eaLnBrk="1" hangingPunct="1">
+              <a:defRPr/>
+            </a:pPr>
             <a:r>
               <a:rPr kumimoji="1" lang="zh-CN" altLang="en-US" dirty="0" smtClean="0"/>
               <a:t>针对废物桶，主要采用</a:t>
@@ -6935,158 +7752,193 @@
             </a:r>
           </a:p>
           <a:p>
-            <a:endParaRPr kumimoji="1" lang="en-US" altLang="zh-CN" dirty="0" smtClean="0"/>
-          </a:p>
-          <a:p>
-            <a:endParaRPr kumimoji="1" lang="en-US" altLang="zh-CN" dirty="0"/>
-          </a:p>
-          <a:p>
-            <a:endParaRPr kumimoji="1" lang="en-US" altLang="zh-CN" dirty="0"/>
-          </a:p>
-          <a:p>
-            <a:pPr marL="0" indent="0">
-              <a:buNone/>
+            <a:pPr eaLnBrk="1" hangingPunct="1">
+              <a:defRPr/>
             </a:pPr>
             <a:endParaRPr kumimoji="1" lang="en-US" altLang="zh-CN" dirty="0" smtClean="0"/>
           </a:p>
           <a:p>
+            <a:pPr eaLnBrk="1" hangingPunct="1">
+              <a:defRPr/>
+            </a:pPr>
+            <a:endParaRPr kumimoji="1" lang="en-US" altLang="zh-CN" dirty="0"/>
+          </a:p>
+          <a:p>
+            <a:pPr eaLnBrk="1" hangingPunct="1">
+              <a:defRPr/>
+            </a:pPr>
+            <a:endParaRPr kumimoji="1" lang="en-US" altLang="zh-CN" dirty="0"/>
+          </a:p>
+          <a:p>
+            <a:pPr marL="0" indent="0" eaLnBrk="1" hangingPunct="1">
+              <a:buFont typeface="Arial" charset="0"/>
+              <a:buNone/>
+              <a:defRPr/>
+            </a:pPr>
+            <a:endParaRPr kumimoji="1" lang="en-US" altLang="zh-CN" dirty="0" smtClean="0"/>
+          </a:p>
+          <a:p>
+            <a:pPr eaLnBrk="1" hangingPunct="1">
+              <a:defRPr/>
+            </a:pPr>
             <a:endParaRPr kumimoji="1" lang="zh-CN" altLang="en-US" dirty="0" smtClean="0"/>
           </a:p>
         </p:txBody>
       </p:sp>
       <p:pic>
         <p:nvPicPr>
-          <p:cNvPr id="5" name="图片 4"/>
+          <p:cNvPr id="20483" name="图片 4"/>
           <p:cNvPicPr>
             <a:picLocks noChangeAspect="1"/>
           </p:cNvPicPr>
           <p:nvPr/>
         </p:nvPicPr>
         <p:blipFill>
-          <a:blip r:embed="rId2">
-            <a:extLst>
-              <a:ext uri="{28A0092B-C50C-407E-A947-70E740481C1C}">
-                <a14:useLocalDpi xmlns:a14="http://schemas.microsoft.com/office/drawing/2010/main" val="0"/>
-              </a:ext>
-            </a:extLst>
-          </a:blip>
+          <a:blip r:embed="rId3"/>
+          <a:srcRect/>
           <a:stretch>
             <a:fillRect/>
           </a:stretch>
         </p:blipFill>
-        <p:spPr>
-          <a:xfrm>
-            <a:off x="4295776" y="2353633"/>
-            <a:ext cx="3949590" cy="2155960"/>
+        <p:spPr bwMode="auto">
+          <a:xfrm>
+            <a:off x="190500" y="2622550"/>
+            <a:ext cx="3949700" cy="2155825"/>
           </a:xfrm>
           <a:prstGeom prst="rect">
             <a:avLst/>
           </a:prstGeom>
+          <a:noFill/>
+          <a:ln w="9525">
+            <a:noFill/>
+            <a:miter lim="800000"/>
+            <a:headEnd/>
+            <a:tailEnd/>
+          </a:ln>
         </p:spPr>
       </p:pic>
       <p:pic>
         <p:nvPicPr>
-          <p:cNvPr id="2" name="图片 1"/>
+          <p:cNvPr id="20484" name="图片 1"/>
           <p:cNvPicPr>
             <a:picLocks noChangeAspect="1"/>
           </p:cNvPicPr>
           <p:nvPr/>
         </p:nvPicPr>
         <p:blipFill>
-          <a:blip r:embed="rId3">
-            <a:extLst>
-              <a:ext uri="{28A0092B-C50C-407E-A947-70E740481C1C}">
-                <a14:useLocalDpi xmlns:a14="http://schemas.microsoft.com/office/drawing/2010/main" val="0"/>
-              </a:ext>
-            </a:extLst>
-          </a:blip>
+          <a:blip r:embed="rId4"/>
+          <a:srcRect/>
           <a:stretch>
             <a:fillRect/>
           </a:stretch>
         </p:blipFill>
-        <p:spPr>
-          <a:xfrm>
-            <a:off x="605644" y="2369647"/>
-            <a:ext cx="3541690" cy="1780935"/>
-          </a:xfrm>
-          <a:prstGeom prst="rect">
-            <a:avLst/>
-          </a:prstGeom>
-        </p:spPr>
-      </p:pic>
-      <p:sp>
-        <p:nvSpPr>
-          <p:cNvPr id="6" name="文本框 5"/>
-          <p:cNvSpPr txBox="1"/>
-          <p:nvPr/>
-        </p:nvSpPr>
-        <p:spPr>
-          <a:xfrm>
-            <a:off x="2164909" y="4452207"/>
-            <a:ext cx="4147289" cy="369332"/>
+        <p:spPr bwMode="auto">
+          <a:xfrm>
+            <a:off x="4541838" y="2671763"/>
+            <a:ext cx="3540125" cy="1781175"/>
           </a:xfrm>
           <a:prstGeom prst="rect">
             <a:avLst/>
           </a:prstGeom>
           <a:noFill/>
-        </p:spPr>
-        <p:txBody>
-          <a:bodyPr wrap="none" rtlCol="0">
+          <a:ln w="9525">
+            <a:noFill/>
+            <a:miter lim="800000"/>
+            <a:headEnd/>
+            <a:tailEnd/>
+          </a:ln>
+        </p:spPr>
+      </p:pic>
+      <p:sp>
+        <p:nvSpPr>
+          <p:cNvPr id="20485" name="文本框 5"/>
+          <p:cNvSpPr txBox="1">
+            <a:spLocks noChangeArrowheads="1"/>
+          </p:cNvSpPr>
+          <p:nvPr/>
+        </p:nvSpPr>
+        <p:spPr bwMode="auto">
+          <a:xfrm>
+            <a:off x="2279650" y="4749800"/>
+            <a:ext cx="4108450" cy="366713"/>
+          </a:xfrm>
+          <a:prstGeom prst="rect">
+            <a:avLst/>
+          </a:prstGeom>
+          <a:noFill/>
+          <a:ln w="9525">
+            <a:noFill/>
+            <a:miter lim="800000"/>
+            <a:headEnd/>
+            <a:tailEnd/>
+          </a:ln>
+        </p:spPr>
+        <p:txBody>
+          <a:bodyPr wrap="none">
             <a:spAutoFit/>
           </a:bodyPr>
           <a:lstStyle/>
           <a:p>
             <a:r>
-              <a:rPr kumimoji="1" lang="en-US" altLang="zh-CN" dirty="0" smtClean="0"/>
+              <a:rPr kumimoji="1" lang="en-US" altLang="zh-CN"/>
               <a:t>【SGS</a:t>
             </a:r>
             <a:r>
-              <a:rPr kumimoji="1" lang="zh-CN" altLang="en-US" dirty="0" smtClean="0"/>
+              <a:rPr kumimoji="1" lang="zh-CN" altLang="en-US"/>
               <a:t>、</a:t>
             </a:r>
             <a:r>
-              <a:rPr kumimoji="1" lang="en-US" altLang="zh-CN" dirty="0" smtClean="0"/>
+              <a:rPr kumimoji="1" lang="en-US" altLang="zh-CN"/>
               <a:t>TGS</a:t>
             </a:r>
             <a:r>
-              <a:rPr kumimoji="1" lang="zh-CN" altLang="en-US" dirty="0" smtClean="0"/>
+              <a:rPr kumimoji="1" lang="zh-CN" altLang="en-US"/>
               <a:t>技术的特点和误差对比</a:t>
             </a:r>
             <a:r>
-              <a:rPr kumimoji="1" lang="en-US" altLang="zh-CN" dirty="0" smtClean="0"/>
+              <a:rPr kumimoji="1" lang="en-US" altLang="zh-CN"/>
               <a:t>】</a:t>
             </a:r>
-            <a:endParaRPr lang="zh-CN" altLang="en-US" dirty="0"/>
-          </a:p>
-        </p:txBody>
-      </p:sp>
-      <p:sp>
-        <p:nvSpPr>
-          <p:cNvPr id="4" name="矩形 3"/>
-          <p:cNvSpPr/>
+            <a:endParaRPr lang="zh-CN" altLang="en-US"/>
+          </a:p>
+        </p:txBody>
+      </p:sp>
+      <p:sp>
+        <p:nvSpPr>
+          <p:cNvPr id="20486" name="矩形 3"/>
+          <p:cNvSpPr>
+            <a:spLocks noChangeArrowheads="1"/>
+          </p:cNvSpPr>
           <p:nvPr/>
         </p:nvSpPr>
-        <p:spPr>
-          <a:xfrm>
-            <a:off x="457200" y="4991117"/>
-            <a:ext cx="7788166" cy="1077218"/>
+        <p:spPr bwMode="auto">
+          <a:xfrm>
+            <a:off x="457200" y="4991100"/>
+            <a:ext cx="7788275" cy="1077913"/>
           </a:xfrm>
           <a:prstGeom prst="rect">
             <a:avLst/>
           </a:prstGeom>
-        </p:spPr>
-        <p:txBody>
-          <a:bodyPr wrap="square">
+          <a:noFill/>
+          <a:ln w="9525">
+            <a:noFill/>
+            <a:miter lim="800000"/>
+            <a:headEnd/>
+            <a:tailEnd/>
+          </a:ln>
+        </p:spPr>
+        <p:txBody>
+          <a:bodyPr>
             <a:spAutoFit/>
           </a:bodyPr>
           <a:lstStyle/>
           <a:p>
             <a:pPr marL="285750" indent="-285750">
-              <a:buFont typeface="Arial" panose="020B0604020202020204" pitchFamily="34" charset="0"/>
+              <a:buFont typeface="Arial" charset="0"/>
               <a:buChar char="•"/>
             </a:pPr>
             <a:r>
-              <a:rPr kumimoji="1" lang="zh-CN" altLang="en-US" sz="3200" dirty="0">
+              <a:rPr kumimoji="1" lang="zh-CN" altLang="en-US" sz="3200">
                 <a:solidFill>
                   <a:srgbClr val="C00000"/>
                 </a:solidFill>
@@ -7130,7 +7982,7 @@
       </p:grpSpPr>
       <p:sp>
         <p:nvSpPr>
-          <p:cNvPr id="21505" name="标题 1"/>
+          <p:cNvPr id="22529" name="标题 1"/>
           <p:cNvSpPr>
             <a:spLocks noGrp="1"/>
           </p:cNvSpPr>
@@ -7158,6 +8010,7 @@
           </a:bodyPr>
           <a:lstStyle/>
           <a:p>
+            <a:pPr eaLnBrk="1" hangingPunct="1"/>
             <a:r>
               <a:rPr lang="zh-CN" altLang="zh-CN" b="1" smtClean="0"/>
               <a:t>国</a:t>
@@ -7176,7 +8029,7 @@
       </p:sp>
       <p:sp>
         <p:nvSpPr>
-          <p:cNvPr id="3" name="内容占位符 2"/>
+          <p:cNvPr id="22530" name="内容占位符 2"/>
           <p:cNvSpPr>
             <a:spLocks noGrp="1"/>
           </p:cNvSpPr>
@@ -7187,193 +8040,155 @@
         <p:spPr>
           <a:xfrm>
             <a:off x="457200" y="1333500"/>
-            <a:ext cx="5261020" cy="5056188"/>
-          </a:xfrm>
-        </p:spPr>
-        <p:txBody>
-          <a:bodyPr>
-            <a:noAutofit/>
-          </a:bodyPr>
+            <a:ext cx="5260975" cy="5056188"/>
+          </a:xfrm>
+        </p:spPr>
+        <p:txBody>
+          <a:bodyPr/>
           <a:lstStyle/>
           <a:p>
-            <a:pPr>
+            <a:pPr eaLnBrk="1" hangingPunct="1">
               <a:lnSpc>
                 <a:spcPct val="80000"/>
               </a:lnSpc>
             </a:pPr>
             <a:r>
-              <a:rPr lang="zh-CN" altLang="zh-CN" sz="2400" dirty="0" smtClean="0"/>
+              <a:rPr lang="zh-CN" altLang="zh-CN" sz="2400" smtClean="0"/>
               <a:t>二十世纪</a:t>
             </a:r>
             <a:r>
-              <a:rPr lang="zh-CN" altLang="en-US" sz="2400" dirty="0" smtClean="0"/>
+              <a:rPr lang="zh-CN" altLang="en-US" sz="2400" smtClean="0"/>
               <a:t>七十</a:t>
             </a:r>
             <a:r>
-              <a:rPr lang="zh-CN" altLang="zh-CN" sz="2400" dirty="0" smtClean="0"/>
+              <a:rPr lang="zh-CN" altLang="zh-CN" sz="2400" smtClean="0"/>
               <a:t>年代</a:t>
             </a:r>
             <a:r>
-              <a:rPr lang="zh-CN" altLang="en-US" sz="2400" dirty="0" smtClean="0"/>
+              <a:rPr lang="zh-CN" altLang="en-US" sz="2400" smtClean="0"/>
               <a:t>，</a:t>
             </a:r>
             <a:r>
-              <a:rPr lang="zh-CN" altLang="zh-CN" sz="2400" dirty="0" smtClean="0"/>
+              <a:rPr lang="zh-CN" altLang="zh-CN" sz="2400" smtClean="0"/>
               <a:t>美国的洛斯阿拉莫斯国家实验室（</a:t>
             </a:r>
             <a:r>
-              <a:rPr lang="en-US" altLang="zh-CN" sz="2400" dirty="0" smtClean="0"/>
+              <a:rPr lang="en-US" altLang="zh-CN" sz="2400" smtClean="0"/>
               <a:t>Los Alamos National Laboratory</a:t>
             </a:r>
             <a:r>
-              <a:rPr lang="zh-CN" altLang="zh-CN" sz="2400" dirty="0" smtClean="0"/>
+              <a:rPr lang="zh-CN" altLang="zh-CN" sz="2400" smtClean="0"/>
               <a:t>，</a:t>
             </a:r>
             <a:r>
-              <a:rPr lang="en-US" altLang="zh-CN" sz="2400" dirty="0" smtClean="0"/>
+              <a:rPr lang="en-US" altLang="zh-CN" sz="2400" smtClean="0"/>
               <a:t>LANL</a:t>
             </a:r>
             <a:r>
-              <a:rPr lang="zh-CN" altLang="zh-CN" sz="2400" dirty="0" smtClean="0"/>
+              <a:rPr lang="zh-CN" altLang="zh-CN" sz="2400" smtClean="0"/>
               <a:t>）的</a:t>
             </a:r>
             <a:r>
-              <a:rPr lang="en-US" altLang="zh-CN" sz="2400" dirty="0" err="1" smtClean="0"/>
+              <a:rPr lang="en-US" altLang="zh-CN" sz="2400" smtClean="0"/>
               <a:t>J.L.Parker</a:t>
             </a:r>
             <a:r>
-              <a:rPr lang="zh-CN" altLang="zh-CN" sz="2400" dirty="0" smtClean="0"/>
+              <a:rPr lang="zh-CN" altLang="zh-CN" sz="2400" smtClean="0"/>
               <a:t>等人首先提出</a:t>
             </a:r>
             <a:r>
-              <a:rPr lang="zh-CN" altLang="en-US" sz="2400" dirty="0" smtClean="0"/>
+              <a:rPr lang="zh-CN" altLang="en-US" sz="2400" smtClean="0"/>
               <a:t>了</a:t>
             </a:r>
             <a:r>
-              <a:rPr lang="en-US" altLang="zh-CN" sz="2400" dirty="0" smtClean="0"/>
+              <a:rPr lang="en-US" altLang="zh-CN" sz="2400" smtClean="0"/>
               <a:t>SGS</a:t>
             </a:r>
           </a:p>
           <a:p>
-            <a:pPr>
+            <a:pPr eaLnBrk="1" hangingPunct="1">
               <a:lnSpc>
                 <a:spcPct val="80000"/>
               </a:lnSpc>
             </a:pPr>
-            <a:r>
-              <a:rPr lang="zh-CN" altLang="zh-CN" sz="2400" dirty="0" smtClean="0"/>
-              <a:t>二十世纪八十年代末，</a:t>
-            </a:r>
-            <a:r>
-              <a:rPr lang="en-US" altLang="zh-CN" sz="2400" dirty="0" smtClean="0"/>
-              <a:t>CT</a:t>
-            </a:r>
-            <a:r>
-              <a:rPr lang="zh-CN" altLang="zh-CN" sz="2400" dirty="0" smtClean="0"/>
-              <a:t>（</a:t>
-            </a:r>
-            <a:r>
-              <a:rPr lang="en-US" altLang="zh-CN" sz="2400" dirty="0" smtClean="0"/>
-              <a:t>Computerized Tomography</a:t>
-            </a:r>
-            <a:r>
-              <a:rPr lang="zh-CN" altLang="zh-CN" sz="2400" dirty="0" smtClean="0"/>
-              <a:t>）成像技术</a:t>
-            </a:r>
-            <a:r>
-              <a:rPr lang="zh-CN" altLang="en-US" sz="2400" dirty="0" smtClean="0"/>
-              <a:t>引入形成</a:t>
-            </a:r>
-            <a:r>
-              <a:rPr lang="en-US" altLang="zh-CN" sz="2400" dirty="0" smtClean="0"/>
-              <a:t>TGS</a:t>
-            </a:r>
-          </a:p>
-          <a:p>
-            <a:pPr>
+            <a:endParaRPr lang="en-US" altLang="zh-CN" sz="2400" smtClean="0"/>
+          </a:p>
+          <a:p>
+            <a:pPr eaLnBrk="1" hangingPunct="1">
               <a:lnSpc>
                 <a:spcPct val="80000"/>
               </a:lnSpc>
             </a:pPr>
             <a:r>
-              <a:rPr lang="zh-CN" altLang="en-US" sz="2400" dirty="0" smtClean="0"/>
-              <a:t>美国针对</a:t>
-            </a:r>
-            <a:r>
-              <a:rPr lang="en-US" altLang="zh-CN" sz="2400" dirty="0" smtClean="0"/>
-              <a:t>SGS</a:t>
-            </a:r>
-            <a:r>
-              <a:rPr lang="zh-CN" altLang="en-US" sz="2400" dirty="0" smtClean="0"/>
-              <a:t>和</a:t>
-            </a:r>
-            <a:r>
-              <a:rPr lang="en-US" altLang="zh-CN" sz="2400" dirty="0" smtClean="0"/>
+              <a:rPr lang="zh-CN" altLang="zh-CN" sz="2400" smtClean="0"/>
+              <a:t>二十世纪八十年代末，</a:t>
+            </a:r>
+            <a:r>
+              <a:rPr lang="zh-CN" altLang="en-US" sz="2400" smtClean="0"/>
+              <a:t>层析</a:t>
+            </a:r>
+            <a:r>
+              <a:rPr lang="zh-CN" altLang="zh-CN" sz="2400" smtClean="0"/>
+              <a:t>（</a:t>
+            </a:r>
+            <a:r>
+              <a:rPr lang="en-US" altLang="zh-CN" sz="2400" smtClean="0"/>
+              <a:t>Tomography</a:t>
+            </a:r>
+            <a:r>
+              <a:rPr lang="zh-CN" altLang="zh-CN" sz="2400" smtClean="0"/>
+              <a:t>）成像技术</a:t>
+            </a:r>
+            <a:r>
+              <a:rPr lang="zh-CN" altLang="en-US" sz="2400" smtClean="0"/>
+              <a:t>引入形成</a:t>
+            </a:r>
+            <a:r>
+              <a:rPr lang="en-US" altLang="zh-CN" sz="2400" smtClean="0"/>
               <a:t>TGS</a:t>
             </a:r>
-            <a:r>
-              <a:rPr lang="zh-CN" altLang="en-US" sz="2400" dirty="0" smtClean="0"/>
-              <a:t>技术研究主要集中在</a:t>
-            </a:r>
-            <a:r>
-              <a:rPr lang="en-US" altLang="zh-CN" sz="2400" dirty="0" smtClean="0"/>
-              <a:t>LANL</a:t>
-            </a:r>
-            <a:r>
-              <a:rPr lang="zh-CN" altLang="en-US" sz="2400" dirty="0" smtClean="0"/>
-              <a:t>和</a:t>
-            </a:r>
-            <a:r>
-              <a:rPr lang="en-US" altLang="zh-CN" sz="2400" dirty="0" smtClean="0"/>
-              <a:t>LLNL</a:t>
-            </a:r>
-            <a:r>
-              <a:rPr lang="zh-CN" altLang="en-US" sz="2400" dirty="0" smtClean="0"/>
-              <a:t>（</a:t>
-            </a:r>
-            <a:r>
-              <a:rPr lang="en-US" altLang="zh-CN" sz="2400" dirty="0" smtClean="0"/>
-              <a:t>Lawrence Livermore National Laboratory</a:t>
-            </a:r>
-            <a:r>
-              <a:rPr lang="zh-CN" altLang="en-US" sz="2400" dirty="0" smtClean="0"/>
-              <a:t>）实验室</a:t>
-            </a:r>
-            <a:endParaRPr lang="en-US" altLang="zh-CN" sz="2400" dirty="0" smtClean="0"/>
-          </a:p>
-          <a:p>
-            <a:pPr>
+          </a:p>
+          <a:p>
+            <a:pPr eaLnBrk="1" hangingPunct="1">
               <a:lnSpc>
                 <a:spcPct val="80000"/>
               </a:lnSpc>
             </a:pPr>
-            <a:r>
-              <a:rPr lang="zh-CN" altLang="en-US" sz="2400" dirty="0" smtClean="0"/>
+            <a:endParaRPr lang="en-US" altLang="zh-CN" sz="2400" smtClean="0"/>
+          </a:p>
+          <a:p>
+            <a:pPr eaLnBrk="1" hangingPunct="1">
+              <a:lnSpc>
+                <a:spcPct val="80000"/>
+              </a:lnSpc>
+            </a:pPr>
+            <a:r>
+              <a:rPr lang="zh-CN" altLang="en-US" sz="2400" smtClean="0"/>
               <a:t>目前，国外已经有较为成熟的商业化产品，主要来自</a:t>
             </a:r>
             <a:r>
-              <a:rPr lang="en-US" altLang="zh-CN" sz="2400" dirty="0" err="1" smtClean="0"/>
+              <a:rPr lang="en-US" altLang="zh-CN" sz="2400" smtClean="0"/>
               <a:t>Antech</a:t>
             </a:r>
             <a:r>
-              <a:rPr lang="zh-CN" altLang="en-US" sz="2400" dirty="0" smtClean="0"/>
+              <a:rPr lang="zh-CN" altLang="en-US" sz="2400" smtClean="0"/>
               <a:t>和</a:t>
             </a:r>
             <a:r>
-              <a:rPr lang="en-US" altLang="zh-CN" sz="2400" dirty="0" smtClean="0"/>
+              <a:rPr lang="en-US" altLang="zh-CN" sz="2400" smtClean="0"/>
               <a:t>Canberra</a:t>
             </a:r>
             <a:r>
-              <a:rPr lang="zh-CN" altLang="en-US" sz="2400" dirty="0" smtClean="0"/>
+              <a:rPr lang="zh-CN" altLang="en-US" sz="2400" smtClean="0"/>
               <a:t>公司</a:t>
             </a:r>
-            <a:endParaRPr kumimoji="1" lang="zh-CN" altLang="en-US" sz="2800" dirty="0" smtClean="0"/>
+            <a:endParaRPr kumimoji="1" lang="zh-CN" altLang="en-US" sz="2800" smtClean="0"/>
           </a:p>
         </p:txBody>
       </p:sp>
       <p:pic>
         <p:nvPicPr>
-          <p:cNvPr id="21508" name="图片 4"/>
+          <p:cNvPr id="22531" name="图片 4"/>
           <p:cNvPicPr>
             <a:picLocks noChangeAspect="1"/>
           </p:cNvPicPr>
@@ -7389,7 +8204,7 @@
         <p:spPr bwMode="auto">
           <a:xfrm>
             <a:off x="6070600" y="1031875"/>
-            <a:ext cx="2768600" cy="2823324"/>
+            <a:ext cx="2768600" cy="2822575"/>
           </a:xfrm>
           <a:prstGeom prst="rect">
             <a:avLst/>
@@ -7405,7 +8220,7 @@
       </p:pic>
       <p:pic>
         <p:nvPicPr>
-          <p:cNvPr id="21509" name="图片 8"/>
+          <p:cNvPr id="22532" name="图片 8"/>
           <p:cNvPicPr>
             <a:picLocks noChangeAspect="1"/>
           </p:cNvPicPr>
@@ -7420,7 +8235,7 @@
         </p:blipFill>
         <p:spPr bwMode="auto">
           <a:xfrm>
-            <a:off x="6070600" y="3855199"/>
+            <a:off x="6070600" y="3854450"/>
             <a:ext cx="2768600" cy="2281238"/>
           </a:xfrm>
           <a:prstGeom prst="rect">
@@ -7469,7 +8284,7 @@
       </p:grpSpPr>
       <p:sp>
         <p:nvSpPr>
-          <p:cNvPr id="22529" name="标题 1"/>
+          <p:cNvPr id="23553" name="标题 1"/>
           <p:cNvSpPr>
             <a:spLocks noGrp="1"/>
           </p:cNvSpPr>
@@ -7497,6 +8312,7 @@
           </a:bodyPr>
           <a:lstStyle/>
           <a:p>
+            <a:pPr eaLnBrk="1" hangingPunct="1"/>
             <a:r>
               <a:rPr lang="zh-CN" altLang="zh-CN" b="1" smtClean="0"/>
               <a:t>国</a:t>
@@ -7515,7 +8331,7 @@
       </p:sp>
       <p:sp>
         <p:nvSpPr>
-          <p:cNvPr id="22530" name="内容占位符 2"/>
+          <p:cNvPr id="23554" name="内容占位符 2"/>
           <p:cNvSpPr>
             <a:spLocks noGrp="1"/>
           </p:cNvSpPr>
@@ -7533,147 +8349,144 @@
           <a:bodyPr/>
           <a:lstStyle/>
           <a:p>
-            <a:r>
-              <a:rPr lang="en-US" altLang="zh-CN" dirty="0" smtClean="0"/>
+            <a:pPr eaLnBrk="1" hangingPunct="1"/>
+            <a:r>
+              <a:rPr lang="en-US" altLang="zh-CN" smtClean="0"/>
               <a:t>1994</a:t>
             </a:r>
             <a:r>
-              <a:rPr lang="zh-CN" altLang="zh-CN" dirty="0" smtClean="0"/>
+              <a:rPr lang="zh-CN" altLang="zh-CN" smtClean="0"/>
               <a:t>年</a:t>
             </a:r>
             <a:r>
-              <a:rPr lang="zh-CN" altLang="en-US" dirty="0" smtClean="0"/>
+              <a:rPr lang="zh-CN" altLang="en-US" smtClean="0"/>
               <a:t>，</a:t>
             </a:r>
             <a:r>
-              <a:rPr lang="zh-CN" altLang="zh-CN" dirty="0" smtClean="0"/>
+              <a:rPr lang="zh-CN" altLang="zh-CN" smtClean="0"/>
               <a:t>中国原子能研究院借鉴国外技术研制了我国首台</a:t>
             </a:r>
             <a:r>
-              <a:rPr lang="en-US" altLang="zh-CN" dirty="0" smtClean="0"/>
+              <a:rPr lang="en-US" altLang="zh-CN" smtClean="0"/>
               <a:t>SGS</a:t>
             </a:r>
             <a:r>
-              <a:rPr lang="zh-CN" altLang="zh-CN" dirty="0" smtClean="0"/>
+              <a:rPr lang="zh-CN" altLang="zh-CN" smtClean="0"/>
               <a:t>装置</a:t>
             </a:r>
             <a:r>
-              <a:rPr lang="zh-CN" altLang="en-US" dirty="0" smtClean="0"/>
+              <a:rPr lang="zh-CN" altLang="en-US" smtClean="0"/>
               <a:t>，开发了数据采集处理系统，后又研制了移动式</a:t>
             </a:r>
             <a:r>
-              <a:rPr lang="en-US" altLang="zh-CN" dirty="0" smtClean="0"/>
+              <a:rPr lang="en-US" altLang="zh-CN" smtClean="0"/>
               <a:t>SGS</a:t>
             </a:r>
             <a:r>
-              <a:rPr lang="zh-CN" altLang="en-US" dirty="0" smtClean="0"/>
+              <a:rPr lang="zh-CN" altLang="en-US" smtClean="0"/>
               <a:t>装置。</a:t>
             </a:r>
             <a:r>
-              <a:rPr lang="en-US" altLang="zh-CN" dirty="0" smtClean="0"/>
+              <a:rPr lang="en-US" altLang="zh-CN" smtClean="0"/>
               <a:t>2007</a:t>
             </a:r>
             <a:r>
-              <a:rPr lang="zh-CN" altLang="en-US" dirty="0" smtClean="0"/>
+              <a:rPr lang="zh-CN" altLang="en-US" smtClean="0"/>
               <a:t>年研制了</a:t>
             </a:r>
             <a:r>
-              <a:rPr lang="en-US" altLang="zh-CN" dirty="0" smtClean="0"/>
+              <a:rPr lang="en-US" altLang="zh-CN" smtClean="0"/>
               <a:t>TGS</a:t>
             </a:r>
             <a:r>
-              <a:rPr lang="zh-CN" altLang="en-US" dirty="0" smtClean="0"/>
+              <a:rPr lang="zh-CN" altLang="en-US" smtClean="0"/>
               <a:t>样机，正进行应用研究。</a:t>
             </a:r>
-            <a:endParaRPr lang="en-US" altLang="zh-CN" dirty="0" smtClean="0"/>
-          </a:p>
-          <a:p>
-            <a:r>
-              <a:rPr lang="zh-CN" altLang="en-US" dirty="0" smtClean="0"/>
+            <a:endParaRPr lang="en-US" altLang="zh-CN" smtClean="0"/>
+          </a:p>
+          <a:p>
+            <a:pPr eaLnBrk="1" hangingPunct="1"/>
+            <a:r>
+              <a:rPr lang="zh-CN" altLang="en-US" smtClean="0"/>
               <a:t>工程物理研究院与成都理工大学合作，</a:t>
             </a:r>
             <a:r>
-              <a:rPr lang="zh-CN" altLang="zh-CN" dirty="0" smtClean="0"/>
+              <a:rPr lang="zh-CN" altLang="zh-CN" smtClean="0"/>
               <a:t>于</a:t>
             </a:r>
             <a:r>
-              <a:rPr lang="en-US" altLang="zh-CN" dirty="0" smtClean="0"/>
+              <a:rPr lang="en-US" altLang="zh-CN" smtClean="0"/>
               <a:t>2009</a:t>
             </a:r>
             <a:r>
-              <a:rPr lang="zh-CN" altLang="zh-CN" dirty="0" smtClean="0"/>
-              <a:t>年</a:t>
-            </a:r>
-            <a:r>
-              <a:rPr lang="zh-CN" altLang="zh-CN" dirty="0" smtClean="0"/>
-              <a:t>研制</a:t>
-            </a:r>
-            <a:r>
-              <a:rPr lang="zh-CN" altLang="en-US" dirty="0" smtClean="0"/>
+              <a:rPr lang="zh-CN" altLang="zh-CN" smtClean="0"/>
+              <a:t>年研制</a:t>
+            </a:r>
+            <a:r>
+              <a:rPr lang="zh-CN" altLang="en-US" smtClean="0"/>
               <a:t>了</a:t>
             </a:r>
             <a:r>
-              <a:rPr lang="en-US" altLang="zh-CN" dirty="0" smtClean="0"/>
+              <a:rPr lang="en-US" altLang="zh-CN" smtClean="0"/>
               <a:t>SGS</a:t>
             </a:r>
             <a:r>
-              <a:rPr lang="zh-CN" altLang="zh-CN" dirty="0" smtClean="0"/>
+              <a:rPr lang="zh-CN" altLang="zh-CN" smtClean="0"/>
               <a:t>样机，</a:t>
             </a:r>
             <a:r>
-              <a:rPr lang="en-US" altLang="zh-CN" dirty="0" smtClean="0"/>
+              <a:rPr lang="en-US" altLang="zh-CN" smtClean="0"/>
               <a:t>2012</a:t>
             </a:r>
             <a:r>
-              <a:rPr lang="zh-CN" altLang="zh-CN" dirty="0" smtClean="0"/>
-              <a:t>年</a:t>
-            </a:r>
-            <a:r>
-              <a:rPr lang="zh-CN" altLang="zh-CN" dirty="0" smtClean="0"/>
-              <a:t>研制</a:t>
-            </a:r>
-            <a:r>
-              <a:rPr lang="zh-CN" altLang="en-US" dirty="0" smtClean="0"/>
+              <a:rPr lang="zh-CN" altLang="zh-CN" smtClean="0"/>
+              <a:t>年研制</a:t>
+            </a:r>
+            <a:r>
+              <a:rPr lang="zh-CN" altLang="en-US" smtClean="0"/>
               <a:t>了</a:t>
             </a:r>
             <a:r>
-              <a:rPr lang="en-US" altLang="zh-CN" dirty="0" smtClean="0"/>
+              <a:rPr lang="en-US" altLang="zh-CN" smtClean="0"/>
               <a:t>TGS</a:t>
             </a:r>
             <a:r>
-              <a:rPr lang="zh-CN" altLang="zh-CN" dirty="0" smtClean="0"/>
+              <a:rPr lang="zh-CN" altLang="zh-CN" smtClean="0"/>
               <a:t>测量样机。</a:t>
             </a:r>
-            <a:endParaRPr lang="en-US" altLang="zh-CN" dirty="0" smtClean="0"/>
-          </a:p>
-          <a:p>
-            <a:r>
-              <a:rPr lang="zh-CN" altLang="en-US" dirty="0" smtClean="0"/>
+            <a:endParaRPr lang="en-US" altLang="zh-CN" smtClean="0"/>
+          </a:p>
+          <a:p>
+            <a:pPr eaLnBrk="1" hangingPunct="1"/>
+            <a:r>
+              <a:rPr lang="zh-CN" altLang="en-US" smtClean="0"/>
               <a:t>上海交大于自</a:t>
             </a:r>
             <a:r>
-              <a:rPr lang="en-US" altLang="zh-CN" dirty="0" smtClean="0"/>
+              <a:rPr lang="en-US" altLang="zh-CN" smtClean="0"/>
               <a:t>2000</a:t>
             </a:r>
             <a:r>
-              <a:rPr lang="zh-CN" altLang="en-US" dirty="0" smtClean="0"/>
+              <a:rPr lang="zh-CN" altLang="en-US" smtClean="0"/>
               <a:t>年起开始研制</a:t>
             </a:r>
             <a:r>
-              <a:rPr lang="en-US" altLang="zh-CN" dirty="0" smtClean="0"/>
+              <a:rPr lang="en-US" altLang="zh-CN" smtClean="0"/>
               <a:t>SGS/TGS</a:t>
             </a:r>
             <a:r>
-              <a:rPr lang="zh-CN" altLang="en-US" dirty="0" smtClean="0"/>
+              <a:rPr lang="zh-CN" altLang="en-US" smtClean="0"/>
               <a:t>样机。</a:t>
             </a:r>
-            <a:endParaRPr lang="en-US" altLang="zh-CN" dirty="0" smtClean="0"/>
-          </a:p>
-          <a:p>
-            <a:endParaRPr lang="en-US" altLang="zh-CN" dirty="0" smtClean="0"/>
-          </a:p>
-          <a:p>
-            <a:endParaRPr lang="zh-CN" altLang="en-US" dirty="0" smtClean="0"/>
+            <a:endParaRPr lang="en-US" altLang="zh-CN" smtClean="0"/>
+          </a:p>
+          <a:p>
+            <a:pPr eaLnBrk="1" hangingPunct="1"/>
+            <a:endParaRPr lang="en-US" altLang="zh-CN" smtClean="0"/>
+          </a:p>
+          <a:p>
+            <a:pPr eaLnBrk="1" hangingPunct="1"/>
+            <a:endParaRPr lang="zh-CN" altLang="en-US" smtClean="0"/>
           </a:p>
         </p:txBody>
       </p:sp>
@@ -7711,7 +8524,7 @@
       </p:grpSpPr>
       <p:sp>
         <p:nvSpPr>
-          <p:cNvPr id="23553" name="标题 1"/>
+          <p:cNvPr id="24577" name="标题 1"/>
           <p:cNvSpPr>
             <a:spLocks noGrp="1"/>
           </p:cNvSpPr>
@@ -7722,7 +8535,7 @@
         <p:spPr bwMode="auto">
           <a:xfrm>
             <a:off x="457200" y="274638"/>
-            <a:ext cx="6316663" cy="757237"/>
+            <a:ext cx="7969250" cy="757237"/>
           </a:xfrm>
           <a:noFill/>
           <a:ln>
@@ -7739,29 +8552,30 @@
           </a:bodyPr>
           <a:lstStyle/>
           <a:p>
-            <a:r>
-              <a:rPr lang="zh-CN" altLang="zh-CN" sz="3600" b="1" smtClean="0"/>
+            <a:pPr eaLnBrk="1" hangingPunct="1"/>
+            <a:r>
+              <a:rPr lang="zh-CN" altLang="zh-CN" b="1" smtClean="0"/>
               <a:t>国</a:t>
             </a:r>
             <a:r>
-              <a:rPr lang="zh-CN" altLang="en-US" sz="3600" b="1" smtClean="0"/>
+              <a:rPr lang="zh-CN" altLang="en-US" b="1" smtClean="0"/>
               <a:t>内</a:t>
             </a:r>
             <a:r>
-              <a:rPr lang="zh-CN" altLang="zh-CN" sz="3600" b="1" smtClean="0"/>
+              <a:rPr lang="zh-CN" altLang="zh-CN" b="1" smtClean="0"/>
               <a:t>外研究现状</a:t>
             </a:r>
             <a:r>
-              <a:rPr lang="zh-CN" altLang="en-US" sz="3600" b="1" smtClean="0"/>
+              <a:rPr lang="zh-CN" altLang="en-US" b="1" smtClean="0"/>
               <a:t>-改进型方法</a:t>
             </a:r>
-            <a:endParaRPr lang="en-US" altLang="zh-CN" sz="3600" b="1" smtClean="0"/>
-          </a:p>
-        </p:txBody>
-      </p:sp>
-      <p:sp>
-        <p:nvSpPr>
-          <p:cNvPr id="23554" name="内容占位符 2"/>
+            <a:endParaRPr lang="en-US" altLang="zh-CN" b="1" smtClean="0"/>
+          </a:p>
+        </p:txBody>
+      </p:sp>
+      <p:sp>
+        <p:nvSpPr>
+          <p:cNvPr id="24578" name="内容占位符 2"/>
           <p:cNvSpPr>
             <a:spLocks noGrp="1"/>
           </p:cNvSpPr>
@@ -7779,141 +8593,87 @@
           <a:bodyPr/>
           <a:lstStyle/>
           <a:p>
-            <a:pPr marL="609600" indent="-609600">
+            <a:pPr marL="609600" indent="-609600" eaLnBrk="1" hangingPunct="1">
               <a:buFont typeface="Arial" charset="0"/>
               <a:buAutoNum type="arabicPeriod"/>
             </a:pPr>
             <a:r>
-              <a:rPr lang="zh-CN" altLang="en-US" dirty="0" smtClean="0"/>
-              <a:t>假设无层间串扰，每</a:t>
-            </a:r>
-            <a:r>
-              <a:rPr lang="zh-CN" altLang="en-US" dirty="0" smtClean="0"/>
-              <a:t>层环状划分、不同距离测量的改进型</a:t>
-            </a:r>
-            <a:r>
-              <a:rPr lang="en-US" altLang="zh-CN" dirty="0" smtClean="0"/>
+              <a:rPr lang="zh-CN" altLang="en-US" smtClean="0"/>
+              <a:t>改进型</a:t>
+            </a:r>
+            <a:r>
+              <a:rPr lang="en-US" altLang="zh-CN" smtClean="0"/>
               <a:t>SGS</a:t>
             </a:r>
             <a:r>
-              <a:rPr lang="zh-CN" altLang="en-US" dirty="0" smtClean="0"/>
-              <a:t>方法</a:t>
-            </a:r>
-            <a:r>
-              <a:rPr lang="en-US" altLang="zh-CN" dirty="0" smtClean="0"/>
+              <a:rPr lang="zh-CN" altLang="en-US" smtClean="0"/>
+              <a:t>方法，假设无层间串扰，每层径向划分、探测器在不同距离的位置测量</a:t>
+            </a:r>
+            <a:r>
+              <a:rPr lang="en-US" altLang="zh-CN" smtClean="0"/>
               <a:t>【</a:t>
             </a:r>
             <a:r>
-              <a:rPr lang="zh-CN" altLang="en-US" dirty="0" smtClean="0"/>
-              <a:t>单位，人</a:t>
-            </a:r>
-            <a:r>
-              <a:rPr lang="en-US" altLang="zh-CN" dirty="0" smtClean="0"/>
+              <a:rPr lang="zh-CN" altLang="zh-CN" smtClean="0"/>
+              <a:t>Tran Ha Anh</a:t>
+            </a:r>
+            <a:r>
+              <a:rPr lang="en-US" altLang="zh-CN" smtClean="0"/>
               <a:t>】</a:t>
             </a:r>
           </a:p>
           <a:p>
-            <a:pPr marL="609600" indent="-609600">
+            <a:pPr marL="609600" indent="-609600" eaLnBrk="1" hangingPunct="1">
               <a:buFont typeface="Arial" charset="0"/>
               <a:buAutoNum type="arabicPeriod"/>
             </a:pPr>
             <a:r>
-              <a:rPr lang="zh-CN" altLang="en-US" dirty="0" smtClean="0"/>
-              <a:t>每层步进扫描、针对热点进行</a:t>
-            </a:r>
-            <a:r>
-              <a:rPr lang="zh-CN" altLang="en-US" dirty="0" smtClean="0"/>
-              <a:t>重建</a:t>
-            </a:r>
-            <a:r>
-              <a:rPr lang="en-US" altLang="zh-CN" dirty="0" smtClean="0"/>
-              <a:t>【】</a:t>
-            </a:r>
-            <a:endParaRPr lang="en-US" altLang="zh-CN" dirty="0" smtClean="0"/>
-          </a:p>
-          <a:p>
-            <a:pPr marL="609600" indent="-609600">
+              <a:rPr lang="zh-CN" altLang="en-US" smtClean="0"/>
+              <a:t>假设核素主要以热点形式存在，每层周向步进扫描，定位热点位置和活度，对有限热点情况有效</a:t>
+            </a:r>
+            <a:r>
+              <a:rPr lang="en-US" altLang="zh-CN" smtClean="0"/>
+              <a:t>【Y.F.Bai】</a:t>
+            </a:r>
+          </a:p>
+          <a:p>
+            <a:pPr marL="609600" indent="-609600" eaLnBrk="1" hangingPunct="1">
               <a:buFont typeface="Arial" charset="0"/>
               <a:buAutoNum type="arabicPeriod"/>
             </a:pPr>
             <a:r>
-              <a:rPr lang="zh-CN" altLang="zh-CN" dirty="0" smtClean="0"/>
-              <a:t>圆周完全对称的四个探测器</a:t>
-            </a:r>
-            <a:r>
-              <a:rPr lang="zh-CN" altLang="en-US" dirty="0" smtClean="0"/>
-              <a:t>静止测量，</a:t>
-            </a:r>
-            <a:r>
-              <a:rPr lang="zh-CN" altLang="zh-CN" dirty="0" smtClean="0"/>
-              <a:t>将每一层划分为</a:t>
-            </a:r>
-            <a:r>
-              <a:rPr lang="en-US" altLang="zh-CN" dirty="0" smtClean="0"/>
-              <a:t>37</a:t>
-            </a:r>
-            <a:r>
-              <a:rPr lang="zh-CN" altLang="zh-CN" dirty="0" smtClean="0"/>
-              <a:t>个正方形体素，用</a:t>
-            </a:r>
-            <a:r>
-              <a:rPr lang="en-US" altLang="zh-CN" dirty="0" smtClean="0"/>
-              <a:t>CGNN</a:t>
-            </a:r>
-            <a:r>
-              <a:rPr lang="zh-CN" altLang="zh-CN" dirty="0" smtClean="0"/>
-              <a:t>和</a:t>
-            </a:r>
-            <a:r>
-              <a:rPr lang="en-US" altLang="zh-CN" dirty="0" smtClean="0"/>
-              <a:t>ML-EM</a:t>
-            </a:r>
-            <a:r>
-              <a:rPr lang="zh-CN" altLang="zh-CN" dirty="0" smtClean="0"/>
-              <a:t>算法进行图像重建</a:t>
-            </a:r>
-            <a:r>
-              <a:rPr lang="zh-CN" altLang="en-US" dirty="0" smtClean="0"/>
-              <a:t>【</a:t>
-            </a:r>
-            <a:r>
-              <a:rPr lang="en-US" altLang="zh-CN" dirty="0" smtClean="0"/>
-              <a:t>】</a:t>
-            </a:r>
-          </a:p>
-          <a:p>
-            <a:pPr marL="609600" indent="-609600">
-              <a:buFont typeface="Arial" charset="0"/>
-              <a:buAutoNum type="arabicPeriod"/>
-            </a:pPr>
-            <a:r>
-              <a:rPr lang="zh-CN" altLang="en-US" dirty="0" smtClean="0"/>
-              <a:t>在废物桶竖直轴向上下足够远距离</a:t>
-            </a:r>
-            <a:r>
-              <a:rPr lang="en-US" altLang="zh-CN" dirty="0" smtClean="0"/>
+              <a:rPr lang="zh-CN" altLang="en-US" smtClean="0"/>
+              <a:t>改进型</a:t>
+            </a:r>
+            <a:r>
+              <a:rPr lang="en-US" altLang="zh-CN" smtClean="0"/>
+              <a:t>SGS</a:t>
+            </a:r>
+            <a:r>
+              <a:rPr lang="zh-CN" altLang="en-US" smtClean="0"/>
+              <a:t>方法，在废物桶竖直轴向上下足够远距离</a:t>
+            </a:r>
+            <a:r>
+              <a:rPr lang="en-US" altLang="zh-CN" smtClean="0"/>
               <a:t>,</a:t>
             </a:r>
             <a:r>
-              <a:rPr lang="zh-CN" altLang="en-US" dirty="0" smtClean="0"/>
+              <a:rPr lang="zh-CN" altLang="en-US" smtClean="0"/>
               <a:t>增加两个探测器优化</a:t>
             </a:r>
             <a:r>
-              <a:rPr lang="en-US" altLang="zh-CN" dirty="0" smtClean="0"/>
+              <a:rPr lang="en-US" altLang="zh-CN" smtClean="0"/>
               <a:t>SGS</a:t>
             </a:r>
             <a:r>
-              <a:rPr lang="zh-CN" altLang="en-US" dirty="0" smtClean="0"/>
+              <a:rPr lang="zh-CN" altLang="en-US" smtClean="0"/>
               <a:t>测量精度</a:t>
             </a:r>
             <a:r>
-              <a:rPr lang="en-US" altLang="zh-CN" dirty="0" smtClean="0"/>
-              <a:t>【】</a:t>
-            </a:r>
-          </a:p>
-          <a:p>
-            <a:pPr marL="609600" indent="-609600"/>
-            <a:endParaRPr lang="zh-CN" altLang="en-US" dirty="0" smtClean="0"/>
+              <a:rPr lang="en-US" altLang="zh-CN" smtClean="0"/>
+              <a:t>【Tran Quoc Dung】</a:t>
+            </a:r>
+            <a:endParaRPr lang="zh-CN" altLang="en-US" smtClean="0"/>
           </a:p>
         </p:txBody>
       </p:sp>
@@ -7951,7 +8711,7 @@
       </p:grpSpPr>
       <p:sp>
         <p:nvSpPr>
-          <p:cNvPr id="24577" name="标题 1"/>
+          <p:cNvPr id="25601" name="标题 1"/>
           <p:cNvSpPr>
             <a:spLocks noGrp="1"/>
           </p:cNvSpPr>
@@ -7962,7 +8722,7 @@
         <p:spPr bwMode="auto">
           <a:xfrm>
             <a:off x="457200" y="274638"/>
-            <a:ext cx="6316663" cy="757237"/>
+            <a:ext cx="7899400" cy="757237"/>
           </a:xfrm>
           <a:noFill/>
           <a:ln>
@@ -7979,6 +8739,7 @@
           </a:bodyPr>
           <a:lstStyle/>
           <a:p>
+            <a:pPr eaLnBrk="1" hangingPunct="1"/>
             <a:r>
               <a:rPr lang="zh-CN" altLang="zh-CN" b="1" smtClean="0"/>
               <a:t>国</a:t>
@@ -7991,13 +8752,16 @@
               <a:rPr lang="zh-CN" altLang="zh-CN" b="1" smtClean="0"/>
               <a:t>外研究现状</a:t>
             </a:r>
-            <a:endParaRPr lang="zh-CN" altLang="en-US" b="1" smtClean="0"/>
-          </a:p>
-        </p:txBody>
-      </p:sp>
-      <p:sp>
-        <p:nvSpPr>
-          <p:cNvPr id="24578" name="内容占位符 2"/>
+            <a:r>
+              <a:rPr lang="zh-CN" altLang="en-US" b="1" smtClean="0"/>
+              <a:t>-改进型方法</a:t>
+            </a:r>
+          </a:p>
+        </p:txBody>
+      </p:sp>
+      <p:sp>
+        <p:nvSpPr>
+          <p:cNvPr id="25602" name="内容占位符 2"/>
           <p:cNvSpPr>
             <a:spLocks noGrp="1"/>
           </p:cNvSpPr>
@@ -8008,134 +8772,127 @@
         <p:spPr>
           <a:xfrm>
             <a:off x="457200" y="1333500"/>
-            <a:ext cx="8229600" cy="4680934"/>
+            <a:ext cx="8229600" cy="4681538"/>
           </a:xfrm>
         </p:spPr>
         <p:txBody>
           <a:bodyPr/>
           <a:lstStyle/>
           <a:p>
-            <a:pPr marL="609600" indent="-609600">
-              <a:buFont typeface="+mj-lt"/>
-              <a:buAutoNum type="arabicPeriod" startAt="5"/>
+            <a:pPr marL="609600" indent="-609600" eaLnBrk="1" hangingPunct="1">
+              <a:buFont typeface="Calibri" pitchFamily="34" charset="0"/>
+              <a:buAutoNum type="arabicPeriod" startAt="4"/>
             </a:pPr>
             <a:r>
-              <a:rPr lang="zh-CN" altLang="en-US" sz="2800" dirty="0" smtClean="0"/>
+              <a:rPr lang="zh-CN" altLang="en-US" sz="2800" smtClean="0"/>
               <a:t>双探测器</a:t>
             </a:r>
             <a:r>
-              <a:rPr lang="en-US" altLang="zh-CN" sz="2800" dirty="0" smtClean="0"/>
+              <a:rPr lang="en-US" altLang="zh-CN" sz="2800" smtClean="0"/>
               <a:t>SGS</a:t>
             </a:r>
             <a:r>
-              <a:rPr lang="zh-CN" altLang="en-US" sz="2800" dirty="0" smtClean="0"/>
+              <a:rPr lang="zh-CN" altLang="en-US" sz="2800" smtClean="0"/>
               <a:t>技术，假设放射性核素集中在某等效环源上，根据探测器计数率之比求得</a:t>
             </a:r>
             <a:r>
-              <a:rPr lang="zh-CN" altLang="zh-CN" sz="2800" dirty="0" smtClean="0"/>
+              <a:rPr lang="zh-CN" altLang="zh-CN" sz="2800" smtClean="0"/>
               <a:t>等效环源的半径，用这个等效环源的自吸收修正因子校正</a:t>
             </a:r>
             <a:r>
-              <a:rPr lang="en-US" altLang="zh-CN" sz="2800" dirty="0" smtClean="0"/>
+              <a:rPr lang="en-US" altLang="zh-CN" sz="2800" smtClean="0"/>
               <a:t>SGS</a:t>
             </a:r>
             <a:r>
-              <a:rPr lang="zh-CN" altLang="zh-CN" sz="2800" dirty="0" smtClean="0"/>
+              <a:rPr lang="zh-CN" altLang="zh-CN" sz="2800" smtClean="0"/>
               <a:t>结果</a:t>
             </a:r>
             <a:r>
-              <a:rPr lang="zh-CN" altLang="en-US" sz="2800" dirty="0" smtClean="0"/>
+              <a:rPr lang="zh-CN" altLang="en-US" sz="2800" smtClean="0"/>
               <a:t>【上海交大，刘诚</a:t>
             </a:r>
             <a:r>
-              <a:rPr lang="en-US" altLang="zh-CN" sz="2800" dirty="0" smtClean="0"/>
+              <a:rPr lang="en-US" altLang="zh-CN" sz="2800" smtClean="0"/>
               <a:t>】</a:t>
             </a:r>
-            <a:endParaRPr lang="en-US" altLang="zh-CN" sz="2800" dirty="0" smtClean="0"/>
-          </a:p>
-          <a:p>
-            <a:pPr marL="609600" indent="-609600">
+          </a:p>
+          <a:p>
+            <a:pPr marL="609600" indent="-609600" eaLnBrk="1" hangingPunct="1">
               <a:buFont typeface="Arial" charset="0"/>
               <a:buAutoNum type="arabicPeriod" startAt="5"/>
             </a:pPr>
             <a:r>
-              <a:rPr lang="zh-CN" altLang="zh-CN" sz="2800" dirty="0" smtClean="0"/>
+              <a:rPr lang="zh-CN" altLang="zh-CN" sz="2800" smtClean="0"/>
               <a:t>自适应动网格</a:t>
             </a:r>
             <a:r>
-              <a:rPr lang="en-US" altLang="zh-CN" sz="2800" dirty="0" smtClean="0"/>
+              <a:rPr lang="en-US" altLang="zh-CN" sz="2800" smtClean="0"/>
               <a:t>TGS</a:t>
             </a:r>
             <a:r>
-              <a:rPr lang="zh-CN" altLang="zh-CN" sz="2800" dirty="0" smtClean="0"/>
+              <a:rPr lang="zh-CN" altLang="zh-CN" sz="2800" smtClean="0"/>
               <a:t>技术</a:t>
             </a:r>
             <a:r>
-              <a:rPr lang="zh-CN" altLang="en-US" sz="2800" dirty="0" smtClean="0"/>
+              <a:rPr lang="zh-CN" altLang="en-US" sz="2800" smtClean="0"/>
               <a:t>，假设放射性核素主要以热点形式存在，</a:t>
             </a:r>
             <a:r>
-              <a:rPr lang="zh-CN" altLang="zh-CN" sz="2800" dirty="0" smtClean="0"/>
+              <a:rPr lang="zh-CN" altLang="zh-CN" sz="2800" smtClean="0"/>
               <a:t>将探测到热点的粗网格细分，更精确的定位热点的位置和活度，</a:t>
             </a:r>
             <a:r>
-              <a:rPr lang="zh-CN" altLang="en-US" sz="2800" dirty="0" smtClean="0"/>
+              <a:rPr lang="zh-CN" altLang="en-US" sz="2800" smtClean="0"/>
               <a:t>减少了测量时间</a:t>
             </a:r>
             <a:r>
-              <a:rPr lang="en-US" altLang="zh-CN" sz="2800" dirty="0" smtClean="0"/>
+              <a:rPr lang="en-US" altLang="zh-CN" sz="2800" smtClean="0"/>
               <a:t>【</a:t>
             </a:r>
             <a:r>
-              <a:rPr lang="zh-CN" altLang="en-US" sz="2800" dirty="0" smtClean="0"/>
+              <a:rPr lang="zh-CN" altLang="en-US" sz="2800" smtClean="0"/>
               <a:t>上海交大，刘诚</a:t>
             </a:r>
             <a:r>
-              <a:rPr lang="en-US" altLang="zh-CN" sz="2800" dirty="0" smtClean="0"/>
+              <a:rPr lang="en-US" altLang="zh-CN" sz="2800" smtClean="0"/>
               <a:t>】</a:t>
             </a:r>
-            <a:endParaRPr lang="en-US" altLang="zh-CN" sz="2800" dirty="0" smtClean="0"/>
-          </a:p>
-          <a:p>
-            <a:pPr marL="609600" indent="-609600">
+          </a:p>
+          <a:p>
+            <a:pPr marL="609600" indent="-609600" eaLnBrk="1" hangingPunct="1">
               <a:buFont typeface="Arial" charset="0"/>
               <a:buAutoNum type="arabicPeriod" startAt="5"/>
             </a:pPr>
             <a:r>
-              <a:rPr lang="en-US" altLang="zh-CN" sz="2800" dirty="0" smtClean="0"/>
+              <a:rPr lang="en-US" altLang="zh-CN" sz="2800" smtClean="0"/>
               <a:t>STGS</a:t>
             </a:r>
             <a:r>
-              <a:rPr lang="zh-CN" altLang="en-US" sz="2800" dirty="0" smtClean="0"/>
-              <a:t>技术</a:t>
-            </a:r>
-            <a:r>
-              <a:rPr lang="zh-CN" altLang="en-US" sz="2800" dirty="0" smtClean="0"/>
-              <a:t>，在</a:t>
-            </a:r>
-            <a:r>
-              <a:rPr lang="en-US" altLang="zh-CN" sz="2800" dirty="0" smtClean="0"/>
+              <a:rPr lang="zh-CN" altLang="en-US" sz="2800" smtClean="0"/>
+              <a:t>技术，在</a:t>
+            </a:r>
+            <a:r>
+              <a:rPr lang="en-US" altLang="zh-CN" sz="2800" smtClean="0"/>
               <a:t>SGS</a:t>
             </a:r>
             <a:r>
-              <a:rPr lang="zh-CN" altLang="en-US" sz="2800" dirty="0" smtClean="0"/>
+              <a:rPr lang="zh-CN" altLang="en-US" sz="2800" smtClean="0"/>
               <a:t>基础上每层环状划分，假设环状体素内分布均匀，利用拓扑层析技术重建</a:t>
             </a:r>
-            <a:endParaRPr lang="zh-CN" altLang="en-US" sz="2800" dirty="0" smtClean="0"/>
-          </a:p>
-          <a:p>
-            <a:pPr marL="609600" indent="-609600">
+          </a:p>
+          <a:p>
+            <a:pPr marL="609600" indent="-609600" eaLnBrk="1" hangingPunct="1">
               <a:buFont typeface="Arial" charset="0"/>
               <a:buAutoNum type="arabicPeriod" startAt="5"/>
             </a:pPr>
-            <a:endParaRPr lang="en-US" altLang="zh-CN" sz="2800" dirty="0" smtClean="0"/>
-          </a:p>
-          <a:p>
-            <a:pPr marL="609600" indent="-609600">
+            <a:endParaRPr lang="en-US" altLang="zh-CN" sz="2800" smtClean="0"/>
+          </a:p>
+          <a:p>
+            <a:pPr marL="609600" indent="-609600" eaLnBrk="1" hangingPunct="1">
               <a:buFont typeface="Arial" charset="0"/>
               <a:buAutoNum type="arabicPeriod" startAt="5"/>
             </a:pPr>
-            <a:endParaRPr lang="zh-CN" altLang="en-US" sz="2800" dirty="0" smtClean="0"/>
+            <a:endParaRPr lang="zh-CN" altLang="en-US" sz="2800" smtClean="0"/>
           </a:p>
         </p:txBody>
       </p:sp>
@@ -8517,7 +9274,7 @@
     </a:clrScheme>
     <a:fontScheme name="Office">
       <a:majorFont>
-        <a:latin typeface="Calibri Light" panose="020F0302020204030204"/>
+        <a:latin typeface="Calibri Light"/>
         <a:ea typeface=""/>
         <a:cs typeface=""/>
         <a:font script="Jpan" typeface="ＭＳ Ｐゴシック"/>
@@ -8552,7 +9309,7 @@
         <a:font script="Geor" typeface="Sylfaen"/>
       </a:majorFont>
       <a:minorFont>
-        <a:latin typeface="Calibri" panose="020F0502020204030204"/>
+        <a:latin typeface="Calibri"/>
         <a:ea typeface=""/>
         <a:cs typeface=""/>
         <a:font script="Jpan" typeface="ＭＳ Ｐゴシック"/>
@@ -8729,7 +9486,7 @@
   <a:extraClrSchemeLst/>
   <a:extLst>
     <a:ext uri="{05A4C25C-085E-4340-85A3-A5531E510DB2}">
-      <thm15:themeFamily xmlns:thm15="http://schemas.microsoft.com/office/thememl/2012/main" name="Office Theme" id="{62F939B6-93AF-4DB8-9C6B-D6C7DFDC589F}" vid="{4A3C46E8-61CC-4603-A589-7422A47A8E4A}"/>
+      <thm15:themeFamily xmlns="" xmlns:thm15="http://schemas.microsoft.com/office/thememl/2012/main" name="Office Theme" id="{62F939B6-93AF-4DB8-9C6B-D6C7DFDC589F}" vid="{4A3C46E8-61CC-4603-A589-7422A47A8E4A}"/>
     </a:ext>
   </a:extLst>
 </a:theme>
